--- a/Chapter02-IntroToABM/Chapter2.pptx
+++ b/Chapter02-IntroToABM/Chapter2.pptx
@@ -4,8 +4,34 @@
   <p:sldMasterIdLst>
     <p:sldMasterId id="2147483648" r:id="rId1"/>
   </p:sldMasterIdLst>
+  <p:notesMasterIdLst>
+    <p:notesMasterId r:id="rId26"/>
+  </p:notesMasterIdLst>
   <p:sldIdLst>
     <p:sldId id="256" r:id="rId2"/>
+    <p:sldId id="257" r:id="rId3"/>
+    <p:sldId id="258" r:id="rId4"/>
+    <p:sldId id="259" r:id="rId5"/>
+    <p:sldId id="260" r:id="rId6"/>
+    <p:sldId id="261" r:id="rId7"/>
+    <p:sldId id="262" r:id="rId8"/>
+    <p:sldId id="263" r:id="rId9"/>
+    <p:sldId id="264" r:id="rId10"/>
+    <p:sldId id="265" r:id="rId11"/>
+    <p:sldId id="266" r:id="rId12"/>
+    <p:sldId id="267" r:id="rId13"/>
+    <p:sldId id="268" r:id="rId14"/>
+    <p:sldId id="269" r:id="rId15"/>
+    <p:sldId id="270" r:id="rId16"/>
+    <p:sldId id="271" r:id="rId17"/>
+    <p:sldId id="272" r:id="rId18"/>
+    <p:sldId id="274" r:id="rId19"/>
+    <p:sldId id="273" r:id="rId20"/>
+    <p:sldId id="275" r:id="rId21"/>
+    <p:sldId id="279" r:id="rId22"/>
+    <p:sldId id="276" r:id="rId23"/>
+    <p:sldId id="277" r:id="rId24"/>
+    <p:sldId id="278" r:id="rId25"/>
   </p:sldIdLst>
   <p:sldSz cx="12192000" cy="6858000"/>
   <p:notesSz cx="6858000" cy="9144000"/>
@@ -104,7 +130,562 @@
       </a:defRPr>
     </a:lvl9pPr>
   </p:defaultTextStyle>
+  <p:extLst>
+    <p:ext uri="{EFAFB233-063F-42B5-8137-9DF3F51BA10A}">
+      <p15:sldGuideLst xmlns:p15="http://schemas.microsoft.com/office/powerpoint/2012/main"/>
+    </p:ext>
+  </p:extLst>
 </p:presentation>
+</file>
+
+<file path=ppt/notesMasters/notesMaster1.xml><?xml version="1.0" encoding="utf-8"?>
+<p:notesMaster xmlns:a="http://schemas.openxmlformats.org/drawingml/2006/main" xmlns:r="http://schemas.openxmlformats.org/officeDocument/2006/relationships" xmlns:p="http://schemas.openxmlformats.org/presentationml/2006/main">
+  <p:cSld>
+    <p:bg>
+      <p:bgRef idx="1001">
+        <a:schemeClr val="bg1"/>
+      </p:bgRef>
+    </p:bg>
+    <p:spTree>
+      <p:nvGrpSpPr>
+        <p:cNvPr id="1" name=""/>
+        <p:cNvGrpSpPr/>
+        <p:nvPr/>
+      </p:nvGrpSpPr>
+      <p:grpSpPr>
+        <a:xfrm>
+          <a:off x="0" y="0"/>
+          <a:ext cx="0" cy="0"/>
+          <a:chOff x="0" y="0"/>
+          <a:chExt cx="0" cy="0"/>
+        </a:xfrm>
+      </p:grpSpPr>
+      <p:sp>
+        <p:nvSpPr>
+          <p:cNvPr id="2" name="Header Placeholder 1"/>
+          <p:cNvSpPr>
+            <a:spLocks noGrp="1"/>
+          </p:cNvSpPr>
+          <p:nvPr>
+            <p:ph type="hdr" sz="quarter"/>
+          </p:nvPr>
+        </p:nvSpPr>
+        <p:spPr>
+          <a:xfrm>
+            <a:off x="0" y="0"/>
+            <a:ext cx="2971800" cy="458788"/>
+          </a:xfrm>
+          <a:prstGeom prst="rect">
+            <a:avLst/>
+          </a:prstGeom>
+        </p:spPr>
+        <p:txBody>
+          <a:bodyPr vert="horz" lIns="91440" tIns="45720" rIns="91440" bIns="45720" rtlCol="0"/>
+          <a:lstStyle>
+            <a:lvl1pPr algn="l">
+              <a:defRPr sz="1200"/>
+            </a:lvl1pPr>
+          </a:lstStyle>
+          <a:p>
+            <a:endParaRPr lang="en-US"/>
+          </a:p>
+        </p:txBody>
+      </p:sp>
+      <p:sp>
+        <p:nvSpPr>
+          <p:cNvPr id="3" name="Date Placeholder 2"/>
+          <p:cNvSpPr>
+            <a:spLocks noGrp="1"/>
+          </p:cNvSpPr>
+          <p:nvPr>
+            <p:ph type="dt" idx="1"/>
+          </p:nvPr>
+        </p:nvSpPr>
+        <p:spPr>
+          <a:xfrm>
+            <a:off x="3884613" y="0"/>
+            <a:ext cx="2971800" cy="458788"/>
+          </a:xfrm>
+          <a:prstGeom prst="rect">
+            <a:avLst/>
+          </a:prstGeom>
+        </p:spPr>
+        <p:txBody>
+          <a:bodyPr vert="horz" lIns="91440" tIns="45720" rIns="91440" bIns="45720" rtlCol="0"/>
+          <a:lstStyle>
+            <a:lvl1pPr algn="r">
+              <a:defRPr sz="1200"/>
+            </a:lvl1pPr>
+          </a:lstStyle>
+          <a:p>
+            <a:fld id="{277BE31A-CF47-1542-834B-3F84EFC65F53}" type="datetimeFigureOut">
+              <a:rPr lang="en-US" smtClean="0"/>
+              <a:t>7/16/18</a:t>
+            </a:fld>
+            <a:endParaRPr lang="en-US"/>
+          </a:p>
+        </p:txBody>
+      </p:sp>
+      <p:sp>
+        <p:nvSpPr>
+          <p:cNvPr id="4" name="Slide Image Placeholder 3"/>
+          <p:cNvSpPr>
+            <a:spLocks noGrp="1" noRot="1" noChangeAspect="1"/>
+          </p:cNvSpPr>
+          <p:nvPr>
+            <p:ph type="sldImg" idx="2"/>
+          </p:nvPr>
+        </p:nvSpPr>
+        <p:spPr>
+          <a:xfrm>
+            <a:off x="685800" y="1143000"/>
+            <a:ext cx="5486400" cy="3086100"/>
+          </a:xfrm>
+          <a:prstGeom prst="rect">
+            <a:avLst/>
+          </a:prstGeom>
+          <a:noFill/>
+          <a:ln w="12700">
+            <a:solidFill>
+              <a:prstClr val="black"/>
+            </a:solidFill>
+          </a:ln>
+        </p:spPr>
+        <p:txBody>
+          <a:bodyPr vert="horz" lIns="91440" tIns="45720" rIns="91440" bIns="45720" rtlCol="0" anchor="ctr"/>
+          <a:lstStyle/>
+          <a:p>
+            <a:endParaRPr lang="en-US"/>
+          </a:p>
+        </p:txBody>
+      </p:sp>
+      <p:sp>
+        <p:nvSpPr>
+          <p:cNvPr id="5" name="Notes Placeholder 4"/>
+          <p:cNvSpPr>
+            <a:spLocks noGrp="1"/>
+          </p:cNvSpPr>
+          <p:nvPr>
+            <p:ph type="body" sz="quarter" idx="3"/>
+          </p:nvPr>
+        </p:nvSpPr>
+        <p:spPr>
+          <a:xfrm>
+            <a:off x="685800" y="4400550"/>
+            <a:ext cx="5486400" cy="3600450"/>
+          </a:xfrm>
+          <a:prstGeom prst="rect">
+            <a:avLst/>
+          </a:prstGeom>
+        </p:spPr>
+        <p:txBody>
+          <a:bodyPr vert="horz" lIns="91440" tIns="45720" rIns="91440" bIns="45720" rtlCol="0"/>
+          <a:lstStyle/>
+          <a:p>
+            <a:pPr lvl="0"/>
+            <a:r>
+              <a:rPr lang="en-US"/>
+              <a:t>Edit Master text styles</a:t>
+            </a:r>
+          </a:p>
+          <a:p>
+            <a:pPr lvl="1"/>
+            <a:r>
+              <a:rPr lang="en-US"/>
+              <a:t>Second level</a:t>
+            </a:r>
+          </a:p>
+          <a:p>
+            <a:pPr lvl="2"/>
+            <a:r>
+              <a:rPr lang="en-US"/>
+              <a:t>Third level</a:t>
+            </a:r>
+          </a:p>
+          <a:p>
+            <a:pPr lvl="3"/>
+            <a:r>
+              <a:rPr lang="en-US"/>
+              <a:t>Fourth level</a:t>
+            </a:r>
+          </a:p>
+          <a:p>
+            <a:pPr lvl="4"/>
+            <a:r>
+              <a:rPr lang="en-US"/>
+              <a:t>Fifth level</a:t>
+            </a:r>
+          </a:p>
+        </p:txBody>
+      </p:sp>
+      <p:sp>
+        <p:nvSpPr>
+          <p:cNvPr id="6" name="Footer Placeholder 5"/>
+          <p:cNvSpPr>
+            <a:spLocks noGrp="1"/>
+          </p:cNvSpPr>
+          <p:nvPr>
+            <p:ph type="ftr" sz="quarter" idx="4"/>
+          </p:nvPr>
+        </p:nvSpPr>
+        <p:spPr>
+          <a:xfrm>
+            <a:off x="0" y="8685213"/>
+            <a:ext cx="2971800" cy="458787"/>
+          </a:xfrm>
+          <a:prstGeom prst="rect">
+            <a:avLst/>
+          </a:prstGeom>
+        </p:spPr>
+        <p:txBody>
+          <a:bodyPr vert="horz" lIns="91440" tIns="45720" rIns="91440" bIns="45720" rtlCol="0" anchor="b"/>
+          <a:lstStyle>
+            <a:lvl1pPr algn="l">
+              <a:defRPr sz="1200"/>
+            </a:lvl1pPr>
+          </a:lstStyle>
+          <a:p>
+            <a:endParaRPr lang="en-US"/>
+          </a:p>
+        </p:txBody>
+      </p:sp>
+      <p:sp>
+        <p:nvSpPr>
+          <p:cNvPr id="7" name="Slide Number Placeholder 6"/>
+          <p:cNvSpPr>
+            <a:spLocks noGrp="1"/>
+          </p:cNvSpPr>
+          <p:nvPr>
+            <p:ph type="sldNum" sz="quarter" idx="5"/>
+          </p:nvPr>
+        </p:nvSpPr>
+        <p:spPr>
+          <a:xfrm>
+            <a:off x="3884613" y="8685213"/>
+            <a:ext cx="2971800" cy="458787"/>
+          </a:xfrm>
+          <a:prstGeom prst="rect">
+            <a:avLst/>
+          </a:prstGeom>
+        </p:spPr>
+        <p:txBody>
+          <a:bodyPr vert="horz" lIns="91440" tIns="45720" rIns="91440" bIns="45720" rtlCol="0" anchor="b"/>
+          <a:lstStyle>
+            <a:lvl1pPr algn="r">
+              <a:defRPr sz="1200"/>
+            </a:lvl1pPr>
+          </a:lstStyle>
+          <a:p>
+            <a:fld id="{A5E3B634-187A-714A-9D7D-FC23E693A20E}" type="slidenum">
+              <a:rPr lang="en-US" smtClean="0"/>
+              <a:t>‹#›</a:t>
+            </a:fld>
+            <a:endParaRPr lang="en-US"/>
+          </a:p>
+        </p:txBody>
+      </p:sp>
+    </p:spTree>
+    <p:extLst>
+      <p:ext uri="{BB962C8B-B14F-4D97-AF65-F5344CB8AC3E}">
+        <p14:creationId xmlns:p14="http://schemas.microsoft.com/office/powerpoint/2010/main" val="4221703336"/>
+      </p:ext>
+    </p:extLst>
+  </p:cSld>
+  <p:clrMap bg1="lt1" tx1="dk1" bg2="lt2" tx2="dk2" accent1="accent1" accent2="accent2" accent3="accent3" accent4="accent4" accent5="accent5" accent6="accent6" hlink="hlink" folHlink="folHlink"/>
+  <p:notesStyle>
+    <a:lvl1pPr marL="0" algn="l" defTabSz="914400" rtl="0" eaLnBrk="1" latinLnBrk="0" hangingPunct="1">
+      <a:defRPr sz="1200" kern="1200">
+        <a:solidFill>
+          <a:schemeClr val="tx1"/>
+        </a:solidFill>
+        <a:latin typeface="+mn-lt"/>
+        <a:ea typeface="+mn-ea"/>
+        <a:cs typeface="+mn-cs"/>
+      </a:defRPr>
+    </a:lvl1pPr>
+    <a:lvl2pPr marL="457200" algn="l" defTabSz="914400" rtl="0" eaLnBrk="1" latinLnBrk="0" hangingPunct="1">
+      <a:defRPr sz="1200" kern="1200">
+        <a:solidFill>
+          <a:schemeClr val="tx1"/>
+        </a:solidFill>
+        <a:latin typeface="+mn-lt"/>
+        <a:ea typeface="+mn-ea"/>
+        <a:cs typeface="+mn-cs"/>
+      </a:defRPr>
+    </a:lvl2pPr>
+    <a:lvl3pPr marL="914400" algn="l" defTabSz="914400" rtl="0" eaLnBrk="1" latinLnBrk="0" hangingPunct="1">
+      <a:defRPr sz="1200" kern="1200">
+        <a:solidFill>
+          <a:schemeClr val="tx1"/>
+        </a:solidFill>
+        <a:latin typeface="+mn-lt"/>
+        <a:ea typeface="+mn-ea"/>
+        <a:cs typeface="+mn-cs"/>
+      </a:defRPr>
+    </a:lvl3pPr>
+    <a:lvl4pPr marL="1371600" algn="l" defTabSz="914400" rtl="0" eaLnBrk="1" latinLnBrk="0" hangingPunct="1">
+      <a:defRPr sz="1200" kern="1200">
+        <a:solidFill>
+          <a:schemeClr val="tx1"/>
+        </a:solidFill>
+        <a:latin typeface="+mn-lt"/>
+        <a:ea typeface="+mn-ea"/>
+        <a:cs typeface="+mn-cs"/>
+      </a:defRPr>
+    </a:lvl4pPr>
+    <a:lvl5pPr marL="1828800" algn="l" defTabSz="914400" rtl="0" eaLnBrk="1" latinLnBrk="0" hangingPunct="1">
+      <a:defRPr sz="1200" kern="1200">
+        <a:solidFill>
+          <a:schemeClr val="tx1"/>
+        </a:solidFill>
+        <a:latin typeface="+mn-lt"/>
+        <a:ea typeface="+mn-ea"/>
+        <a:cs typeface="+mn-cs"/>
+      </a:defRPr>
+    </a:lvl5pPr>
+    <a:lvl6pPr marL="2286000" algn="l" defTabSz="914400" rtl="0" eaLnBrk="1" latinLnBrk="0" hangingPunct="1">
+      <a:defRPr sz="1200" kern="1200">
+        <a:solidFill>
+          <a:schemeClr val="tx1"/>
+        </a:solidFill>
+        <a:latin typeface="+mn-lt"/>
+        <a:ea typeface="+mn-ea"/>
+        <a:cs typeface="+mn-cs"/>
+      </a:defRPr>
+    </a:lvl6pPr>
+    <a:lvl7pPr marL="2743200" algn="l" defTabSz="914400" rtl="0" eaLnBrk="1" latinLnBrk="0" hangingPunct="1">
+      <a:defRPr sz="1200" kern="1200">
+        <a:solidFill>
+          <a:schemeClr val="tx1"/>
+        </a:solidFill>
+        <a:latin typeface="+mn-lt"/>
+        <a:ea typeface="+mn-ea"/>
+        <a:cs typeface="+mn-cs"/>
+      </a:defRPr>
+    </a:lvl7pPr>
+    <a:lvl8pPr marL="3200400" algn="l" defTabSz="914400" rtl="0" eaLnBrk="1" latinLnBrk="0" hangingPunct="1">
+      <a:defRPr sz="1200" kern="1200">
+        <a:solidFill>
+          <a:schemeClr val="tx1"/>
+        </a:solidFill>
+        <a:latin typeface="+mn-lt"/>
+        <a:ea typeface="+mn-ea"/>
+        <a:cs typeface="+mn-cs"/>
+      </a:defRPr>
+    </a:lvl8pPr>
+    <a:lvl9pPr marL="3657600" algn="l" defTabSz="914400" rtl="0" eaLnBrk="1" latinLnBrk="0" hangingPunct="1">
+      <a:defRPr sz="1200" kern="1200">
+        <a:solidFill>
+          <a:schemeClr val="tx1"/>
+        </a:solidFill>
+        <a:latin typeface="+mn-lt"/>
+        <a:ea typeface="+mn-ea"/>
+        <a:cs typeface="+mn-cs"/>
+      </a:defRPr>
+    </a:lvl9pPr>
+  </p:notesStyle>
+</p:notesMaster>
+</file>
+
+<file path=ppt/notesSlides/notesSlide1.xml><?xml version="1.0" encoding="utf-8"?>
+<p:notes xmlns:a="http://schemas.openxmlformats.org/drawingml/2006/main" xmlns:r="http://schemas.openxmlformats.org/officeDocument/2006/relationships" xmlns:p="http://schemas.openxmlformats.org/presentationml/2006/main">
+  <p:cSld>
+    <p:spTree>
+      <p:nvGrpSpPr>
+        <p:cNvPr id="1" name=""/>
+        <p:cNvGrpSpPr/>
+        <p:nvPr/>
+      </p:nvGrpSpPr>
+      <p:grpSpPr>
+        <a:xfrm>
+          <a:off x="0" y="0"/>
+          <a:ext cx="0" cy="0"/>
+          <a:chOff x="0" y="0"/>
+          <a:chExt cx="0" cy="0"/>
+        </a:xfrm>
+      </p:grpSpPr>
+      <p:sp>
+        <p:nvSpPr>
+          <p:cNvPr id="2" name="Slide Image Placeholder 1"/>
+          <p:cNvSpPr>
+            <a:spLocks noGrp="1" noRot="1" noChangeAspect="1"/>
+          </p:cNvSpPr>
+          <p:nvPr>
+            <p:ph type="sldImg"/>
+          </p:nvPr>
+        </p:nvSpPr>
+        <p:spPr/>
+      </p:sp>
+      <p:sp>
+        <p:nvSpPr>
+          <p:cNvPr id="3" name="Notes Placeholder 2"/>
+          <p:cNvSpPr>
+            <a:spLocks noGrp="1"/>
+          </p:cNvSpPr>
+          <p:nvPr>
+            <p:ph type="body" idx="1"/>
+          </p:nvPr>
+        </p:nvSpPr>
+        <p:spPr/>
+        <p:txBody>
+          <a:bodyPr/>
+          <a:lstStyle/>
+          <a:p>
+            <a:r>
+              <a:rPr lang="en-US" dirty="0"/>
+              <a:t>In this Chapter we introduce the key concepts behind agent-based modelling.  What is an agent, and what are rules?  These are discussed along with a consideration of the main advantages and disadvantages for simulating spatial systems.  A range of established applications are presented to give a </a:t>
+            </a:r>
+            <a:r>
+              <a:rPr lang="en-US" dirty="0" err="1"/>
+              <a:t>flavour</a:t>
+            </a:r>
+            <a:r>
+              <a:rPr lang="en-US" dirty="0"/>
+              <a:t> of how agent-based models can be successfully applied.  The overarching aim of this chapter is to give the reader an understanding of what an agent-based model is.  This knowledge will be built upon in subsequent chapters. </a:t>
+            </a:r>
+          </a:p>
+          <a:p>
+            <a:endParaRPr lang="en-US" dirty="0"/>
+          </a:p>
+        </p:txBody>
+      </p:sp>
+      <p:sp>
+        <p:nvSpPr>
+          <p:cNvPr id="4" name="Slide Number Placeholder 3"/>
+          <p:cNvSpPr>
+            <a:spLocks noGrp="1"/>
+          </p:cNvSpPr>
+          <p:nvPr>
+            <p:ph type="sldNum" sz="quarter" idx="10"/>
+          </p:nvPr>
+        </p:nvSpPr>
+        <p:spPr/>
+        <p:txBody>
+          <a:bodyPr/>
+          <a:lstStyle/>
+          <a:p>
+            <a:fld id="{A5E3B634-187A-714A-9D7D-FC23E693A20E}" type="slidenum">
+              <a:rPr lang="en-US" smtClean="0"/>
+              <a:t>1</a:t>
+            </a:fld>
+            <a:endParaRPr lang="en-US"/>
+          </a:p>
+        </p:txBody>
+      </p:sp>
+    </p:spTree>
+    <p:extLst>
+      <p:ext uri="{BB962C8B-B14F-4D97-AF65-F5344CB8AC3E}">
+        <p14:creationId xmlns:p14="http://schemas.microsoft.com/office/powerpoint/2010/main" val="3001100337"/>
+      </p:ext>
+    </p:extLst>
+  </p:cSld>
+  <p:clrMapOvr>
+    <a:masterClrMapping/>
+  </p:clrMapOvr>
+</p:notes>
+</file>
+
+<file path=ppt/notesSlides/notesSlide2.xml><?xml version="1.0" encoding="utf-8"?>
+<p:notes xmlns:a="http://schemas.openxmlformats.org/drawingml/2006/main" xmlns:r="http://schemas.openxmlformats.org/officeDocument/2006/relationships" xmlns:p="http://schemas.openxmlformats.org/presentationml/2006/main">
+  <p:cSld>
+    <p:spTree>
+      <p:nvGrpSpPr>
+        <p:cNvPr id="1" name=""/>
+        <p:cNvGrpSpPr/>
+        <p:nvPr/>
+      </p:nvGrpSpPr>
+      <p:grpSpPr>
+        <a:xfrm>
+          <a:off x="0" y="0"/>
+          <a:ext cx="0" cy="0"/>
+          <a:chOff x="0" y="0"/>
+          <a:chExt cx="0" cy="0"/>
+        </a:xfrm>
+      </p:grpSpPr>
+      <p:sp>
+        <p:nvSpPr>
+          <p:cNvPr id="2" name="Slide Image Placeholder 1"/>
+          <p:cNvSpPr>
+            <a:spLocks noGrp="1" noRot="1" noChangeAspect="1"/>
+          </p:cNvSpPr>
+          <p:nvPr>
+            <p:ph type="sldImg"/>
+          </p:nvPr>
+        </p:nvSpPr>
+        <p:spPr/>
+      </p:sp>
+      <p:sp>
+        <p:nvSpPr>
+          <p:cNvPr id="3" name="Notes Placeholder 2"/>
+          <p:cNvSpPr>
+            <a:spLocks noGrp="1"/>
+          </p:cNvSpPr>
+          <p:nvPr>
+            <p:ph type="body" idx="1"/>
+          </p:nvPr>
+        </p:nvSpPr>
+        <p:spPr/>
+        <p:txBody>
+          <a:bodyPr/>
+          <a:lstStyle/>
+          <a:p>
+            <a:r>
+              <a:rPr lang="en-US" dirty="0"/>
+              <a:t>Click on image to see a movie on YouTube. Or see https://</a:t>
+            </a:r>
+            <a:r>
+              <a:rPr lang="en-US" dirty="0" err="1"/>
+              <a:t>youtu.be</a:t>
+            </a:r>
+            <a:r>
+              <a:rPr lang="en-US" dirty="0"/>
+              <a:t>/</a:t>
+            </a:r>
+            <a:r>
+              <a:rPr lang="en-US" dirty="0" err="1"/>
+              <a:t>aLmOxnPKUqk</a:t>
+            </a:r>
+            <a:r>
+              <a:rPr lang="en-US" dirty="0"/>
+              <a:t> </a:t>
+            </a:r>
+          </a:p>
+        </p:txBody>
+      </p:sp>
+      <p:sp>
+        <p:nvSpPr>
+          <p:cNvPr id="4" name="Slide Number Placeholder 3"/>
+          <p:cNvSpPr>
+            <a:spLocks noGrp="1"/>
+          </p:cNvSpPr>
+          <p:nvPr>
+            <p:ph type="sldNum" sz="quarter" idx="10"/>
+          </p:nvPr>
+        </p:nvSpPr>
+        <p:spPr/>
+        <p:txBody>
+          <a:bodyPr/>
+          <a:lstStyle/>
+          <a:p>
+            <a:fld id="{A5E3B634-187A-714A-9D7D-FC23E693A20E}" type="slidenum">
+              <a:rPr lang="en-US" smtClean="0"/>
+              <a:t>23</a:t>
+            </a:fld>
+            <a:endParaRPr lang="en-US"/>
+          </a:p>
+        </p:txBody>
+      </p:sp>
+    </p:spTree>
+    <p:extLst>
+      <p:ext uri="{BB962C8B-B14F-4D97-AF65-F5344CB8AC3E}">
+        <p14:creationId xmlns:p14="http://schemas.microsoft.com/office/powerpoint/2010/main" val="3261941457"/>
+      </p:ext>
+    </p:extLst>
+  </p:cSld>
+  <p:clrMapOvr>
+    <a:masterClrMapping/>
+  </p:clrMapOvr>
+</p:notes>
 </file>
 
 <file path=ppt/slideLayouts/slideLayout1.xml><?xml version="1.0" encoding="utf-8"?>
@@ -3342,7 +3923,10 @@
           <a:bodyPr/>
           <a:lstStyle/>
           <a:p>
-            <a:endParaRPr lang="en-US"/>
+            <a:r>
+              <a:rPr lang="en-US" dirty="0"/>
+              <a:t>Chapter 2</a:t>
+            </a:r>
           </a:p>
         </p:txBody>
       </p:sp>
@@ -3367,7 +3951,10 @@
           <a:bodyPr/>
           <a:lstStyle/>
           <a:p>
-            <a:endParaRPr lang="en-US"/>
+            <a:r>
+              <a:rPr lang="en-US" dirty="0"/>
+              <a:t>Introduction to Agent-Based Modelling</a:t>
+            </a:r>
           </a:p>
         </p:txBody>
       </p:sp>
@@ -3375,6 +3962,2363 @@
     <p:extLst>
       <p:ext uri="{BB962C8B-B14F-4D97-AF65-F5344CB8AC3E}">
         <p14:creationId xmlns:p14="http://schemas.microsoft.com/office/powerpoint/2010/main" val="27190754"/>
+      </p:ext>
+    </p:extLst>
+  </p:cSld>
+  <p:clrMapOvr>
+    <a:masterClrMapping/>
+  </p:clrMapOvr>
+</p:sld>
+</file>
+
+<file path=ppt/slides/slide10.xml><?xml version="1.0" encoding="utf-8"?>
+<p:sld xmlns:a="http://schemas.openxmlformats.org/drawingml/2006/main" xmlns:r="http://schemas.openxmlformats.org/officeDocument/2006/relationships" xmlns:p="http://schemas.openxmlformats.org/presentationml/2006/main">
+  <p:cSld>
+    <p:spTree>
+      <p:nvGrpSpPr>
+        <p:cNvPr id="1" name=""/>
+        <p:cNvGrpSpPr/>
+        <p:nvPr/>
+      </p:nvGrpSpPr>
+      <p:grpSpPr>
+        <a:xfrm>
+          <a:off x="0" y="0"/>
+          <a:ext cx="0" cy="0"/>
+          <a:chOff x="0" y="0"/>
+          <a:chExt cx="0" cy="0"/>
+        </a:xfrm>
+      </p:grpSpPr>
+      <p:sp>
+        <p:nvSpPr>
+          <p:cNvPr id="2" name="Title 1">
+            <a:extLst>
+              <a:ext uri="{FF2B5EF4-FFF2-40B4-BE49-F238E27FC236}">
+                <a16:creationId xmlns:a16="http://schemas.microsoft.com/office/drawing/2014/main" id="{4C4385FC-8FED-6248-9A09-80F40DB27791}"/>
+              </a:ext>
+            </a:extLst>
+          </p:cNvPr>
+          <p:cNvSpPr>
+            <a:spLocks noGrp="1"/>
+          </p:cNvSpPr>
+          <p:nvPr>
+            <p:ph type="title"/>
+          </p:nvPr>
+        </p:nvSpPr>
+        <p:spPr/>
+        <p:txBody>
+          <a:bodyPr/>
+          <a:lstStyle/>
+          <a:p>
+            <a:r>
+              <a:rPr lang="en-US" dirty="0"/>
+              <a:t>Limitations of Agent-based Modelling</a:t>
+            </a:r>
+          </a:p>
+        </p:txBody>
+      </p:sp>
+      <p:sp>
+        <p:nvSpPr>
+          <p:cNvPr id="3" name="Content Placeholder 2">
+            <a:extLst>
+              <a:ext uri="{FF2B5EF4-FFF2-40B4-BE49-F238E27FC236}">
+                <a16:creationId xmlns:a16="http://schemas.microsoft.com/office/drawing/2014/main" id="{23422465-9230-3944-9030-E2FDCB7C98B5}"/>
+              </a:ext>
+            </a:extLst>
+          </p:cNvPr>
+          <p:cNvSpPr>
+            <a:spLocks noGrp="1"/>
+          </p:cNvSpPr>
+          <p:nvPr>
+            <p:ph idx="1"/>
+          </p:nvPr>
+        </p:nvSpPr>
+        <p:spPr/>
+        <p:txBody>
+          <a:bodyPr/>
+          <a:lstStyle/>
+          <a:p>
+            <a:endParaRPr lang="en-US"/>
+          </a:p>
+        </p:txBody>
+      </p:sp>
+    </p:spTree>
+    <p:extLst>
+      <p:ext uri="{BB962C8B-B14F-4D97-AF65-F5344CB8AC3E}">
+        <p14:creationId xmlns:p14="http://schemas.microsoft.com/office/powerpoint/2010/main" val="1790407625"/>
+      </p:ext>
+    </p:extLst>
+  </p:cSld>
+  <p:clrMapOvr>
+    <a:masterClrMapping/>
+  </p:clrMapOvr>
+</p:sld>
+</file>
+
+<file path=ppt/slides/slide11.xml><?xml version="1.0" encoding="utf-8"?>
+<p:sld xmlns:a="http://schemas.openxmlformats.org/drawingml/2006/main" xmlns:r="http://schemas.openxmlformats.org/officeDocument/2006/relationships" xmlns:p="http://schemas.openxmlformats.org/presentationml/2006/main">
+  <p:cSld>
+    <p:spTree>
+      <p:nvGrpSpPr>
+        <p:cNvPr id="1" name=""/>
+        <p:cNvGrpSpPr/>
+        <p:nvPr/>
+      </p:nvGrpSpPr>
+      <p:grpSpPr>
+        <a:xfrm>
+          <a:off x="0" y="0"/>
+          <a:ext cx="0" cy="0"/>
+          <a:chOff x="0" y="0"/>
+          <a:chExt cx="0" cy="0"/>
+        </a:xfrm>
+      </p:grpSpPr>
+      <p:sp>
+        <p:nvSpPr>
+          <p:cNvPr id="2" name="Title 1">
+            <a:extLst>
+              <a:ext uri="{FF2B5EF4-FFF2-40B4-BE49-F238E27FC236}">
+                <a16:creationId xmlns:a16="http://schemas.microsoft.com/office/drawing/2014/main" id="{83A89292-F0EA-674B-934D-8B91BDDADA13}"/>
+              </a:ext>
+            </a:extLst>
+          </p:cNvPr>
+          <p:cNvSpPr>
+            <a:spLocks noGrp="1"/>
+          </p:cNvSpPr>
+          <p:nvPr>
+            <p:ph type="title"/>
+          </p:nvPr>
+        </p:nvSpPr>
+        <p:spPr/>
+        <p:txBody>
+          <a:bodyPr/>
+          <a:lstStyle/>
+          <a:p>
+            <a:r>
+              <a:rPr lang="en-US" dirty="0"/>
+              <a:t>A Gallery of Applications</a:t>
+            </a:r>
+          </a:p>
+        </p:txBody>
+      </p:sp>
+      <p:sp>
+        <p:nvSpPr>
+          <p:cNvPr id="3" name="Content Placeholder 2">
+            <a:extLst>
+              <a:ext uri="{FF2B5EF4-FFF2-40B4-BE49-F238E27FC236}">
+                <a16:creationId xmlns:a16="http://schemas.microsoft.com/office/drawing/2014/main" id="{141C2CA6-B509-814D-BFBB-1256AE7B9B77}"/>
+              </a:ext>
+            </a:extLst>
+          </p:cNvPr>
+          <p:cNvSpPr>
+            <a:spLocks noGrp="1"/>
+          </p:cNvSpPr>
+          <p:nvPr>
+            <p:ph idx="1"/>
+          </p:nvPr>
+        </p:nvSpPr>
+        <p:spPr/>
+        <p:txBody>
+          <a:bodyPr/>
+          <a:lstStyle/>
+          <a:p>
+            <a:endParaRPr lang="en-US"/>
+          </a:p>
+        </p:txBody>
+      </p:sp>
+    </p:spTree>
+    <p:extLst>
+      <p:ext uri="{BB962C8B-B14F-4D97-AF65-F5344CB8AC3E}">
+        <p14:creationId xmlns:p14="http://schemas.microsoft.com/office/powerpoint/2010/main" val="476771834"/>
+      </p:ext>
+    </p:extLst>
+  </p:cSld>
+  <p:clrMapOvr>
+    <a:masterClrMapping/>
+  </p:clrMapOvr>
+</p:sld>
+</file>
+
+<file path=ppt/slides/slide12.xml><?xml version="1.0" encoding="utf-8"?>
+<p:sld xmlns:a="http://schemas.openxmlformats.org/drawingml/2006/main" xmlns:r="http://schemas.openxmlformats.org/officeDocument/2006/relationships" xmlns:p="http://schemas.openxmlformats.org/presentationml/2006/main">
+  <p:cSld>
+    <p:spTree>
+      <p:nvGrpSpPr>
+        <p:cNvPr id="1" name=""/>
+        <p:cNvGrpSpPr/>
+        <p:nvPr/>
+      </p:nvGrpSpPr>
+      <p:grpSpPr>
+        <a:xfrm>
+          <a:off x="0" y="0"/>
+          <a:ext cx="0" cy="0"/>
+          <a:chOff x="0" y="0"/>
+          <a:chExt cx="0" cy="0"/>
+        </a:xfrm>
+      </p:grpSpPr>
+      <p:sp>
+        <p:nvSpPr>
+          <p:cNvPr id="2" name="Title 1">
+            <a:extLst>
+              <a:ext uri="{FF2B5EF4-FFF2-40B4-BE49-F238E27FC236}">
+                <a16:creationId xmlns:a16="http://schemas.microsoft.com/office/drawing/2014/main" id="{99C55108-75F7-1744-B46A-EF10435DFC01}"/>
+              </a:ext>
+            </a:extLst>
+          </p:cNvPr>
+          <p:cNvSpPr>
+            <a:spLocks noGrp="1"/>
+          </p:cNvSpPr>
+          <p:nvPr>
+            <p:ph type="title"/>
+          </p:nvPr>
+        </p:nvSpPr>
+        <p:spPr/>
+        <p:txBody>
+          <a:bodyPr/>
+          <a:lstStyle/>
+          <a:p>
+            <a:r>
+              <a:rPr lang="en-US" dirty="0"/>
+              <a:t>The Growth of Agent-based Modelling</a:t>
+            </a:r>
+          </a:p>
+        </p:txBody>
+      </p:sp>
+      <p:pic>
+        <p:nvPicPr>
+          <p:cNvPr id="6" name="Content Placeholder 5">
+            <a:extLst>
+              <a:ext uri="{FF2B5EF4-FFF2-40B4-BE49-F238E27FC236}">
+                <a16:creationId xmlns:a16="http://schemas.microsoft.com/office/drawing/2014/main" id="{43153F97-63FF-D645-A888-087547DA6CCC}"/>
+              </a:ext>
+            </a:extLst>
+          </p:cNvPr>
+          <p:cNvPicPr>
+            <a:picLocks noGrp="1" noChangeAspect="1"/>
+          </p:cNvPicPr>
+          <p:nvPr>
+            <p:ph idx="1"/>
+          </p:nvPr>
+        </p:nvPicPr>
+        <p:blipFill>
+          <a:blip r:embed="rId2"/>
+          <a:stretch>
+            <a:fillRect/>
+          </a:stretch>
+        </p:blipFill>
+        <p:spPr>
+          <a:xfrm>
+            <a:off x="2559296" y="1825625"/>
+            <a:ext cx="7073407" cy="4351338"/>
+          </a:xfrm>
+        </p:spPr>
+      </p:pic>
+      <p:sp>
+        <p:nvSpPr>
+          <p:cNvPr id="4" name="TextBox 3">
+            <a:extLst>
+              <a:ext uri="{FF2B5EF4-FFF2-40B4-BE49-F238E27FC236}">
+                <a16:creationId xmlns:a16="http://schemas.microsoft.com/office/drawing/2014/main" id="{992EB7C0-3A32-1748-965F-A1D60B74163E}"/>
+              </a:ext>
+            </a:extLst>
+          </p:cNvPr>
+          <p:cNvSpPr txBox="1"/>
+          <p:nvPr/>
+        </p:nvSpPr>
+        <p:spPr>
+          <a:xfrm>
+            <a:off x="960235" y="6311900"/>
+            <a:ext cx="10271530" cy="369332"/>
+          </a:xfrm>
+          <a:prstGeom prst="rect">
+            <a:avLst/>
+          </a:prstGeom>
+          <a:noFill/>
+        </p:spPr>
+        <p:txBody>
+          <a:bodyPr wrap="none" rtlCol="0">
+            <a:spAutoFit/>
+          </a:bodyPr>
+          <a:lstStyle/>
+          <a:p>
+            <a:r>
+              <a:rPr lang="en-US" dirty="0"/>
+              <a:t>Figure 2.4: The growth in agent-based modelling: from search results of Web of Science and Google Scholar.</a:t>
+            </a:r>
+          </a:p>
+        </p:txBody>
+      </p:sp>
+    </p:spTree>
+    <p:extLst>
+      <p:ext uri="{BB962C8B-B14F-4D97-AF65-F5344CB8AC3E}">
+        <p14:creationId xmlns:p14="http://schemas.microsoft.com/office/powerpoint/2010/main" val="67791325"/>
+      </p:ext>
+    </p:extLst>
+  </p:cSld>
+  <p:clrMapOvr>
+    <a:masterClrMapping/>
+  </p:clrMapOvr>
+</p:sld>
+</file>
+
+<file path=ppt/slides/slide13.xml><?xml version="1.0" encoding="utf-8"?>
+<p:sld xmlns:a="http://schemas.openxmlformats.org/drawingml/2006/main" xmlns:r="http://schemas.openxmlformats.org/officeDocument/2006/relationships" xmlns:p="http://schemas.openxmlformats.org/presentationml/2006/main">
+  <p:cSld>
+    <p:spTree>
+      <p:nvGrpSpPr>
+        <p:cNvPr id="1" name=""/>
+        <p:cNvGrpSpPr/>
+        <p:nvPr/>
+      </p:nvGrpSpPr>
+      <p:grpSpPr>
+        <a:xfrm>
+          <a:off x="0" y="0"/>
+          <a:ext cx="0" cy="0"/>
+          <a:chOff x="0" y="0"/>
+          <a:chExt cx="0" cy="0"/>
+        </a:xfrm>
+      </p:grpSpPr>
+      <p:sp>
+        <p:nvSpPr>
+          <p:cNvPr id="2" name="Title 1">
+            <a:extLst>
+              <a:ext uri="{FF2B5EF4-FFF2-40B4-BE49-F238E27FC236}">
+                <a16:creationId xmlns:a16="http://schemas.microsoft.com/office/drawing/2014/main" id="{26AB9287-6BC2-7A4F-AD9B-FCBA3496766D}"/>
+              </a:ext>
+            </a:extLst>
+          </p:cNvPr>
+          <p:cNvSpPr>
+            <a:spLocks noGrp="1"/>
+          </p:cNvSpPr>
+          <p:nvPr>
+            <p:ph type="title"/>
+          </p:nvPr>
+        </p:nvSpPr>
+        <p:spPr/>
+        <p:txBody>
+          <a:bodyPr/>
+          <a:lstStyle/>
+          <a:p>
+            <a:r>
+              <a:rPr lang="en-US" dirty="0"/>
+              <a:t>Segregation</a:t>
+            </a:r>
+          </a:p>
+        </p:txBody>
+      </p:sp>
+      <p:sp>
+        <p:nvSpPr>
+          <p:cNvPr id="3" name="Content Placeholder 2">
+            <a:extLst>
+              <a:ext uri="{FF2B5EF4-FFF2-40B4-BE49-F238E27FC236}">
+                <a16:creationId xmlns:a16="http://schemas.microsoft.com/office/drawing/2014/main" id="{2F1CB522-6FD0-2B4E-AD9F-06A716E10580}"/>
+              </a:ext>
+            </a:extLst>
+          </p:cNvPr>
+          <p:cNvSpPr>
+            <a:spLocks noGrp="1"/>
+          </p:cNvSpPr>
+          <p:nvPr>
+            <p:ph idx="1"/>
+          </p:nvPr>
+        </p:nvSpPr>
+        <p:spPr/>
+        <p:txBody>
+          <a:bodyPr/>
+          <a:lstStyle/>
+          <a:p>
+            <a:endParaRPr lang="en-US"/>
+          </a:p>
+        </p:txBody>
+      </p:sp>
+    </p:spTree>
+    <p:extLst>
+      <p:ext uri="{BB962C8B-B14F-4D97-AF65-F5344CB8AC3E}">
+        <p14:creationId xmlns:p14="http://schemas.microsoft.com/office/powerpoint/2010/main" val="798806760"/>
+      </p:ext>
+    </p:extLst>
+  </p:cSld>
+  <p:clrMapOvr>
+    <a:masterClrMapping/>
+  </p:clrMapOvr>
+</p:sld>
+</file>
+
+<file path=ppt/slides/slide14.xml><?xml version="1.0" encoding="utf-8"?>
+<p:sld xmlns:a="http://schemas.openxmlformats.org/drawingml/2006/main" xmlns:r="http://schemas.openxmlformats.org/officeDocument/2006/relationships" xmlns:p="http://schemas.openxmlformats.org/presentationml/2006/main">
+  <p:cSld>
+    <p:spTree>
+      <p:nvGrpSpPr>
+        <p:cNvPr id="1" name=""/>
+        <p:cNvGrpSpPr/>
+        <p:nvPr/>
+      </p:nvGrpSpPr>
+      <p:grpSpPr>
+        <a:xfrm>
+          <a:off x="0" y="0"/>
+          <a:ext cx="0" cy="0"/>
+          <a:chOff x="0" y="0"/>
+          <a:chExt cx="0" cy="0"/>
+        </a:xfrm>
+      </p:grpSpPr>
+      <p:sp>
+        <p:nvSpPr>
+          <p:cNvPr id="2" name="Title 1">
+            <a:extLst>
+              <a:ext uri="{FF2B5EF4-FFF2-40B4-BE49-F238E27FC236}">
+                <a16:creationId xmlns:a16="http://schemas.microsoft.com/office/drawing/2014/main" id="{A889F0DF-8D35-304A-9CE6-CB53CF96CED0}"/>
+              </a:ext>
+            </a:extLst>
+          </p:cNvPr>
+          <p:cNvSpPr>
+            <a:spLocks noGrp="1"/>
+          </p:cNvSpPr>
+          <p:nvPr>
+            <p:ph type="title"/>
+          </p:nvPr>
+        </p:nvSpPr>
+        <p:spPr/>
+        <p:txBody>
+          <a:bodyPr/>
+          <a:lstStyle/>
+          <a:p>
+            <a:r>
+              <a:rPr lang="en-US" dirty="0"/>
+              <a:t>Progression of Segregation over Time</a:t>
+            </a:r>
+          </a:p>
+        </p:txBody>
+      </p:sp>
+      <p:pic>
+        <p:nvPicPr>
+          <p:cNvPr id="6" name="Content Placeholder 5">
+            <a:extLst>
+              <a:ext uri="{FF2B5EF4-FFF2-40B4-BE49-F238E27FC236}">
+                <a16:creationId xmlns:a16="http://schemas.microsoft.com/office/drawing/2014/main" id="{F11EBDB9-1036-1B4B-AC92-A2672CF68D29}"/>
+              </a:ext>
+            </a:extLst>
+          </p:cNvPr>
+          <p:cNvPicPr>
+            <a:picLocks noGrp="1" noChangeAspect="1"/>
+          </p:cNvPicPr>
+          <p:nvPr>
+            <p:ph idx="1"/>
+          </p:nvPr>
+        </p:nvPicPr>
+        <p:blipFill>
+          <a:blip r:embed="rId2"/>
+          <a:stretch>
+            <a:fillRect/>
+          </a:stretch>
+        </p:blipFill>
+        <p:spPr>
+          <a:xfrm>
+            <a:off x="3278984" y="1825625"/>
+            <a:ext cx="5634031" cy="4351338"/>
+          </a:xfrm>
+        </p:spPr>
+      </p:pic>
+      <p:sp>
+        <p:nvSpPr>
+          <p:cNvPr id="4" name="TextBox 3">
+            <a:extLst>
+              <a:ext uri="{FF2B5EF4-FFF2-40B4-BE49-F238E27FC236}">
+                <a16:creationId xmlns:a16="http://schemas.microsoft.com/office/drawing/2014/main" id="{39662ABE-3B2F-0A48-8134-90FBA32CC383}"/>
+              </a:ext>
+            </a:extLst>
+          </p:cNvPr>
+          <p:cNvSpPr txBox="1"/>
+          <p:nvPr/>
+        </p:nvSpPr>
+        <p:spPr>
+          <a:xfrm>
+            <a:off x="208074" y="6311900"/>
+            <a:ext cx="11775852" cy="369332"/>
+          </a:xfrm>
+          <a:prstGeom prst="rect">
+            <a:avLst/>
+          </a:prstGeom>
+          <a:noFill/>
+        </p:spPr>
+        <p:txBody>
+          <a:bodyPr wrap="none" rtlCol="0">
+            <a:spAutoFit/>
+          </a:bodyPr>
+          <a:lstStyle/>
+          <a:p>
+            <a:r>
+              <a:rPr lang="en-US" dirty="0"/>
+              <a:t>Figure 2.5: Progression of segregation over time: Agents what to live in a neighborhood where 40% are of the same color.</a:t>
+            </a:r>
+          </a:p>
+        </p:txBody>
+      </p:sp>
+    </p:spTree>
+    <p:extLst>
+      <p:ext uri="{BB962C8B-B14F-4D97-AF65-F5344CB8AC3E}">
+        <p14:creationId xmlns:p14="http://schemas.microsoft.com/office/powerpoint/2010/main" val="837646568"/>
+      </p:ext>
+    </p:extLst>
+  </p:cSld>
+  <p:clrMapOvr>
+    <a:masterClrMapping/>
+  </p:clrMapOvr>
+</p:sld>
+</file>
+
+<file path=ppt/slides/slide15.xml><?xml version="1.0" encoding="utf-8"?>
+<p:sld xmlns:a="http://schemas.openxmlformats.org/drawingml/2006/main" xmlns:r="http://schemas.openxmlformats.org/officeDocument/2006/relationships" xmlns:p="http://schemas.openxmlformats.org/presentationml/2006/main">
+  <p:cSld>
+    <p:spTree>
+      <p:nvGrpSpPr>
+        <p:cNvPr id="1" name=""/>
+        <p:cNvGrpSpPr/>
+        <p:nvPr/>
+      </p:nvGrpSpPr>
+      <p:grpSpPr>
+        <a:xfrm>
+          <a:off x="0" y="0"/>
+          <a:ext cx="0" cy="0"/>
+          <a:chOff x="0" y="0"/>
+          <a:chExt cx="0" cy="0"/>
+        </a:xfrm>
+      </p:grpSpPr>
+      <p:sp>
+        <p:nvSpPr>
+          <p:cNvPr id="2" name="Title 1">
+            <a:extLst>
+              <a:ext uri="{FF2B5EF4-FFF2-40B4-BE49-F238E27FC236}">
+                <a16:creationId xmlns:a16="http://schemas.microsoft.com/office/drawing/2014/main" id="{63BA2DF3-3B63-884A-BB2F-CA778CA029B4}"/>
+              </a:ext>
+            </a:extLst>
+          </p:cNvPr>
+          <p:cNvSpPr>
+            <a:spLocks noGrp="1"/>
+          </p:cNvSpPr>
+          <p:nvPr>
+            <p:ph type="title"/>
+          </p:nvPr>
+        </p:nvSpPr>
+        <p:spPr/>
+        <p:txBody>
+          <a:bodyPr/>
+          <a:lstStyle/>
+          <a:p>
+            <a:r>
+              <a:rPr lang="en-US" dirty="0"/>
+              <a:t>Changing Agents Preferences</a:t>
+            </a:r>
+          </a:p>
+        </p:txBody>
+      </p:sp>
+      <p:pic>
+        <p:nvPicPr>
+          <p:cNvPr id="6" name="Content Placeholder 5">
+            <a:extLst>
+              <a:ext uri="{FF2B5EF4-FFF2-40B4-BE49-F238E27FC236}">
+                <a16:creationId xmlns:a16="http://schemas.microsoft.com/office/drawing/2014/main" id="{47507FBA-C11C-5443-81F7-0914F5F6768C}"/>
+              </a:ext>
+            </a:extLst>
+          </p:cNvPr>
+          <p:cNvPicPr>
+            <a:picLocks noGrp="1" noChangeAspect="1"/>
+          </p:cNvPicPr>
+          <p:nvPr>
+            <p:ph idx="1"/>
+          </p:nvPr>
+        </p:nvPicPr>
+        <p:blipFill>
+          <a:blip r:embed="rId2"/>
+          <a:stretch>
+            <a:fillRect/>
+          </a:stretch>
+        </p:blipFill>
+        <p:spPr>
+          <a:xfrm>
+            <a:off x="3409715" y="1825625"/>
+            <a:ext cx="5372570" cy="4351338"/>
+          </a:xfrm>
+        </p:spPr>
+      </p:pic>
+      <p:sp>
+        <p:nvSpPr>
+          <p:cNvPr id="4" name="TextBox 3">
+            <a:extLst>
+              <a:ext uri="{FF2B5EF4-FFF2-40B4-BE49-F238E27FC236}">
+                <a16:creationId xmlns:a16="http://schemas.microsoft.com/office/drawing/2014/main" id="{92ABF02A-14CF-3848-89C0-F901A481D168}"/>
+              </a:ext>
+            </a:extLst>
+          </p:cNvPr>
+          <p:cNvSpPr txBox="1"/>
+          <p:nvPr/>
+        </p:nvSpPr>
+        <p:spPr>
+          <a:xfrm>
+            <a:off x="1106907" y="6211669"/>
+            <a:ext cx="8903368" cy="646331"/>
+          </a:xfrm>
+          <a:prstGeom prst="rect">
+            <a:avLst/>
+          </a:prstGeom>
+          <a:noFill/>
+        </p:spPr>
+        <p:txBody>
+          <a:bodyPr wrap="square" rtlCol="0">
+            <a:spAutoFit/>
+          </a:bodyPr>
+          <a:lstStyle/>
+          <a:p>
+            <a:pPr algn="ctr"/>
+            <a:r>
+              <a:rPr lang="en-US" dirty="0"/>
+              <a:t>Figure 2.6: Examples of how changing agents neighborhood preference levels leads to different patterns of segregation emerging.</a:t>
+            </a:r>
+          </a:p>
+        </p:txBody>
+      </p:sp>
+    </p:spTree>
+    <p:extLst>
+      <p:ext uri="{BB962C8B-B14F-4D97-AF65-F5344CB8AC3E}">
+        <p14:creationId xmlns:p14="http://schemas.microsoft.com/office/powerpoint/2010/main" val="1356889704"/>
+      </p:ext>
+    </p:extLst>
+  </p:cSld>
+  <p:clrMapOvr>
+    <a:masterClrMapping/>
+  </p:clrMapOvr>
+</p:sld>
+</file>
+
+<file path=ppt/slides/slide16.xml><?xml version="1.0" encoding="utf-8"?>
+<p:sld xmlns:a="http://schemas.openxmlformats.org/drawingml/2006/main" xmlns:r="http://schemas.openxmlformats.org/officeDocument/2006/relationships" xmlns:p="http://schemas.openxmlformats.org/presentationml/2006/main">
+  <p:cSld>
+    <p:spTree>
+      <p:nvGrpSpPr>
+        <p:cNvPr id="1" name=""/>
+        <p:cNvGrpSpPr/>
+        <p:nvPr/>
+      </p:nvGrpSpPr>
+      <p:grpSpPr>
+        <a:xfrm>
+          <a:off x="0" y="0"/>
+          <a:ext cx="0" cy="0"/>
+          <a:chOff x="0" y="0"/>
+          <a:chExt cx="0" cy="0"/>
+        </a:xfrm>
+      </p:grpSpPr>
+      <p:sp>
+        <p:nvSpPr>
+          <p:cNvPr id="2" name="Title 1">
+            <a:extLst>
+              <a:ext uri="{FF2B5EF4-FFF2-40B4-BE49-F238E27FC236}">
+                <a16:creationId xmlns:a16="http://schemas.microsoft.com/office/drawing/2014/main" id="{0CD820FF-0FDD-D64C-8777-0A78CE427451}"/>
+              </a:ext>
+            </a:extLst>
+          </p:cNvPr>
+          <p:cNvSpPr>
+            <a:spLocks noGrp="1"/>
+          </p:cNvSpPr>
+          <p:nvPr>
+            <p:ph type="title"/>
+          </p:nvPr>
+        </p:nvSpPr>
+        <p:spPr/>
+        <p:txBody>
+          <a:bodyPr/>
+          <a:lstStyle/>
+          <a:p>
+            <a:r>
+              <a:rPr lang="en-US" dirty="0"/>
+              <a:t>From Abstract to Real World Applications</a:t>
+            </a:r>
+          </a:p>
+        </p:txBody>
+      </p:sp>
+      <p:sp>
+        <p:nvSpPr>
+          <p:cNvPr id="3" name="Content Placeholder 2">
+            <a:extLst>
+              <a:ext uri="{FF2B5EF4-FFF2-40B4-BE49-F238E27FC236}">
+                <a16:creationId xmlns:a16="http://schemas.microsoft.com/office/drawing/2014/main" id="{80524749-BB6D-EA44-B7B1-C3E0553C5575}"/>
+              </a:ext>
+            </a:extLst>
+          </p:cNvPr>
+          <p:cNvSpPr>
+            <a:spLocks noGrp="1"/>
+          </p:cNvSpPr>
+          <p:nvPr>
+            <p:ph idx="1"/>
+          </p:nvPr>
+        </p:nvSpPr>
+        <p:spPr/>
+        <p:txBody>
+          <a:bodyPr/>
+          <a:lstStyle/>
+          <a:p>
+            <a:r>
+              <a:rPr lang="en-US" dirty="0"/>
+              <a:t>Add details about Benenson et al., 2002</a:t>
+            </a:r>
+          </a:p>
+        </p:txBody>
+      </p:sp>
+    </p:spTree>
+    <p:extLst>
+      <p:ext uri="{BB962C8B-B14F-4D97-AF65-F5344CB8AC3E}">
+        <p14:creationId xmlns:p14="http://schemas.microsoft.com/office/powerpoint/2010/main" val="609281238"/>
+      </p:ext>
+    </p:extLst>
+  </p:cSld>
+  <p:clrMapOvr>
+    <a:masterClrMapping/>
+  </p:clrMapOvr>
+</p:sld>
+</file>
+
+<file path=ppt/slides/slide17.xml><?xml version="1.0" encoding="utf-8"?>
+<p:sld xmlns:a="http://schemas.openxmlformats.org/drawingml/2006/main" xmlns:r="http://schemas.openxmlformats.org/officeDocument/2006/relationships" xmlns:p="http://schemas.openxmlformats.org/presentationml/2006/main">
+  <p:cSld>
+    <p:spTree>
+      <p:nvGrpSpPr>
+        <p:cNvPr id="1" name=""/>
+        <p:cNvGrpSpPr/>
+        <p:nvPr/>
+      </p:nvGrpSpPr>
+      <p:grpSpPr>
+        <a:xfrm>
+          <a:off x="0" y="0"/>
+          <a:ext cx="0" cy="0"/>
+          <a:chOff x="0" y="0"/>
+          <a:chExt cx="0" cy="0"/>
+        </a:xfrm>
+      </p:grpSpPr>
+      <p:sp>
+        <p:nvSpPr>
+          <p:cNvPr id="2" name="Title 1">
+            <a:extLst>
+              <a:ext uri="{FF2B5EF4-FFF2-40B4-BE49-F238E27FC236}">
+                <a16:creationId xmlns:a16="http://schemas.microsoft.com/office/drawing/2014/main" id="{31A55A65-77EE-314A-988D-BD27EE46259C}"/>
+              </a:ext>
+            </a:extLst>
+          </p:cNvPr>
+          <p:cNvSpPr>
+            <a:spLocks noGrp="1"/>
+          </p:cNvSpPr>
+          <p:nvPr>
+            <p:ph type="title"/>
+          </p:nvPr>
+        </p:nvSpPr>
+        <p:spPr/>
+        <p:txBody>
+          <a:bodyPr/>
+          <a:lstStyle/>
+          <a:p>
+            <a:r>
+              <a:rPr lang="en-US" dirty="0" err="1"/>
+              <a:t>SugarScape</a:t>
+            </a:r>
+            <a:endParaRPr lang="en-US" dirty="0"/>
+          </a:p>
+        </p:txBody>
+      </p:sp>
+      <p:sp>
+        <p:nvSpPr>
+          <p:cNvPr id="3" name="Content Placeholder 2">
+            <a:extLst>
+              <a:ext uri="{FF2B5EF4-FFF2-40B4-BE49-F238E27FC236}">
+                <a16:creationId xmlns:a16="http://schemas.microsoft.com/office/drawing/2014/main" id="{67117C4E-5DC8-FE45-A851-254FD018D820}"/>
+              </a:ext>
+            </a:extLst>
+          </p:cNvPr>
+          <p:cNvSpPr>
+            <a:spLocks noGrp="1"/>
+          </p:cNvSpPr>
+          <p:nvPr>
+            <p:ph idx="1"/>
+          </p:nvPr>
+        </p:nvSpPr>
+        <p:spPr/>
+        <p:txBody>
+          <a:bodyPr/>
+          <a:lstStyle/>
+          <a:p>
+            <a:endParaRPr lang="en-US"/>
+          </a:p>
+        </p:txBody>
+      </p:sp>
+    </p:spTree>
+    <p:extLst>
+      <p:ext uri="{BB962C8B-B14F-4D97-AF65-F5344CB8AC3E}">
+        <p14:creationId xmlns:p14="http://schemas.microsoft.com/office/powerpoint/2010/main" val="4102026555"/>
+      </p:ext>
+    </p:extLst>
+  </p:cSld>
+  <p:clrMapOvr>
+    <a:masterClrMapping/>
+  </p:clrMapOvr>
+</p:sld>
+</file>
+
+<file path=ppt/slides/slide18.xml><?xml version="1.0" encoding="utf-8"?>
+<p:sld xmlns:a="http://schemas.openxmlformats.org/drawingml/2006/main" xmlns:r="http://schemas.openxmlformats.org/officeDocument/2006/relationships" xmlns:p="http://schemas.openxmlformats.org/presentationml/2006/main">
+  <p:cSld>
+    <p:spTree>
+      <p:nvGrpSpPr>
+        <p:cNvPr id="1" name=""/>
+        <p:cNvGrpSpPr/>
+        <p:nvPr/>
+      </p:nvGrpSpPr>
+      <p:grpSpPr>
+        <a:xfrm>
+          <a:off x="0" y="0"/>
+          <a:ext cx="0" cy="0"/>
+          <a:chOff x="0" y="0"/>
+          <a:chExt cx="0" cy="0"/>
+        </a:xfrm>
+      </p:grpSpPr>
+      <p:sp>
+        <p:nvSpPr>
+          <p:cNvPr id="2" name="Title 1">
+            <a:extLst>
+              <a:ext uri="{FF2B5EF4-FFF2-40B4-BE49-F238E27FC236}">
+                <a16:creationId xmlns:a16="http://schemas.microsoft.com/office/drawing/2014/main" id="{B8A910FC-E8B9-6048-B71F-459477CD4474}"/>
+              </a:ext>
+            </a:extLst>
+          </p:cNvPr>
+          <p:cNvSpPr>
+            <a:spLocks noGrp="1"/>
+          </p:cNvSpPr>
+          <p:nvPr>
+            <p:ph type="title"/>
+          </p:nvPr>
+        </p:nvSpPr>
+        <p:spPr/>
+        <p:txBody>
+          <a:bodyPr/>
+          <a:lstStyle/>
+          <a:p>
+            <a:r>
+              <a:rPr lang="en-US" dirty="0"/>
+              <a:t>Graphical User Interface of </a:t>
+            </a:r>
+            <a:r>
+              <a:rPr lang="en-US" dirty="0" err="1"/>
+              <a:t>Sugarscape</a:t>
+            </a:r>
+            <a:r>
+              <a:rPr lang="en-US" dirty="0"/>
+              <a:t> Model</a:t>
+            </a:r>
+          </a:p>
+        </p:txBody>
+      </p:sp>
+      <p:pic>
+        <p:nvPicPr>
+          <p:cNvPr id="6" name="Content Placeholder 5">
+            <a:extLst>
+              <a:ext uri="{FF2B5EF4-FFF2-40B4-BE49-F238E27FC236}">
+                <a16:creationId xmlns:a16="http://schemas.microsoft.com/office/drawing/2014/main" id="{A94EFD67-B5B4-4A42-A5F6-B8E536A707FB}"/>
+              </a:ext>
+            </a:extLst>
+          </p:cNvPr>
+          <p:cNvPicPr>
+            <a:picLocks noGrp="1" noChangeAspect="1"/>
+          </p:cNvPicPr>
+          <p:nvPr>
+            <p:ph idx="1"/>
+          </p:nvPr>
+        </p:nvPicPr>
+        <p:blipFill>
+          <a:blip r:embed="rId2"/>
+          <a:stretch>
+            <a:fillRect/>
+          </a:stretch>
+        </p:blipFill>
+        <p:spPr>
+          <a:xfrm>
+            <a:off x="4053036" y="1825625"/>
+            <a:ext cx="4085927" cy="4351338"/>
+          </a:xfrm>
+        </p:spPr>
+      </p:pic>
+      <p:sp>
+        <p:nvSpPr>
+          <p:cNvPr id="4" name="TextBox 3">
+            <a:extLst>
+              <a:ext uri="{FF2B5EF4-FFF2-40B4-BE49-F238E27FC236}">
+                <a16:creationId xmlns:a16="http://schemas.microsoft.com/office/drawing/2014/main" id="{CA27FCC5-4E6F-C24A-A712-957366401124}"/>
+              </a:ext>
+            </a:extLst>
+          </p:cNvPr>
+          <p:cNvSpPr txBox="1"/>
+          <p:nvPr/>
+        </p:nvSpPr>
+        <p:spPr>
+          <a:xfrm>
+            <a:off x="2200959" y="6311900"/>
+            <a:ext cx="7790081" cy="369332"/>
+          </a:xfrm>
+          <a:prstGeom prst="rect">
+            <a:avLst/>
+          </a:prstGeom>
+          <a:noFill/>
+        </p:spPr>
+        <p:txBody>
+          <a:bodyPr wrap="none" rtlCol="0">
+            <a:spAutoFit/>
+          </a:bodyPr>
+          <a:lstStyle/>
+          <a:p>
+            <a:r>
+              <a:rPr lang="en-US" dirty="0"/>
+              <a:t>Figure 2.7: </a:t>
+            </a:r>
+            <a:r>
+              <a:rPr lang="en-US" dirty="0" err="1"/>
+              <a:t>Sugarscape</a:t>
+            </a:r>
+            <a:r>
+              <a:rPr lang="en-US" dirty="0"/>
+              <a:t> wealth distribution model (Source: Li and Wilensky, 2009).</a:t>
+            </a:r>
+          </a:p>
+        </p:txBody>
+      </p:sp>
+    </p:spTree>
+    <p:extLst>
+      <p:ext uri="{BB962C8B-B14F-4D97-AF65-F5344CB8AC3E}">
+        <p14:creationId xmlns:p14="http://schemas.microsoft.com/office/powerpoint/2010/main" val="4220676483"/>
+      </p:ext>
+    </p:extLst>
+  </p:cSld>
+  <p:clrMapOvr>
+    <a:masterClrMapping/>
+  </p:clrMapOvr>
+</p:sld>
+</file>
+
+<file path=ppt/slides/slide19.xml><?xml version="1.0" encoding="utf-8"?>
+<p:sld xmlns:a="http://schemas.openxmlformats.org/drawingml/2006/main" xmlns:r="http://schemas.openxmlformats.org/officeDocument/2006/relationships" xmlns:p="http://schemas.openxmlformats.org/presentationml/2006/main">
+  <p:cSld>
+    <p:spTree>
+      <p:nvGrpSpPr>
+        <p:cNvPr id="1" name=""/>
+        <p:cNvGrpSpPr/>
+        <p:nvPr/>
+      </p:nvGrpSpPr>
+      <p:grpSpPr>
+        <a:xfrm>
+          <a:off x="0" y="0"/>
+          <a:ext cx="0" cy="0"/>
+          <a:chOff x="0" y="0"/>
+          <a:chExt cx="0" cy="0"/>
+        </a:xfrm>
+      </p:grpSpPr>
+      <p:sp>
+        <p:nvSpPr>
+          <p:cNvPr id="2" name="Title 1">
+            <a:extLst>
+              <a:ext uri="{FF2B5EF4-FFF2-40B4-BE49-F238E27FC236}">
+                <a16:creationId xmlns:a16="http://schemas.microsoft.com/office/drawing/2014/main" id="{3A97B3A5-E9D5-A049-B68F-9A111217A8D4}"/>
+              </a:ext>
+            </a:extLst>
+          </p:cNvPr>
+          <p:cNvSpPr>
+            <a:spLocks noGrp="1"/>
+          </p:cNvSpPr>
+          <p:nvPr>
+            <p:ph type="title"/>
+          </p:nvPr>
+        </p:nvSpPr>
+        <p:spPr/>
+        <p:txBody>
+          <a:bodyPr/>
+          <a:lstStyle/>
+          <a:p>
+            <a:r>
+              <a:rPr lang="en-US" dirty="0"/>
+              <a:t>Transportation Modelling</a:t>
+            </a:r>
+          </a:p>
+        </p:txBody>
+      </p:sp>
+      <p:sp>
+        <p:nvSpPr>
+          <p:cNvPr id="3" name="Content Placeholder 2">
+            <a:extLst>
+              <a:ext uri="{FF2B5EF4-FFF2-40B4-BE49-F238E27FC236}">
+                <a16:creationId xmlns:a16="http://schemas.microsoft.com/office/drawing/2014/main" id="{8EC80CAB-8526-BC45-AFA4-9FE54313FE0E}"/>
+              </a:ext>
+            </a:extLst>
+          </p:cNvPr>
+          <p:cNvSpPr>
+            <a:spLocks noGrp="1"/>
+          </p:cNvSpPr>
+          <p:nvPr>
+            <p:ph idx="1"/>
+          </p:nvPr>
+        </p:nvSpPr>
+        <p:spPr/>
+        <p:txBody>
+          <a:bodyPr/>
+          <a:lstStyle/>
+          <a:p>
+            <a:endParaRPr lang="en-US"/>
+          </a:p>
+        </p:txBody>
+      </p:sp>
+    </p:spTree>
+    <p:extLst>
+      <p:ext uri="{BB962C8B-B14F-4D97-AF65-F5344CB8AC3E}">
+        <p14:creationId xmlns:p14="http://schemas.microsoft.com/office/powerpoint/2010/main" val="165074502"/>
+      </p:ext>
+    </p:extLst>
+  </p:cSld>
+  <p:clrMapOvr>
+    <a:masterClrMapping/>
+  </p:clrMapOvr>
+</p:sld>
+</file>
+
+<file path=ppt/slides/slide2.xml><?xml version="1.0" encoding="utf-8"?>
+<p:sld xmlns:a="http://schemas.openxmlformats.org/drawingml/2006/main" xmlns:r="http://schemas.openxmlformats.org/officeDocument/2006/relationships" xmlns:p="http://schemas.openxmlformats.org/presentationml/2006/main">
+  <p:cSld>
+    <p:spTree>
+      <p:nvGrpSpPr>
+        <p:cNvPr id="1" name=""/>
+        <p:cNvGrpSpPr/>
+        <p:nvPr/>
+      </p:nvGrpSpPr>
+      <p:grpSpPr>
+        <a:xfrm>
+          <a:off x="0" y="0"/>
+          <a:ext cx="0" cy="0"/>
+          <a:chOff x="0" y="0"/>
+          <a:chExt cx="0" cy="0"/>
+        </a:xfrm>
+      </p:grpSpPr>
+      <p:sp>
+        <p:nvSpPr>
+          <p:cNvPr id="2" name="Title 1">
+            <a:extLst>
+              <a:ext uri="{FF2B5EF4-FFF2-40B4-BE49-F238E27FC236}">
+                <a16:creationId xmlns:a16="http://schemas.microsoft.com/office/drawing/2014/main" id="{454AA803-87C5-B940-AB0B-C6FE9E767D4D}"/>
+              </a:ext>
+            </a:extLst>
+          </p:cNvPr>
+          <p:cNvSpPr>
+            <a:spLocks noGrp="1"/>
+          </p:cNvSpPr>
+          <p:nvPr>
+            <p:ph type="title"/>
+          </p:nvPr>
+        </p:nvSpPr>
+        <p:spPr/>
+        <p:txBody>
+          <a:bodyPr/>
+          <a:lstStyle/>
+          <a:p>
+            <a:r>
+              <a:rPr lang="en-US" dirty="0"/>
+              <a:t>Introduction</a:t>
+            </a:r>
+          </a:p>
+        </p:txBody>
+      </p:sp>
+      <p:sp>
+        <p:nvSpPr>
+          <p:cNvPr id="3" name="Content Placeholder 2">
+            <a:extLst>
+              <a:ext uri="{FF2B5EF4-FFF2-40B4-BE49-F238E27FC236}">
+                <a16:creationId xmlns:a16="http://schemas.microsoft.com/office/drawing/2014/main" id="{ACAF3740-25D2-DE49-BB80-30314DDCB10D}"/>
+              </a:ext>
+            </a:extLst>
+          </p:cNvPr>
+          <p:cNvSpPr>
+            <a:spLocks noGrp="1"/>
+          </p:cNvSpPr>
+          <p:nvPr>
+            <p:ph idx="1"/>
+          </p:nvPr>
+        </p:nvSpPr>
+        <p:spPr/>
+        <p:txBody>
+          <a:bodyPr/>
+          <a:lstStyle/>
+          <a:p>
+            <a:endParaRPr lang="en-US"/>
+          </a:p>
+        </p:txBody>
+      </p:sp>
+    </p:spTree>
+    <p:extLst>
+      <p:ext uri="{BB962C8B-B14F-4D97-AF65-F5344CB8AC3E}">
+        <p14:creationId xmlns:p14="http://schemas.microsoft.com/office/powerpoint/2010/main" val="2674096104"/>
+      </p:ext>
+    </p:extLst>
+  </p:cSld>
+  <p:clrMapOvr>
+    <a:masterClrMapping/>
+  </p:clrMapOvr>
+</p:sld>
+</file>
+
+<file path=ppt/slides/slide20.xml><?xml version="1.0" encoding="utf-8"?>
+<p:sld xmlns:a="http://schemas.openxmlformats.org/drawingml/2006/main" xmlns:r="http://schemas.openxmlformats.org/officeDocument/2006/relationships" xmlns:p="http://schemas.openxmlformats.org/presentationml/2006/main">
+  <p:cSld>
+    <p:spTree>
+      <p:nvGrpSpPr>
+        <p:cNvPr id="1" name=""/>
+        <p:cNvGrpSpPr/>
+        <p:nvPr/>
+      </p:nvGrpSpPr>
+      <p:grpSpPr>
+        <a:xfrm>
+          <a:off x="0" y="0"/>
+          <a:ext cx="0" cy="0"/>
+          <a:chOff x="0" y="0"/>
+          <a:chExt cx="0" cy="0"/>
+        </a:xfrm>
+      </p:grpSpPr>
+      <p:sp>
+        <p:nvSpPr>
+          <p:cNvPr id="2" name="Title 1">
+            <a:extLst>
+              <a:ext uri="{FF2B5EF4-FFF2-40B4-BE49-F238E27FC236}">
+                <a16:creationId xmlns:a16="http://schemas.microsoft.com/office/drawing/2014/main" id="{C7BE50B6-617F-4A4B-9B4B-7C7F5EF79390}"/>
+              </a:ext>
+            </a:extLst>
+          </p:cNvPr>
+          <p:cNvSpPr>
+            <a:spLocks noGrp="1"/>
+          </p:cNvSpPr>
+          <p:nvPr>
+            <p:ph type="title"/>
+          </p:nvPr>
+        </p:nvSpPr>
+        <p:spPr/>
+        <p:txBody>
+          <a:bodyPr/>
+          <a:lstStyle/>
+          <a:p>
+            <a:r>
+              <a:rPr lang="en-US" dirty="0"/>
+              <a:t>Traffic Modelling</a:t>
+            </a:r>
+          </a:p>
+        </p:txBody>
+      </p:sp>
+      <p:pic>
+        <p:nvPicPr>
+          <p:cNvPr id="6" name="Content Placeholder 5">
+            <a:extLst>
+              <a:ext uri="{FF2B5EF4-FFF2-40B4-BE49-F238E27FC236}">
+                <a16:creationId xmlns:a16="http://schemas.microsoft.com/office/drawing/2014/main" id="{5DD4BBC0-B788-D34A-9F32-F35D1E2181C6}"/>
+              </a:ext>
+            </a:extLst>
+          </p:cNvPr>
+          <p:cNvPicPr>
+            <a:picLocks noGrp="1" noChangeAspect="1"/>
+          </p:cNvPicPr>
+          <p:nvPr>
+            <p:ph idx="1"/>
+          </p:nvPr>
+        </p:nvPicPr>
+        <p:blipFill>
+          <a:blip r:embed="rId2"/>
+          <a:stretch>
+            <a:fillRect/>
+          </a:stretch>
+        </p:blipFill>
+        <p:spPr>
+          <a:xfrm>
+            <a:off x="6689558" y="0"/>
+            <a:ext cx="3321031" cy="6525762"/>
+          </a:xfrm>
+        </p:spPr>
+      </p:pic>
+      <p:sp>
+        <p:nvSpPr>
+          <p:cNvPr id="4" name="TextBox 3">
+            <a:extLst>
+              <a:ext uri="{FF2B5EF4-FFF2-40B4-BE49-F238E27FC236}">
+                <a16:creationId xmlns:a16="http://schemas.microsoft.com/office/drawing/2014/main" id="{76B1C1C5-757E-0C49-9FF6-85898C6F50E0}"/>
+              </a:ext>
+            </a:extLst>
+          </p:cNvPr>
+          <p:cNvSpPr txBox="1"/>
+          <p:nvPr/>
+        </p:nvSpPr>
+        <p:spPr>
+          <a:xfrm>
+            <a:off x="423554" y="6176963"/>
+            <a:ext cx="11768446" cy="646331"/>
+          </a:xfrm>
+          <a:prstGeom prst="rect">
+            <a:avLst/>
+          </a:prstGeom>
+          <a:noFill/>
+        </p:spPr>
+        <p:txBody>
+          <a:bodyPr wrap="square" rtlCol="0">
+            <a:spAutoFit/>
+          </a:bodyPr>
+          <a:lstStyle/>
+          <a:p>
+            <a:pPr algn="ctr"/>
+            <a:r>
+              <a:rPr lang="en-US" dirty="0"/>
+              <a:t>Figure 2.8: Simple traffic model where each car is an agent. In A, B and C from top left clockwise, model parameters, a chart of car speeds and the spatial agent-environment (source: Wilensky, 1997).</a:t>
+            </a:r>
+          </a:p>
+        </p:txBody>
+      </p:sp>
+    </p:spTree>
+    <p:extLst>
+      <p:ext uri="{BB962C8B-B14F-4D97-AF65-F5344CB8AC3E}">
+        <p14:creationId xmlns:p14="http://schemas.microsoft.com/office/powerpoint/2010/main" val="4010078096"/>
+      </p:ext>
+    </p:extLst>
+  </p:cSld>
+  <p:clrMapOvr>
+    <a:masterClrMapping/>
+  </p:clrMapOvr>
+</p:sld>
+</file>
+
+<file path=ppt/slides/slide21.xml><?xml version="1.0" encoding="utf-8"?>
+<p:sld xmlns:a="http://schemas.openxmlformats.org/drawingml/2006/main" xmlns:r="http://schemas.openxmlformats.org/officeDocument/2006/relationships" xmlns:p="http://schemas.openxmlformats.org/presentationml/2006/main">
+  <p:cSld>
+    <p:spTree>
+      <p:nvGrpSpPr>
+        <p:cNvPr id="1" name=""/>
+        <p:cNvGrpSpPr/>
+        <p:nvPr/>
+      </p:nvGrpSpPr>
+      <p:grpSpPr>
+        <a:xfrm>
+          <a:off x="0" y="0"/>
+          <a:ext cx="0" cy="0"/>
+          <a:chOff x="0" y="0"/>
+          <a:chExt cx="0" cy="0"/>
+        </a:xfrm>
+      </p:grpSpPr>
+      <p:sp>
+        <p:nvSpPr>
+          <p:cNvPr id="2" name="Title 1">
+            <a:extLst>
+              <a:ext uri="{FF2B5EF4-FFF2-40B4-BE49-F238E27FC236}">
+                <a16:creationId xmlns:a16="http://schemas.microsoft.com/office/drawing/2014/main" id="{BF2611C3-A59C-0041-B101-06D4E8E8AA9D}"/>
+              </a:ext>
+            </a:extLst>
+          </p:cNvPr>
+          <p:cNvSpPr>
+            <a:spLocks noGrp="1"/>
+          </p:cNvSpPr>
+          <p:nvPr>
+            <p:ph type="title"/>
+          </p:nvPr>
+        </p:nvSpPr>
+        <p:spPr/>
+        <p:txBody>
+          <a:bodyPr/>
+          <a:lstStyle/>
+          <a:p>
+            <a:r>
+              <a:rPr lang="en-US" dirty="0"/>
+              <a:t>Show Real </a:t>
+            </a:r>
+            <a:r>
+              <a:rPr lang="en-US"/>
+              <a:t>World Example.</a:t>
+            </a:r>
+          </a:p>
+        </p:txBody>
+      </p:sp>
+      <p:sp>
+        <p:nvSpPr>
+          <p:cNvPr id="3" name="Content Placeholder 2">
+            <a:extLst>
+              <a:ext uri="{FF2B5EF4-FFF2-40B4-BE49-F238E27FC236}">
+                <a16:creationId xmlns:a16="http://schemas.microsoft.com/office/drawing/2014/main" id="{3EE1680A-375D-D44B-A000-A83807B2095D}"/>
+              </a:ext>
+            </a:extLst>
+          </p:cNvPr>
+          <p:cNvSpPr>
+            <a:spLocks noGrp="1"/>
+          </p:cNvSpPr>
+          <p:nvPr>
+            <p:ph idx="1"/>
+          </p:nvPr>
+        </p:nvSpPr>
+        <p:spPr/>
+        <p:txBody>
+          <a:bodyPr/>
+          <a:lstStyle/>
+          <a:p>
+            <a:endParaRPr lang="en-US"/>
+          </a:p>
+        </p:txBody>
+      </p:sp>
+    </p:spTree>
+    <p:extLst>
+      <p:ext uri="{BB962C8B-B14F-4D97-AF65-F5344CB8AC3E}">
+        <p14:creationId xmlns:p14="http://schemas.microsoft.com/office/powerpoint/2010/main" val="2246011823"/>
+      </p:ext>
+    </p:extLst>
+  </p:cSld>
+  <p:clrMapOvr>
+    <a:masterClrMapping/>
+  </p:clrMapOvr>
+</p:sld>
+</file>
+
+<file path=ppt/slides/slide22.xml><?xml version="1.0" encoding="utf-8"?>
+<p:sld xmlns:a="http://schemas.openxmlformats.org/drawingml/2006/main" xmlns:r="http://schemas.openxmlformats.org/officeDocument/2006/relationships" xmlns:p="http://schemas.openxmlformats.org/presentationml/2006/main">
+  <p:cSld>
+    <p:spTree>
+      <p:nvGrpSpPr>
+        <p:cNvPr id="1" name=""/>
+        <p:cNvGrpSpPr/>
+        <p:nvPr/>
+      </p:nvGrpSpPr>
+      <p:grpSpPr>
+        <a:xfrm>
+          <a:off x="0" y="0"/>
+          <a:ext cx="0" cy="0"/>
+          <a:chOff x="0" y="0"/>
+          <a:chExt cx="0" cy="0"/>
+        </a:xfrm>
+      </p:grpSpPr>
+      <p:sp>
+        <p:nvSpPr>
+          <p:cNvPr id="2" name="Title 1">
+            <a:extLst>
+              <a:ext uri="{FF2B5EF4-FFF2-40B4-BE49-F238E27FC236}">
+                <a16:creationId xmlns:a16="http://schemas.microsoft.com/office/drawing/2014/main" id="{4562668E-5292-3B42-992E-E0C3FBC5843A}"/>
+              </a:ext>
+            </a:extLst>
+          </p:cNvPr>
+          <p:cNvSpPr>
+            <a:spLocks noGrp="1"/>
+          </p:cNvSpPr>
+          <p:nvPr>
+            <p:ph type="title"/>
+          </p:nvPr>
+        </p:nvSpPr>
+        <p:spPr/>
+        <p:txBody>
+          <a:bodyPr/>
+          <a:lstStyle/>
+          <a:p>
+            <a:r>
+              <a:rPr lang="en-US" dirty="0"/>
+              <a:t>Agent-based Models Used for Decision Making</a:t>
+            </a:r>
+          </a:p>
+        </p:txBody>
+      </p:sp>
+      <p:sp>
+        <p:nvSpPr>
+          <p:cNvPr id="3" name="Content Placeholder 2">
+            <a:extLst>
+              <a:ext uri="{FF2B5EF4-FFF2-40B4-BE49-F238E27FC236}">
+                <a16:creationId xmlns:a16="http://schemas.microsoft.com/office/drawing/2014/main" id="{999D88FD-F9D2-7A4E-ACA2-5CAADFF4F70C}"/>
+              </a:ext>
+            </a:extLst>
+          </p:cNvPr>
+          <p:cNvSpPr>
+            <a:spLocks noGrp="1"/>
+          </p:cNvSpPr>
+          <p:nvPr>
+            <p:ph idx="1"/>
+          </p:nvPr>
+        </p:nvSpPr>
+        <p:spPr/>
+        <p:txBody>
+          <a:bodyPr/>
+          <a:lstStyle/>
+          <a:p>
+            <a:endParaRPr lang="en-US" dirty="0"/>
+          </a:p>
+        </p:txBody>
+      </p:sp>
+    </p:spTree>
+    <p:extLst>
+      <p:ext uri="{BB962C8B-B14F-4D97-AF65-F5344CB8AC3E}">
+        <p14:creationId xmlns:p14="http://schemas.microsoft.com/office/powerpoint/2010/main" val="3863996302"/>
+      </p:ext>
+    </p:extLst>
+  </p:cSld>
+  <p:clrMapOvr>
+    <a:masterClrMapping/>
+  </p:clrMapOvr>
+</p:sld>
+</file>
+
+<file path=ppt/slides/slide23.xml><?xml version="1.0" encoding="utf-8"?>
+<p:sld xmlns:a="http://schemas.openxmlformats.org/drawingml/2006/main" xmlns:r="http://schemas.openxmlformats.org/officeDocument/2006/relationships" xmlns:p="http://schemas.openxmlformats.org/presentationml/2006/main">
+  <p:cSld>
+    <p:spTree>
+      <p:nvGrpSpPr>
+        <p:cNvPr id="1" name=""/>
+        <p:cNvGrpSpPr/>
+        <p:nvPr/>
+      </p:nvGrpSpPr>
+      <p:grpSpPr>
+        <a:xfrm>
+          <a:off x="0" y="0"/>
+          <a:ext cx="0" cy="0"/>
+          <a:chOff x="0" y="0"/>
+          <a:chExt cx="0" cy="0"/>
+        </a:xfrm>
+      </p:grpSpPr>
+      <p:sp>
+        <p:nvSpPr>
+          <p:cNvPr id="2" name="Title 1">
+            <a:extLst>
+              <a:ext uri="{FF2B5EF4-FFF2-40B4-BE49-F238E27FC236}">
+                <a16:creationId xmlns:a16="http://schemas.microsoft.com/office/drawing/2014/main" id="{86CF48FA-BA09-934A-9A7D-00D0F017145B}"/>
+              </a:ext>
+            </a:extLst>
+          </p:cNvPr>
+          <p:cNvSpPr>
+            <a:spLocks noGrp="1"/>
+          </p:cNvSpPr>
+          <p:nvPr>
+            <p:ph type="title"/>
+          </p:nvPr>
+        </p:nvSpPr>
+        <p:spPr/>
+        <p:txBody>
+          <a:bodyPr/>
+          <a:lstStyle/>
+          <a:p>
+            <a:r>
+              <a:rPr lang="en-US" dirty="0"/>
+              <a:t>Real World Decision Making</a:t>
+            </a:r>
+          </a:p>
+        </p:txBody>
+      </p:sp>
+      <p:pic>
+        <p:nvPicPr>
+          <p:cNvPr id="6" name="Content Placeholder 5">
+            <a:hlinkClick r:id="rId3"/>
+            <a:extLst>
+              <a:ext uri="{FF2B5EF4-FFF2-40B4-BE49-F238E27FC236}">
+                <a16:creationId xmlns:a16="http://schemas.microsoft.com/office/drawing/2014/main" id="{9BB16C94-2293-CF4D-B1BF-C94FED12C23D}"/>
+              </a:ext>
+            </a:extLst>
+          </p:cNvPr>
+          <p:cNvPicPr>
+            <a:picLocks noGrp="1" noChangeAspect="1"/>
+          </p:cNvPicPr>
+          <p:nvPr>
+            <p:ph idx="1"/>
+          </p:nvPr>
+        </p:nvPicPr>
+        <p:blipFill>
+          <a:blip r:embed="rId4"/>
+          <a:stretch>
+            <a:fillRect/>
+          </a:stretch>
+        </p:blipFill>
+        <p:spPr>
+          <a:xfrm>
+            <a:off x="838200" y="1690688"/>
+            <a:ext cx="10515600" cy="3993850"/>
+          </a:xfrm>
+        </p:spPr>
+      </p:pic>
+      <p:sp>
+        <p:nvSpPr>
+          <p:cNvPr id="4" name="TextBox 3">
+            <a:extLst>
+              <a:ext uri="{FF2B5EF4-FFF2-40B4-BE49-F238E27FC236}">
+                <a16:creationId xmlns:a16="http://schemas.microsoft.com/office/drawing/2014/main" id="{62D67796-FF40-7045-A6F0-346F3AE3D845}"/>
+              </a:ext>
+            </a:extLst>
+          </p:cNvPr>
+          <p:cNvSpPr txBox="1"/>
+          <p:nvPr/>
+        </p:nvSpPr>
+        <p:spPr>
+          <a:xfrm>
+            <a:off x="705853" y="5821756"/>
+            <a:ext cx="10467737" cy="369332"/>
+          </a:xfrm>
+          <a:prstGeom prst="rect">
+            <a:avLst/>
+          </a:prstGeom>
+          <a:noFill/>
+        </p:spPr>
+        <p:txBody>
+          <a:bodyPr wrap="none" rtlCol="0">
+            <a:spAutoFit/>
+          </a:bodyPr>
+          <a:lstStyle/>
+          <a:p>
+            <a:r>
+              <a:rPr lang="en-US" dirty="0"/>
+              <a:t>Figure 2.9: User interface of </a:t>
+            </a:r>
+            <a:r>
+              <a:rPr lang="en-US" dirty="0" err="1"/>
+              <a:t>SimTable</a:t>
+            </a:r>
+            <a:r>
+              <a:rPr lang="en-US" dirty="0"/>
+              <a:t>: (A) Entire study area, (B): an active fire model (source: </a:t>
+            </a:r>
+            <a:r>
+              <a:rPr lang="en-US" dirty="0" err="1"/>
+              <a:t>SimTable</a:t>
+            </a:r>
+            <a:r>
+              <a:rPr lang="en-US" dirty="0"/>
+              <a:t>, 2017).</a:t>
+            </a:r>
+          </a:p>
+        </p:txBody>
+      </p:sp>
+      <p:sp>
+        <p:nvSpPr>
+          <p:cNvPr id="8" name="TextBox 7">
+            <a:extLst>
+              <a:ext uri="{FF2B5EF4-FFF2-40B4-BE49-F238E27FC236}">
+                <a16:creationId xmlns:a16="http://schemas.microsoft.com/office/drawing/2014/main" id="{4E39AD50-DB96-DB4F-BDC7-C518862FD66B}"/>
+              </a:ext>
+            </a:extLst>
+          </p:cNvPr>
+          <p:cNvSpPr txBox="1"/>
+          <p:nvPr/>
+        </p:nvSpPr>
+        <p:spPr>
+          <a:xfrm>
+            <a:off x="2953761" y="6488668"/>
+            <a:ext cx="6364627" cy="369332"/>
+          </a:xfrm>
+          <a:prstGeom prst="rect">
+            <a:avLst/>
+          </a:prstGeom>
+          <a:noFill/>
+        </p:spPr>
+        <p:txBody>
+          <a:bodyPr wrap="none" rtlCol="0">
+            <a:spAutoFit/>
+          </a:bodyPr>
+          <a:lstStyle/>
+          <a:p>
+            <a:r>
+              <a:rPr lang="en-US" dirty="0"/>
+              <a:t>More information about </a:t>
+            </a:r>
+            <a:r>
+              <a:rPr lang="en-US" dirty="0" err="1"/>
+              <a:t>SimTable</a:t>
+            </a:r>
+            <a:r>
+              <a:rPr lang="en-US" dirty="0"/>
+              <a:t> see: </a:t>
+            </a:r>
+            <a:r>
+              <a:rPr lang="en-US" dirty="0">
+                <a:hlinkClick r:id="rId5"/>
+              </a:rPr>
+              <a:t>https://</a:t>
+            </a:r>
+            <a:r>
+              <a:rPr lang="en-US" dirty="0" err="1">
+                <a:hlinkClick r:id="rId5"/>
+              </a:rPr>
+              <a:t>www.simtable.com</a:t>
+            </a:r>
+            <a:endParaRPr lang="en-US" dirty="0"/>
+          </a:p>
+        </p:txBody>
+      </p:sp>
+    </p:spTree>
+    <p:extLst>
+      <p:ext uri="{BB962C8B-B14F-4D97-AF65-F5344CB8AC3E}">
+        <p14:creationId xmlns:p14="http://schemas.microsoft.com/office/powerpoint/2010/main" val="603677216"/>
+      </p:ext>
+    </p:extLst>
+  </p:cSld>
+  <p:clrMapOvr>
+    <a:masterClrMapping/>
+  </p:clrMapOvr>
+</p:sld>
+</file>
+
+<file path=ppt/slides/slide24.xml><?xml version="1.0" encoding="utf-8"?>
+<p:sld xmlns:a="http://schemas.openxmlformats.org/drawingml/2006/main" xmlns:r="http://schemas.openxmlformats.org/officeDocument/2006/relationships" xmlns:p="http://schemas.openxmlformats.org/presentationml/2006/main">
+  <p:cSld>
+    <p:spTree>
+      <p:nvGrpSpPr>
+        <p:cNvPr id="1" name=""/>
+        <p:cNvGrpSpPr/>
+        <p:nvPr/>
+      </p:nvGrpSpPr>
+      <p:grpSpPr>
+        <a:xfrm>
+          <a:off x="0" y="0"/>
+          <a:ext cx="0" cy="0"/>
+          <a:chOff x="0" y="0"/>
+          <a:chExt cx="0" cy="0"/>
+        </a:xfrm>
+      </p:grpSpPr>
+      <p:sp>
+        <p:nvSpPr>
+          <p:cNvPr id="2" name="Title 1">
+            <a:extLst>
+              <a:ext uri="{FF2B5EF4-FFF2-40B4-BE49-F238E27FC236}">
+                <a16:creationId xmlns:a16="http://schemas.microsoft.com/office/drawing/2014/main" id="{4B2C1829-4EA1-1244-8508-CE1A389E5469}"/>
+              </a:ext>
+            </a:extLst>
+          </p:cNvPr>
+          <p:cNvSpPr>
+            <a:spLocks noGrp="1"/>
+          </p:cNvSpPr>
+          <p:nvPr>
+            <p:ph type="title"/>
+          </p:nvPr>
+        </p:nvSpPr>
+        <p:spPr/>
+        <p:txBody>
+          <a:bodyPr/>
+          <a:lstStyle/>
+          <a:p>
+            <a:endParaRPr lang="en-US"/>
+          </a:p>
+        </p:txBody>
+      </p:sp>
+      <p:sp>
+        <p:nvSpPr>
+          <p:cNvPr id="3" name="Content Placeholder 2">
+            <a:extLst>
+              <a:ext uri="{FF2B5EF4-FFF2-40B4-BE49-F238E27FC236}">
+                <a16:creationId xmlns:a16="http://schemas.microsoft.com/office/drawing/2014/main" id="{F10B2661-613E-4D49-8D8F-08C27398FC24}"/>
+              </a:ext>
+            </a:extLst>
+          </p:cNvPr>
+          <p:cNvSpPr>
+            <a:spLocks noGrp="1"/>
+          </p:cNvSpPr>
+          <p:nvPr>
+            <p:ph idx="1"/>
+          </p:nvPr>
+        </p:nvSpPr>
+        <p:spPr/>
+        <p:txBody>
+          <a:bodyPr/>
+          <a:lstStyle/>
+          <a:p>
+            <a:endParaRPr lang="en-US"/>
+          </a:p>
+        </p:txBody>
+      </p:sp>
+    </p:spTree>
+    <p:extLst>
+      <p:ext uri="{BB962C8B-B14F-4D97-AF65-F5344CB8AC3E}">
+        <p14:creationId xmlns:p14="http://schemas.microsoft.com/office/powerpoint/2010/main" val="1266398697"/>
+      </p:ext>
+    </p:extLst>
+  </p:cSld>
+  <p:clrMapOvr>
+    <a:masterClrMapping/>
+  </p:clrMapOvr>
+</p:sld>
+</file>
+
+<file path=ppt/slides/slide3.xml><?xml version="1.0" encoding="utf-8"?>
+<p:sld xmlns:a="http://schemas.openxmlformats.org/drawingml/2006/main" xmlns:r="http://schemas.openxmlformats.org/officeDocument/2006/relationships" xmlns:p="http://schemas.openxmlformats.org/presentationml/2006/main">
+  <p:cSld>
+    <p:spTree>
+      <p:nvGrpSpPr>
+        <p:cNvPr id="1" name=""/>
+        <p:cNvGrpSpPr/>
+        <p:nvPr/>
+      </p:nvGrpSpPr>
+      <p:grpSpPr>
+        <a:xfrm>
+          <a:off x="0" y="0"/>
+          <a:ext cx="0" cy="0"/>
+          <a:chOff x="0" y="0"/>
+          <a:chExt cx="0" cy="0"/>
+        </a:xfrm>
+      </p:grpSpPr>
+      <p:sp>
+        <p:nvSpPr>
+          <p:cNvPr id="2" name="Title 1">
+            <a:extLst>
+              <a:ext uri="{FF2B5EF4-FFF2-40B4-BE49-F238E27FC236}">
+                <a16:creationId xmlns:a16="http://schemas.microsoft.com/office/drawing/2014/main" id="{B8EED096-D85B-544A-B18B-71F9055BBC8D}"/>
+              </a:ext>
+            </a:extLst>
+          </p:cNvPr>
+          <p:cNvSpPr>
+            <a:spLocks noGrp="1"/>
+          </p:cNvSpPr>
+          <p:nvPr>
+            <p:ph type="title"/>
+          </p:nvPr>
+        </p:nvSpPr>
+        <p:spPr/>
+        <p:txBody>
+          <a:bodyPr/>
+          <a:lstStyle/>
+          <a:p>
+            <a:r>
+              <a:rPr lang="en-US" dirty="0"/>
+              <a:t>What is an Agent?</a:t>
+            </a:r>
+          </a:p>
+        </p:txBody>
+      </p:sp>
+      <p:sp>
+        <p:nvSpPr>
+          <p:cNvPr id="3" name="Content Placeholder 2">
+            <a:extLst>
+              <a:ext uri="{FF2B5EF4-FFF2-40B4-BE49-F238E27FC236}">
+                <a16:creationId xmlns:a16="http://schemas.microsoft.com/office/drawing/2014/main" id="{710AD0B3-98DA-AE48-AA54-22D5DF97456C}"/>
+              </a:ext>
+            </a:extLst>
+          </p:cNvPr>
+          <p:cNvSpPr>
+            <a:spLocks noGrp="1"/>
+          </p:cNvSpPr>
+          <p:nvPr>
+            <p:ph idx="1"/>
+          </p:nvPr>
+        </p:nvSpPr>
+        <p:spPr/>
+        <p:txBody>
+          <a:bodyPr/>
+          <a:lstStyle/>
+          <a:p>
+            <a:endParaRPr lang="en-US"/>
+          </a:p>
+        </p:txBody>
+      </p:sp>
+    </p:spTree>
+    <p:extLst>
+      <p:ext uri="{BB962C8B-B14F-4D97-AF65-F5344CB8AC3E}">
+        <p14:creationId xmlns:p14="http://schemas.microsoft.com/office/powerpoint/2010/main" val="2898360103"/>
+      </p:ext>
+    </p:extLst>
+  </p:cSld>
+  <p:clrMapOvr>
+    <a:masterClrMapping/>
+  </p:clrMapOvr>
+</p:sld>
+</file>
+
+<file path=ppt/slides/slide4.xml><?xml version="1.0" encoding="utf-8"?>
+<p:sld xmlns:a="http://schemas.openxmlformats.org/drawingml/2006/main" xmlns:r="http://schemas.openxmlformats.org/officeDocument/2006/relationships" xmlns:p="http://schemas.openxmlformats.org/presentationml/2006/main">
+  <p:cSld>
+    <p:spTree>
+      <p:nvGrpSpPr>
+        <p:cNvPr id="1" name=""/>
+        <p:cNvGrpSpPr/>
+        <p:nvPr/>
+      </p:nvGrpSpPr>
+      <p:grpSpPr>
+        <a:xfrm>
+          <a:off x="0" y="0"/>
+          <a:ext cx="0" cy="0"/>
+          <a:chOff x="0" y="0"/>
+          <a:chExt cx="0" cy="0"/>
+        </a:xfrm>
+      </p:grpSpPr>
+      <p:sp>
+        <p:nvSpPr>
+          <p:cNvPr id="2" name="Title 1">
+            <a:extLst>
+              <a:ext uri="{FF2B5EF4-FFF2-40B4-BE49-F238E27FC236}">
+                <a16:creationId xmlns:a16="http://schemas.microsoft.com/office/drawing/2014/main" id="{414BB6F5-2C17-994A-ACFA-739CAF7C9988}"/>
+              </a:ext>
+            </a:extLst>
+          </p:cNvPr>
+          <p:cNvSpPr>
+            <a:spLocks noGrp="1"/>
+          </p:cNvSpPr>
+          <p:nvPr>
+            <p:ph type="title"/>
+          </p:nvPr>
+        </p:nvSpPr>
+        <p:spPr/>
+        <p:txBody>
+          <a:bodyPr/>
+          <a:lstStyle/>
+          <a:p>
+            <a:r>
+              <a:rPr lang="en-US" dirty="0"/>
+              <a:t>Agent Representation</a:t>
+            </a:r>
+          </a:p>
+        </p:txBody>
+      </p:sp>
+      <p:pic>
+        <p:nvPicPr>
+          <p:cNvPr id="6" name="Content Placeholder 5">
+            <a:extLst>
+              <a:ext uri="{FF2B5EF4-FFF2-40B4-BE49-F238E27FC236}">
+                <a16:creationId xmlns:a16="http://schemas.microsoft.com/office/drawing/2014/main" id="{5AE15788-D87C-5B4E-9DA2-D7DF924A9586}"/>
+              </a:ext>
+            </a:extLst>
+          </p:cNvPr>
+          <p:cNvPicPr>
+            <a:picLocks noGrp="1" noChangeAspect="1"/>
+          </p:cNvPicPr>
+          <p:nvPr>
+            <p:ph idx="1"/>
+          </p:nvPr>
+        </p:nvPicPr>
+        <p:blipFill>
+          <a:blip r:embed="rId2"/>
+          <a:stretch>
+            <a:fillRect/>
+          </a:stretch>
+        </p:blipFill>
+        <p:spPr>
+          <a:xfrm>
+            <a:off x="2318808" y="1411015"/>
+            <a:ext cx="7554383" cy="4765948"/>
+          </a:xfrm>
+        </p:spPr>
+      </p:pic>
+      <p:sp>
+        <p:nvSpPr>
+          <p:cNvPr id="4" name="TextBox 3">
+            <a:extLst>
+              <a:ext uri="{FF2B5EF4-FFF2-40B4-BE49-F238E27FC236}">
+                <a16:creationId xmlns:a16="http://schemas.microsoft.com/office/drawing/2014/main" id="{C212F436-6AD7-E84E-9AD0-180D190DF611}"/>
+              </a:ext>
+            </a:extLst>
+          </p:cNvPr>
+          <p:cNvSpPr txBox="1"/>
+          <p:nvPr/>
+        </p:nvSpPr>
+        <p:spPr>
+          <a:xfrm>
+            <a:off x="273050" y="6176963"/>
+            <a:ext cx="11645900" cy="646331"/>
+          </a:xfrm>
+          <a:prstGeom prst="rect">
+            <a:avLst/>
+          </a:prstGeom>
+          <a:noFill/>
+        </p:spPr>
+        <p:txBody>
+          <a:bodyPr wrap="square" rtlCol="0">
+            <a:spAutoFit/>
+          </a:bodyPr>
+          <a:lstStyle/>
+          <a:p>
+            <a:r>
+              <a:rPr lang="en-US" dirty="0"/>
+              <a:t>Figure 2.1: Representation of (A) human agent and (B) supermarket retailer agent alongside that of representation within an object-orientated environment.</a:t>
+            </a:r>
+          </a:p>
+        </p:txBody>
+      </p:sp>
+    </p:spTree>
+    <p:extLst>
+      <p:ext uri="{BB962C8B-B14F-4D97-AF65-F5344CB8AC3E}">
+        <p14:creationId xmlns:p14="http://schemas.microsoft.com/office/powerpoint/2010/main" val="3752175511"/>
+      </p:ext>
+    </p:extLst>
+  </p:cSld>
+  <p:clrMapOvr>
+    <a:masterClrMapping/>
+  </p:clrMapOvr>
+</p:sld>
+</file>
+
+<file path=ppt/slides/slide5.xml><?xml version="1.0" encoding="utf-8"?>
+<p:sld xmlns:a="http://schemas.openxmlformats.org/drawingml/2006/main" xmlns:r="http://schemas.openxmlformats.org/officeDocument/2006/relationships" xmlns:p="http://schemas.openxmlformats.org/presentationml/2006/main">
+  <p:cSld>
+    <p:spTree>
+      <p:nvGrpSpPr>
+        <p:cNvPr id="1" name=""/>
+        <p:cNvGrpSpPr/>
+        <p:nvPr/>
+      </p:nvGrpSpPr>
+      <p:grpSpPr>
+        <a:xfrm>
+          <a:off x="0" y="0"/>
+          <a:ext cx="0" cy="0"/>
+          <a:chOff x="0" y="0"/>
+          <a:chExt cx="0" cy="0"/>
+        </a:xfrm>
+      </p:grpSpPr>
+      <p:sp>
+        <p:nvSpPr>
+          <p:cNvPr id="2" name="Title 1">
+            <a:extLst>
+              <a:ext uri="{FF2B5EF4-FFF2-40B4-BE49-F238E27FC236}">
+                <a16:creationId xmlns:a16="http://schemas.microsoft.com/office/drawing/2014/main" id="{DC176CFC-1CC5-2043-92EC-ACA20D587846}"/>
+              </a:ext>
+            </a:extLst>
+          </p:cNvPr>
+          <p:cNvSpPr>
+            <a:spLocks noGrp="1"/>
+          </p:cNvSpPr>
+          <p:nvPr>
+            <p:ph type="title"/>
+          </p:nvPr>
+        </p:nvSpPr>
+        <p:spPr/>
+        <p:txBody>
+          <a:bodyPr/>
+          <a:lstStyle/>
+          <a:p>
+            <a:r>
+              <a:rPr lang="en-US" dirty="0"/>
+              <a:t>Agent Rules</a:t>
+            </a:r>
+          </a:p>
+        </p:txBody>
+      </p:sp>
+      <p:sp>
+        <p:nvSpPr>
+          <p:cNvPr id="3" name="Content Placeholder 2">
+            <a:extLst>
+              <a:ext uri="{FF2B5EF4-FFF2-40B4-BE49-F238E27FC236}">
+                <a16:creationId xmlns:a16="http://schemas.microsoft.com/office/drawing/2014/main" id="{D8B2DE1A-F42B-C142-A372-90BFD769865C}"/>
+              </a:ext>
+            </a:extLst>
+          </p:cNvPr>
+          <p:cNvSpPr>
+            <a:spLocks noGrp="1"/>
+          </p:cNvSpPr>
+          <p:nvPr>
+            <p:ph idx="1"/>
+          </p:nvPr>
+        </p:nvSpPr>
+        <p:spPr/>
+        <p:txBody>
+          <a:bodyPr/>
+          <a:lstStyle/>
+          <a:p>
+            <a:endParaRPr lang="en-US" dirty="0"/>
+          </a:p>
+        </p:txBody>
+      </p:sp>
+    </p:spTree>
+    <p:extLst>
+      <p:ext uri="{BB962C8B-B14F-4D97-AF65-F5344CB8AC3E}">
+        <p14:creationId xmlns:p14="http://schemas.microsoft.com/office/powerpoint/2010/main" val="1029667552"/>
+      </p:ext>
+    </p:extLst>
+  </p:cSld>
+  <p:clrMapOvr>
+    <a:masterClrMapping/>
+  </p:clrMapOvr>
+</p:sld>
+</file>
+
+<file path=ppt/slides/slide6.xml><?xml version="1.0" encoding="utf-8"?>
+<p:sld xmlns:a="http://schemas.openxmlformats.org/drawingml/2006/main" xmlns:r="http://schemas.openxmlformats.org/officeDocument/2006/relationships" xmlns:p="http://schemas.openxmlformats.org/presentationml/2006/main">
+  <p:cSld>
+    <p:spTree>
+      <p:nvGrpSpPr>
+        <p:cNvPr id="1" name=""/>
+        <p:cNvGrpSpPr/>
+        <p:nvPr/>
+      </p:nvGrpSpPr>
+      <p:grpSpPr>
+        <a:xfrm>
+          <a:off x="0" y="0"/>
+          <a:ext cx="0" cy="0"/>
+          <a:chOff x="0" y="0"/>
+          <a:chExt cx="0" cy="0"/>
+        </a:xfrm>
+      </p:grpSpPr>
+      <p:sp>
+        <p:nvSpPr>
+          <p:cNvPr id="2" name="Title 1">
+            <a:extLst>
+              <a:ext uri="{FF2B5EF4-FFF2-40B4-BE49-F238E27FC236}">
+                <a16:creationId xmlns:a16="http://schemas.microsoft.com/office/drawing/2014/main" id="{49CF3071-6FF5-4B41-8CB5-F0AA8FB3C9F5}"/>
+              </a:ext>
+            </a:extLst>
+          </p:cNvPr>
+          <p:cNvSpPr>
+            <a:spLocks noGrp="1"/>
+          </p:cNvSpPr>
+          <p:nvPr>
+            <p:ph type="title"/>
+          </p:nvPr>
+        </p:nvSpPr>
+        <p:spPr/>
+        <p:txBody>
+          <a:bodyPr/>
+          <a:lstStyle/>
+          <a:p>
+            <a:r>
+              <a:rPr lang="en-US" dirty="0"/>
+              <a:t>Main Components of an Agent</a:t>
+            </a:r>
+          </a:p>
+        </p:txBody>
+      </p:sp>
+      <p:pic>
+        <p:nvPicPr>
+          <p:cNvPr id="6" name="Content Placeholder 5">
+            <a:extLst>
+              <a:ext uri="{FF2B5EF4-FFF2-40B4-BE49-F238E27FC236}">
+                <a16:creationId xmlns:a16="http://schemas.microsoft.com/office/drawing/2014/main" id="{4E385A14-587C-C94C-A21F-965C885BDC86}"/>
+              </a:ext>
+            </a:extLst>
+          </p:cNvPr>
+          <p:cNvPicPr>
+            <a:picLocks noGrp="1" noChangeAspect="1"/>
+          </p:cNvPicPr>
+          <p:nvPr>
+            <p:ph idx="1"/>
+          </p:nvPr>
+        </p:nvPicPr>
+        <p:blipFill>
+          <a:blip r:embed="rId2"/>
+          <a:stretch>
+            <a:fillRect/>
+          </a:stretch>
+        </p:blipFill>
+        <p:spPr>
+          <a:xfrm>
+            <a:off x="3610097" y="1825625"/>
+            <a:ext cx="4971806" cy="4351338"/>
+          </a:xfrm>
+        </p:spPr>
+      </p:pic>
+      <p:sp>
+        <p:nvSpPr>
+          <p:cNvPr id="4" name="TextBox 3">
+            <a:extLst>
+              <a:ext uri="{FF2B5EF4-FFF2-40B4-BE49-F238E27FC236}">
+                <a16:creationId xmlns:a16="http://schemas.microsoft.com/office/drawing/2014/main" id="{1EF18778-2766-9144-9027-F98DCF1DA3EB}"/>
+              </a:ext>
+            </a:extLst>
+          </p:cNvPr>
+          <p:cNvSpPr txBox="1"/>
+          <p:nvPr/>
+        </p:nvSpPr>
+        <p:spPr>
+          <a:xfrm>
+            <a:off x="2434677" y="6311900"/>
+            <a:ext cx="7322646" cy="369332"/>
+          </a:xfrm>
+          <a:prstGeom prst="rect">
+            <a:avLst/>
+          </a:prstGeom>
+          <a:noFill/>
+        </p:spPr>
+        <p:txBody>
+          <a:bodyPr wrap="none" rtlCol="0">
+            <a:spAutoFit/>
+          </a:bodyPr>
+          <a:lstStyle/>
+          <a:p>
+            <a:r>
+              <a:rPr lang="en-US" dirty="0"/>
+              <a:t>Figure 2.2: Schematic illustrating some of the main components of an agent.</a:t>
+            </a:r>
+          </a:p>
+        </p:txBody>
+      </p:sp>
+    </p:spTree>
+    <p:extLst>
+      <p:ext uri="{BB962C8B-B14F-4D97-AF65-F5344CB8AC3E}">
+        <p14:creationId xmlns:p14="http://schemas.microsoft.com/office/powerpoint/2010/main" val="1134758609"/>
+      </p:ext>
+    </p:extLst>
+  </p:cSld>
+  <p:clrMapOvr>
+    <a:masterClrMapping/>
+  </p:clrMapOvr>
+</p:sld>
+</file>
+
+<file path=ppt/slides/slide7.xml><?xml version="1.0" encoding="utf-8"?>
+<p:sld xmlns:a="http://schemas.openxmlformats.org/drawingml/2006/main" xmlns:r="http://schemas.openxmlformats.org/officeDocument/2006/relationships" xmlns:p="http://schemas.openxmlformats.org/presentationml/2006/main">
+  <p:cSld>
+    <p:spTree>
+      <p:nvGrpSpPr>
+        <p:cNvPr id="1" name=""/>
+        <p:cNvGrpSpPr/>
+        <p:nvPr/>
+      </p:nvGrpSpPr>
+      <p:grpSpPr>
+        <a:xfrm>
+          <a:off x="0" y="0"/>
+          <a:ext cx="0" cy="0"/>
+          <a:chOff x="0" y="0"/>
+          <a:chExt cx="0" cy="0"/>
+        </a:xfrm>
+      </p:grpSpPr>
+      <p:sp>
+        <p:nvSpPr>
+          <p:cNvPr id="2" name="Title 1">
+            <a:extLst>
+              <a:ext uri="{FF2B5EF4-FFF2-40B4-BE49-F238E27FC236}">
+                <a16:creationId xmlns:a16="http://schemas.microsoft.com/office/drawing/2014/main" id="{8A431535-8FE5-7748-96DE-5964BABBAC4D}"/>
+              </a:ext>
+            </a:extLst>
+          </p:cNvPr>
+          <p:cNvSpPr>
+            <a:spLocks noGrp="1"/>
+          </p:cNvSpPr>
+          <p:nvPr>
+            <p:ph type="title"/>
+          </p:nvPr>
+        </p:nvSpPr>
+        <p:spPr/>
+        <p:txBody>
+          <a:bodyPr/>
+          <a:lstStyle/>
+          <a:p>
+            <a:r>
+              <a:rPr lang="en-US" dirty="0"/>
+              <a:t>An Agent’s World</a:t>
+            </a:r>
+          </a:p>
+        </p:txBody>
+      </p:sp>
+      <p:sp>
+        <p:nvSpPr>
+          <p:cNvPr id="3" name="Content Placeholder 2">
+            <a:extLst>
+              <a:ext uri="{FF2B5EF4-FFF2-40B4-BE49-F238E27FC236}">
+                <a16:creationId xmlns:a16="http://schemas.microsoft.com/office/drawing/2014/main" id="{7110F534-A014-1947-BEFB-5C0EE0BFDC13}"/>
+              </a:ext>
+            </a:extLst>
+          </p:cNvPr>
+          <p:cNvSpPr>
+            <a:spLocks noGrp="1"/>
+          </p:cNvSpPr>
+          <p:nvPr>
+            <p:ph idx="1"/>
+          </p:nvPr>
+        </p:nvSpPr>
+        <p:spPr/>
+        <p:txBody>
+          <a:bodyPr/>
+          <a:lstStyle/>
+          <a:p>
+            <a:endParaRPr lang="en-US"/>
+          </a:p>
+        </p:txBody>
+      </p:sp>
+    </p:spTree>
+    <p:extLst>
+      <p:ext uri="{BB962C8B-B14F-4D97-AF65-F5344CB8AC3E}">
+        <p14:creationId xmlns:p14="http://schemas.microsoft.com/office/powerpoint/2010/main" val="1092804187"/>
+      </p:ext>
+    </p:extLst>
+  </p:cSld>
+  <p:clrMapOvr>
+    <a:masterClrMapping/>
+  </p:clrMapOvr>
+</p:sld>
+</file>
+
+<file path=ppt/slides/slide8.xml><?xml version="1.0" encoding="utf-8"?>
+<p:sld xmlns:a="http://schemas.openxmlformats.org/drawingml/2006/main" xmlns:r="http://schemas.openxmlformats.org/officeDocument/2006/relationships" xmlns:p="http://schemas.openxmlformats.org/presentationml/2006/main">
+  <p:cSld>
+    <p:spTree>
+      <p:nvGrpSpPr>
+        <p:cNvPr id="1" name=""/>
+        <p:cNvGrpSpPr/>
+        <p:nvPr/>
+      </p:nvGrpSpPr>
+      <p:grpSpPr>
+        <a:xfrm>
+          <a:off x="0" y="0"/>
+          <a:ext cx="0" cy="0"/>
+          <a:chOff x="0" y="0"/>
+          <a:chExt cx="0" cy="0"/>
+        </a:xfrm>
+      </p:grpSpPr>
+      <p:sp>
+        <p:nvSpPr>
+          <p:cNvPr id="2" name="Title 1">
+            <a:extLst>
+              <a:ext uri="{FF2B5EF4-FFF2-40B4-BE49-F238E27FC236}">
+                <a16:creationId xmlns:a16="http://schemas.microsoft.com/office/drawing/2014/main" id="{7BF78CB2-617B-8E4F-BEFD-AB6E6284B9C9}"/>
+              </a:ext>
+            </a:extLst>
+          </p:cNvPr>
+          <p:cNvSpPr>
+            <a:spLocks noGrp="1"/>
+          </p:cNvSpPr>
+          <p:nvPr>
+            <p:ph type="title"/>
+          </p:nvPr>
+        </p:nvSpPr>
+        <p:spPr/>
+        <p:txBody>
+          <a:bodyPr/>
+          <a:lstStyle/>
+          <a:p>
+            <a:r>
+              <a:rPr lang="en-US" dirty="0"/>
+              <a:t>Agents and their “World”</a:t>
+            </a:r>
+          </a:p>
+        </p:txBody>
+      </p:sp>
+      <p:pic>
+        <p:nvPicPr>
+          <p:cNvPr id="6" name="Content Placeholder 5">
+            <a:extLst>
+              <a:ext uri="{FF2B5EF4-FFF2-40B4-BE49-F238E27FC236}">
+                <a16:creationId xmlns:a16="http://schemas.microsoft.com/office/drawing/2014/main" id="{0069544A-2D06-4841-A23F-FD7482F060CC}"/>
+              </a:ext>
+            </a:extLst>
+          </p:cNvPr>
+          <p:cNvPicPr>
+            <a:picLocks noGrp="1" noChangeAspect="1"/>
+          </p:cNvPicPr>
+          <p:nvPr>
+            <p:ph idx="1"/>
+          </p:nvPr>
+        </p:nvPicPr>
+        <p:blipFill>
+          <a:blip r:embed="rId2"/>
+          <a:stretch>
+            <a:fillRect/>
+          </a:stretch>
+        </p:blipFill>
+        <p:spPr>
+          <a:xfrm>
+            <a:off x="1870635" y="1690688"/>
+            <a:ext cx="8450730" cy="4260056"/>
+          </a:xfrm>
+        </p:spPr>
+      </p:pic>
+      <p:sp>
+        <p:nvSpPr>
+          <p:cNvPr id="4" name="TextBox 3">
+            <a:extLst>
+              <a:ext uri="{FF2B5EF4-FFF2-40B4-BE49-F238E27FC236}">
+                <a16:creationId xmlns:a16="http://schemas.microsoft.com/office/drawing/2014/main" id="{CB104B41-3DAF-1846-8F55-92483110AACF}"/>
+              </a:ext>
+            </a:extLst>
+          </p:cNvPr>
+          <p:cNvSpPr txBox="1"/>
+          <p:nvPr/>
+        </p:nvSpPr>
+        <p:spPr>
+          <a:xfrm>
+            <a:off x="355601" y="6176963"/>
+            <a:ext cx="11700932" cy="646331"/>
+          </a:xfrm>
+          <a:prstGeom prst="rect">
+            <a:avLst/>
+          </a:prstGeom>
+          <a:noFill/>
+        </p:spPr>
+        <p:txBody>
+          <a:bodyPr wrap="square" rtlCol="0">
+            <a:spAutoFit/>
+          </a:bodyPr>
+          <a:lstStyle/>
+          <a:p>
+            <a:pPr algn="ctr"/>
+            <a:r>
+              <a:rPr lang="en-US" dirty="0"/>
+              <a:t>Figure 2.3: Conceptualization of an agent-based model where people are connected to each other and take actions when a specific condition is met.</a:t>
+            </a:r>
+          </a:p>
+        </p:txBody>
+      </p:sp>
+    </p:spTree>
+    <p:extLst>
+      <p:ext uri="{BB962C8B-B14F-4D97-AF65-F5344CB8AC3E}">
+        <p14:creationId xmlns:p14="http://schemas.microsoft.com/office/powerpoint/2010/main" val="2423466223"/>
+      </p:ext>
+    </p:extLst>
+  </p:cSld>
+  <p:clrMapOvr>
+    <a:masterClrMapping/>
+  </p:clrMapOvr>
+</p:sld>
+</file>
+
+<file path=ppt/slides/slide9.xml><?xml version="1.0" encoding="utf-8"?>
+<p:sld xmlns:a="http://schemas.openxmlformats.org/drawingml/2006/main" xmlns:r="http://schemas.openxmlformats.org/officeDocument/2006/relationships" xmlns:p="http://schemas.openxmlformats.org/presentationml/2006/main">
+  <p:cSld>
+    <p:spTree>
+      <p:nvGrpSpPr>
+        <p:cNvPr id="1" name=""/>
+        <p:cNvGrpSpPr/>
+        <p:nvPr/>
+      </p:nvGrpSpPr>
+      <p:grpSpPr>
+        <a:xfrm>
+          <a:off x="0" y="0"/>
+          <a:ext cx="0" cy="0"/>
+          <a:chOff x="0" y="0"/>
+          <a:chExt cx="0" cy="0"/>
+        </a:xfrm>
+      </p:grpSpPr>
+      <p:sp>
+        <p:nvSpPr>
+          <p:cNvPr id="2" name="Title 1">
+            <a:extLst>
+              <a:ext uri="{FF2B5EF4-FFF2-40B4-BE49-F238E27FC236}">
+                <a16:creationId xmlns:a16="http://schemas.microsoft.com/office/drawing/2014/main" id="{F488CAE3-81DE-9843-8063-05AB1A135B50}"/>
+              </a:ext>
+            </a:extLst>
+          </p:cNvPr>
+          <p:cNvSpPr>
+            <a:spLocks noGrp="1"/>
+          </p:cNvSpPr>
+          <p:nvPr>
+            <p:ph type="title"/>
+          </p:nvPr>
+        </p:nvSpPr>
+        <p:spPr/>
+        <p:txBody>
+          <a:bodyPr/>
+          <a:lstStyle/>
+          <a:p>
+            <a:r>
+              <a:rPr lang="en-US" dirty="0"/>
+              <a:t>Advantages of Agent-based Modelling</a:t>
+            </a:r>
+          </a:p>
+        </p:txBody>
+      </p:sp>
+      <p:sp>
+        <p:nvSpPr>
+          <p:cNvPr id="3" name="Content Placeholder 2">
+            <a:extLst>
+              <a:ext uri="{FF2B5EF4-FFF2-40B4-BE49-F238E27FC236}">
+                <a16:creationId xmlns:a16="http://schemas.microsoft.com/office/drawing/2014/main" id="{021256C8-FD65-BE43-81AF-715A24F3D0D3}"/>
+              </a:ext>
+            </a:extLst>
+          </p:cNvPr>
+          <p:cNvSpPr>
+            <a:spLocks noGrp="1"/>
+          </p:cNvSpPr>
+          <p:nvPr>
+            <p:ph idx="1"/>
+          </p:nvPr>
+        </p:nvSpPr>
+        <p:spPr/>
+        <p:txBody>
+          <a:bodyPr/>
+          <a:lstStyle/>
+          <a:p>
+            <a:endParaRPr lang="en-US"/>
+          </a:p>
+        </p:txBody>
+      </p:sp>
+    </p:spTree>
+    <p:extLst>
+      <p:ext uri="{BB962C8B-B14F-4D97-AF65-F5344CB8AC3E}">
+        <p14:creationId xmlns:p14="http://schemas.microsoft.com/office/powerpoint/2010/main" val="3167949714"/>
       </p:ext>
     </p:extLst>
   </p:cSld>
@@ -3677,4 +6621,299 @@
     </a:ext>
   </a:extLst>
 </a:theme>
+</file>
+
+<file path=ppt/theme/theme2.xml><?xml version="1.0" encoding="utf-8"?>
+<a:theme xmlns:a="http://schemas.openxmlformats.org/drawingml/2006/main" name="Office Theme">
+  <a:themeElements>
+    <a:clrScheme name="Office">
+      <a:dk1>
+        <a:sysClr val="windowText" lastClr="000000"/>
+      </a:dk1>
+      <a:lt1>
+        <a:sysClr val="window" lastClr="FFFFFF"/>
+      </a:lt1>
+      <a:dk2>
+        <a:srgbClr val="44546A"/>
+      </a:dk2>
+      <a:lt2>
+        <a:srgbClr val="E7E6E6"/>
+      </a:lt2>
+      <a:accent1>
+        <a:srgbClr val="4472C4"/>
+      </a:accent1>
+      <a:accent2>
+        <a:srgbClr val="ED7D31"/>
+      </a:accent2>
+      <a:accent3>
+        <a:srgbClr val="A5A5A5"/>
+      </a:accent3>
+      <a:accent4>
+        <a:srgbClr val="FFC000"/>
+      </a:accent4>
+      <a:accent5>
+        <a:srgbClr val="5B9BD5"/>
+      </a:accent5>
+      <a:accent6>
+        <a:srgbClr val="70AD47"/>
+      </a:accent6>
+      <a:hlink>
+        <a:srgbClr val="0563C1"/>
+      </a:hlink>
+      <a:folHlink>
+        <a:srgbClr val="954F72"/>
+      </a:folHlink>
+    </a:clrScheme>
+    <a:fontScheme name="Office">
+      <a:majorFont>
+        <a:latin typeface="Calibri Light" panose="020F0302020204030204"/>
+        <a:ea typeface=""/>
+        <a:cs typeface=""/>
+        <a:font script="Jpan" typeface="游ゴシック Light"/>
+        <a:font script="Hang" typeface="맑은 고딕"/>
+        <a:font script="Hans" typeface="等线 Light"/>
+        <a:font script="Hant" typeface="新細明體"/>
+        <a:font script="Arab" typeface="Times New Roman"/>
+        <a:font script="Hebr" typeface="Times New Roman"/>
+        <a:font script="Thai" typeface="Angsana New"/>
+        <a:font script="Ethi" typeface="Nyala"/>
+        <a:font script="Beng" typeface="Vrinda"/>
+        <a:font script="Gujr" typeface="Shruti"/>
+        <a:font script="Khmr" typeface="MoolBoran"/>
+        <a:font script="Knda" typeface="Tunga"/>
+        <a:font script="Guru" typeface="Raavi"/>
+        <a:font script="Cans" typeface="Euphemia"/>
+        <a:font script="Cher" typeface="Plantagenet Cherokee"/>
+        <a:font script="Yiii" typeface="Microsoft Yi Baiti"/>
+        <a:font script="Tibt" typeface="Microsoft Himalaya"/>
+        <a:font script="Thaa" typeface="MV Boli"/>
+        <a:font script="Deva" typeface="Mangal"/>
+        <a:font script="Telu" typeface="Gautami"/>
+        <a:font script="Taml" typeface="Latha"/>
+        <a:font script="Syrc" typeface="Estrangelo Edessa"/>
+        <a:font script="Orya" typeface="Kalinga"/>
+        <a:font script="Mlym" typeface="Kartika"/>
+        <a:font script="Laoo" typeface="DokChampa"/>
+        <a:font script="Sinh" typeface="Iskoola Pota"/>
+        <a:font script="Mong" typeface="Mongolian Baiti"/>
+        <a:font script="Viet" typeface="Times New Roman"/>
+        <a:font script="Uigh" typeface="Microsoft Uighur"/>
+        <a:font script="Geor" typeface="Sylfaen"/>
+        <a:font script="Armn" typeface="Arial"/>
+        <a:font script="Bugi" typeface="Leelawadee UI"/>
+        <a:font script="Bopo" typeface="Microsoft JhengHei"/>
+        <a:font script="Java" typeface="Javanese Text"/>
+        <a:font script="Lisu" typeface="Segoe UI"/>
+        <a:font script="Mymr" typeface="Myanmar Text"/>
+        <a:font script="Nkoo" typeface="Ebrima"/>
+        <a:font script="Olck" typeface="Nirmala UI"/>
+        <a:font script="Osma" typeface="Ebrima"/>
+        <a:font script="Phag" typeface="Phagspa"/>
+        <a:font script="Syrn" typeface="Estrangelo Edessa"/>
+        <a:font script="Syrj" typeface="Estrangelo Edessa"/>
+        <a:font script="Syre" typeface="Estrangelo Edessa"/>
+        <a:font script="Sora" typeface="Nirmala UI"/>
+        <a:font script="Tale" typeface="Microsoft Tai Le"/>
+        <a:font script="Talu" typeface="Microsoft New Tai Lue"/>
+        <a:font script="Tfng" typeface="Ebrima"/>
+      </a:majorFont>
+      <a:minorFont>
+        <a:latin typeface="Calibri" panose="020F0502020204030204"/>
+        <a:ea typeface=""/>
+        <a:cs typeface=""/>
+        <a:font script="Jpan" typeface="游ゴシック"/>
+        <a:font script="Hang" typeface="맑은 고딕"/>
+        <a:font script="Hans" typeface="等线"/>
+        <a:font script="Hant" typeface="新細明體"/>
+        <a:font script="Arab" typeface="Arial"/>
+        <a:font script="Hebr" typeface="Arial"/>
+        <a:font script="Thai" typeface="Cordia New"/>
+        <a:font script="Ethi" typeface="Nyala"/>
+        <a:font script="Beng" typeface="Vrinda"/>
+        <a:font script="Gujr" typeface="Shruti"/>
+        <a:font script="Khmr" typeface="DaunPenh"/>
+        <a:font script="Knda" typeface="Tunga"/>
+        <a:font script="Guru" typeface="Raavi"/>
+        <a:font script="Cans" typeface="Euphemia"/>
+        <a:font script="Cher" typeface="Plantagenet Cherokee"/>
+        <a:font script="Yiii" typeface="Microsoft Yi Baiti"/>
+        <a:font script="Tibt" typeface="Microsoft Himalaya"/>
+        <a:font script="Thaa" typeface="MV Boli"/>
+        <a:font script="Deva" typeface="Mangal"/>
+        <a:font script="Telu" typeface="Gautami"/>
+        <a:font script="Taml" typeface="Latha"/>
+        <a:font script="Syrc" typeface="Estrangelo Edessa"/>
+        <a:font script="Orya" typeface="Kalinga"/>
+        <a:font script="Mlym" typeface="Kartika"/>
+        <a:font script="Laoo" typeface="DokChampa"/>
+        <a:font script="Sinh" typeface="Iskoola Pota"/>
+        <a:font script="Mong" typeface="Mongolian Baiti"/>
+        <a:font script="Viet" typeface="Arial"/>
+        <a:font script="Uigh" typeface="Microsoft Uighur"/>
+        <a:font script="Geor" typeface="Sylfaen"/>
+        <a:font script="Armn" typeface="Arial"/>
+        <a:font script="Bugi" typeface="Leelawadee UI"/>
+        <a:font script="Bopo" typeface="Microsoft JhengHei"/>
+        <a:font script="Java" typeface="Javanese Text"/>
+        <a:font script="Lisu" typeface="Segoe UI"/>
+        <a:font script="Mymr" typeface="Myanmar Text"/>
+        <a:font script="Nkoo" typeface="Ebrima"/>
+        <a:font script="Olck" typeface="Nirmala UI"/>
+        <a:font script="Osma" typeface="Ebrima"/>
+        <a:font script="Phag" typeface="Phagspa"/>
+        <a:font script="Syrn" typeface="Estrangelo Edessa"/>
+        <a:font script="Syrj" typeface="Estrangelo Edessa"/>
+        <a:font script="Syre" typeface="Estrangelo Edessa"/>
+        <a:font script="Sora" typeface="Nirmala UI"/>
+        <a:font script="Tale" typeface="Microsoft Tai Le"/>
+        <a:font script="Talu" typeface="Microsoft New Tai Lue"/>
+        <a:font script="Tfng" typeface="Ebrima"/>
+      </a:minorFont>
+    </a:fontScheme>
+    <a:fmtScheme name="Office">
+      <a:fillStyleLst>
+        <a:solidFill>
+          <a:schemeClr val="phClr"/>
+        </a:solidFill>
+        <a:gradFill rotWithShape="1">
+          <a:gsLst>
+            <a:gs pos="0">
+              <a:schemeClr val="phClr">
+                <a:lumMod val="110000"/>
+                <a:satMod val="105000"/>
+                <a:tint val="67000"/>
+              </a:schemeClr>
+            </a:gs>
+            <a:gs pos="50000">
+              <a:schemeClr val="phClr">
+                <a:lumMod val="105000"/>
+                <a:satMod val="103000"/>
+                <a:tint val="73000"/>
+              </a:schemeClr>
+            </a:gs>
+            <a:gs pos="100000">
+              <a:schemeClr val="phClr">
+                <a:lumMod val="105000"/>
+                <a:satMod val="109000"/>
+                <a:tint val="81000"/>
+              </a:schemeClr>
+            </a:gs>
+          </a:gsLst>
+          <a:lin ang="5400000" scaled="0"/>
+        </a:gradFill>
+        <a:gradFill rotWithShape="1">
+          <a:gsLst>
+            <a:gs pos="0">
+              <a:schemeClr val="phClr">
+                <a:satMod val="103000"/>
+                <a:lumMod val="102000"/>
+                <a:tint val="94000"/>
+              </a:schemeClr>
+            </a:gs>
+            <a:gs pos="50000">
+              <a:schemeClr val="phClr">
+                <a:satMod val="110000"/>
+                <a:lumMod val="100000"/>
+                <a:shade val="100000"/>
+              </a:schemeClr>
+            </a:gs>
+            <a:gs pos="100000">
+              <a:schemeClr val="phClr">
+                <a:lumMod val="99000"/>
+                <a:satMod val="120000"/>
+                <a:shade val="78000"/>
+              </a:schemeClr>
+            </a:gs>
+          </a:gsLst>
+          <a:lin ang="5400000" scaled="0"/>
+        </a:gradFill>
+      </a:fillStyleLst>
+      <a:lnStyleLst>
+        <a:ln w="6350" cap="flat" cmpd="sng" algn="ctr">
+          <a:solidFill>
+            <a:schemeClr val="phClr"/>
+          </a:solidFill>
+          <a:prstDash val="solid"/>
+          <a:miter lim="800000"/>
+        </a:ln>
+        <a:ln w="12700" cap="flat" cmpd="sng" algn="ctr">
+          <a:solidFill>
+            <a:schemeClr val="phClr"/>
+          </a:solidFill>
+          <a:prstDash val="solid"/>
+          <a:miter lim="800000"/>
+        </a:ln>
+        <a:ln w="19050" cap="flat" cmpd="sng" algn="ctr">
+          <a:solidFill>
+            <a:schemeClr val="phClr"/>
+          </a:solidFill>
+          <a:prstDash val="solid"/>
+          <a:miter lim="800000"/>
+        </a:ln>
+      </a:lnStyleLst>
+      <a:effectStyleLst>
+        <a:effectStyle>
+          <a:effectLst/>
+        </a:effectStyle>
+        <a:effectStyle>
+          <a:effectLst/>
+        </a:effectStyle>
+        <a:effectStyle>
+          <a:effectLst>
+            <a:outerShdw blurRad="57150" dist="19050" dir="5400000" algn="ctr" rotWithShape="0">
+              <a:srgbClr val="000000">
+                <a:alpha val="63000"/>
+              </a:srgbClr>
+            </a:outerShdw>
+          </a:effectLst>
+        </a:effectStyle>
+      </a:effectStyleLst>
+      <a:bgFillStyleLst>
+        <a:solidFill>
+          <a:schemeClr val="phClr"/>
+        </a:solidFill>
+        <a:solidFill>
+          <a:schemeClr val="phClr">
+            <a:tint val="95000"/>
+            <a:satMod val="170000"/>
+          </a:schemeClr>
+        </a:solidFill>
+        <a:gradFill rotWithShape="1">
+          <a:gsLst>
+            <a:gs pos="0">
+              <a:schemeClr val="phClr">
+                <a:tint val="93000"/>
+                <a:satMod val="150000"/>
+                <a:shade val="98000"/>
+                <a:lumMod val="102000"/>
+              </a:schemeClr>
+            </a:gs>
+            <a:gs pos="50000">
+              <a:schemeClr val="phClr">
+                <a:tint val="98000"/>
+                <a:satMod val="130000"/>
+                <a:shade val="90000"/>
+                <a:lumMod val="103000"/>
+              </a:schemeClr>
+            </a:gs>
+            <a:gs pos="100000">
+              <a:schemeClr val="phClr">
+                <a:shade val="63000"/>
+                <a:satMod val="120000"/>
+              </a:schemeClr>
+            </a:gs>
+          </a:gsLst>
+          <a:lin ang="5400000" scaled="0"/>
+        </a:gradFill>
+      </a:bgFillStyleLst>
+    </a:fmtScheme>
+  </a:themeElements>
+  <a:objectDefaults/>
+  <a:extraClrSchemeLst/>
+  <a:extLst>
+    <a:ext uri="{05A4C25C-085E-4340-85A3-A5531E510DB2}">
+      <thm15:themeFamily xmlns:thm15="http://schemas.microsoft.com/office/thememl/2012/main" name="Office Theme" id="{62F939B6-93AF-4DB8-9C6B-D6C7DFDC589F}" vid="{4A3C46E8-61CC-4603-A589-7422A47A8E4A}"/>
+    </a:ext>
+  </a:extLst>
+</a:theme>
 </file>
--- a/Chapter02-IntroToABM/Chapter2.pptx
+++ b/Chapter02-IntroToABM/Chapter2.pptx
@@ -5,33 +5,35 @@
     <p:sldMasterId id="2147483648" r:id="rId1"/>
   </p:sldMasterIdLst>
   <p:notesMasterIdLst>
-    <p:notesMasterId r:id="rId26"/>
+    <p:notesMasterId r:id="rId28"/>
   </p:notesMasterIdLst>
   <p:sldIdLst>
     <p:sldId id="256" r:id="rId2"/>
-    <p:sldId id="257" r:id="rId3"/>
-    <p:sldId id="258" r:id="rId4"/>
-    <p:sldId id="259" r:id="rId5"/>
-    <p:sldId id="260" r:id="rId6"/>
-    <p:sldId id="261" r:id="rId7"/>
-    <p:sldId id="262" r:id="rId8"/>
-    <p:sldId id="263" r:id="rId9"/>
-    <p:sldId id="264" r:id="rId10"/>
-    <p:sldId id="265" r:id="rId11"/>
-    <p:sldId id="266" r:id="rId12"/>
-    <p:sldId id="267" r:id="rId13"/>
-    <p:sldId id="268" r:id="rId14"/>
-    <p:sldId id="269" r:id="rId15"/>
-    <p:sldId id="270" r:id="rId16"/>
-    <p:sldId id="271" r:id="rId17"/>
-    <p:sldId id="272" r:id="rId18"/>
-    <p:sldId id="274" r:id="rId19"/>
-    <p:sldId id="273" r:id="rId20"/>
-    <p:sldId id="275" r:id="rId21"/>
-    <p:sldId id="279" r:id="rId22"/>
-    <p:sldId id="276" r:id="rId23"/>
-    <p:sldId id="277" r:id="rId24"/>
-    <p:sldId id="278" r:id="rId25"/>
+    <p:sldId id="282" r:id="rId3"/>
+    <p:sldId id="280" r:id="rId4"/>
+    <p:sldId id="257" r:id="rId5"/>
+    <p:sldId id="258" r:id="rId6"/>
+    <p:sldId id="259" r:id="rId7"/>
+    <p:sldId id="260" r:id="rId8"/>
+    <p:sldId id="261" r:id="rId9"/>
+    <p:sldId id="262" r:id="rId10"/>
+    <p:sldId id="263" r:id="rId11"/>
+    <p:sldId id="264" r:id="rId12"/>
+    <p:sldId id="265" r:id="rId13"/>
+    <p:sldId id="266" r:id="rId14"/>
+    <p:sldId id="267" r:id="rId15"/>
+    <p:sldId id="268" r:id="rId16"/>
+    <p:sldId id="269" r:id="rId17"/>
+    <p:sldId id="270" r:id="rId18"/>
+    <p:sldId id="271" r:id="rId19"/>
+    <p:sldId id="272" r:id="rId20"/>
+    <p:sldId id="274" r:id="rId21"/>
+    <p:sldId id="273" r:id="rId22"/>
+    <p:sldId id="275" r:id="rId23"/>
+    <p:sldId id="279" r:id="rId24"/>
+    <p:sldId id="276" r:id="rId25"/>
+    <p:sldId id="277" r:id="rId26"/>
+    <p:sldId id="278" r:id="rId27"/>
   </p:sldIdLst>
   <p:sldSz cx="12192000" cy="6858000"/>
   <p:notesSz cx="6858000" cy="9144000"/>
@@ -220,7 +222,7 @@
           <a:p>
             <a:fld id="{277BE31A-CF47-1542-834B-3F84EFC65F53}" type="datetimeFigureOut">
               <a:rPr lang="en-US" smtClean="0"/>
-              <a:t>7/16/18</a:t>
+              <a:t>11/2/18</a:t>
             </a:fld>
             <a:endParaRPr lang="en-US"/>
           </a:p>
@@ -631,6 +633,96 @@
           <a:p>
             <a:r>
               <a:rPr lang="en-US" dirty="0"/>
+              <a:t>The overarching aim of this chapter is to give the reader a contextual background and general overview of the major developments in geographical modelling for the simulation of the individual.  The reader is introduced to a discussion around the purpose of modelling as well how complexity theory has influenced the way that we view (and simulate) geographical systems.  We end the chapter by discussing the benefits of bringing together agent-based modelling and GIS.</a:t>
+            </a:r>
+          </a:p>
+          <a:p>
+            <a:endParaRPr lang="en-US" dirty="0"/>
+          </a:p>
+        </p:txBody>
+      </p:sp>
+      <p:sp>
+        <p:nvSpPr>
+          <p:cNvPr id="4" name="Slide Number Placeholder 3"/>
+          <p:cNvSpPr>
+            <a:spLocks noGrp="1"/>
+          </p:cNvSpPr>
+          <p:nvPr>
+            <p:ph type="sldNum" sz="quarter" idx="10"/>
+          </p:nvPr>
+        </p:nvSpPr>
+        <p:spPr/>
+        <p:txBody>
+          <a:bodyPr/>
+          <a:lstStyle/>
+          <a:p>
+            <a:fld id="{84AB11BC-0202-DE4D-9167-A0B0F1A6BEFB}" type="slidenum">
+              <a:rPr lang="en-US" smtClean="0"/>
+              <a:t>3</a:t>
+            </a:fld>
+            <a:endParaRPr lang="en-US"/>
+          </a:p>
+        </p:txBody>
+      </p:sp>
+    </p:spTree>
+    <p:extLst>
+      <p:ext uri="{BB962C8B-B14F-4D97-AF65-F5344CB8AC3E}">
+        <p14:creationId xmlns:p14="http://schemas.microsoft.com/office/powerpoint/2010/main" val="3458669603"/>
+      </p:ext>
+    </p:extLst>
+  </p:cSld>
+  <p:clrMapOvr>
+    <a:masterClrMapping/>
+  </p:clrMapOvr>
+</p:notes>
+</file>
+
+<file path=ppt/notesSlides/notesSlide3.xml><?xml version="1.0" encoding="utf-8"?>
+<p:notes xmlns:a="http://schemas.openxmlformats.org/drawingml/2006/main" xmlns:r="http://schemas.openxmlformats.org/officeDocument/2006/relationships" xmlns:p="http://schemas.openxmlformats.org/presentationml/2006/main">
+  <p:cSld>
+    <p:spTree>
+      <p:nvGrpSpPr>
+        <p:cNvPr id="1" name=""/>
+        <p:cNvGrpSpPr/>
+        <p:nvPr/>
+      </p:nvGrpSpPr>
+      <p:grpSpPr>
+        <a:xfrm>
+          <a:off x="0" y="0"/>
+          <a:ext cx="0" cy="0"/>
+          <a:chOff x="0" y="0"/>
+          <a:chExt cx="0" cy="0"/>
+        </a:xfrm>
+      </p:grpSpPr>
+      <p:sp>
+        <p:nvSpPr>
+          <p:cNvPr id="2" name="Slide Image Placeholder 1"/>
+          <p:cNvSpPr>
+            <a:spLocks noGrp="1" noRot="1" noChangeAspect="1"/>
+          </p:cNvSpPr>
+          <p:nvPr>
+            <p:ph type="sldImg"/>
+          </p:nvPr>
+        </p:nvSpPr>
+        <p:spPr/>
+      </p:sp>
+      <p:sp>
+        <p:nvSpPr>
+          <p:cNvPr id="3" name="Notes Placeholder 2"/>
+          <p:cNvSpPr>
+            <a:spLocks noGrp="1"/>
+          </p:cNvSpPr>
+          <p:nvPr>
+            <p:ph type="body" idx="1"/>
+          </p:nvPr>
+        </p:nvSpPr>
+        <p:spPr/>
+        <p:txBody>
+          <a:bodyPr/>
+          <a:lstStyle/>
+          <a:p>
+            <a:r>
+              <a:rPr lang="en-US" dirty="0"/>
               <a:t>Click on image to see a movie on YouTube. Or see https://</a:t>
             </a:r>
             <a:r>
@@ -669,7 +761,7 @@
           <a:p>
             <a:fld id="{A5E3B634-187A-714A-9D7D-FC23E693A20E}" type="slidenum">
               <a:rPr lang="en-US" smtClean="0"/>
-              <a:t>23</a:t>
+              <a:t>25</a:t>
             </a:fld>
             <a:endParaRPr lang="en-US"/>
           </a:p>
@@ -835,7 +927,7 @@
           <a:p>
             <a:fld id="{53326AB7-C146-8643-AC32-1D896C71A7F3}" type="datetimeFigureOut">
               <a:rPr lang="en-US" smtClean="0"/>
-              <a:t>7/16/18</a:t>
+              <a:t>11/2/18</a:t>
             </a:fld>
             <a:endParaRPr lang="en-US"/>
           </a:p>
@@ -1033,7 +1125,7 @@
           <a:p>
             <a:fld id="{53326AB7-C146-8643-AC32-1D896C71A7F3}" type="datetimeFigureOut">
               <a:rPr lang="en-US" smtClean="0"/>
-              <a:t>7/16/18</a:t>
+              <a:t>11/2/18</a:t>
             </a:fld>
             <a:endParaRPr lang="en-US"/>
           </a:p>
@@ -1241,7 +1333,7 @@
           <a:p>
             <a:fld id="{53326AB7-C146-8643-AC32-1D896C71A7F3}" type="datetimeFigureOut">
               <a:rPr lang="en-US" smtClean="0"/>
-              <a:t>7/16/18</a:t>
+              <a:t>11/2/18</a:t>
             </a:fld>
             <a:endParaRPr lang="en-US"/>
           </a:p>
@@ -1439,7 +1531,7 @@
           <a:p>
             <a:fld id="{53326AB7-C146-8643-AC32-1D896C71A7F3}" type="datetimeFigureOut">
               <a:rPr lang="en-US" smtClean="0"/>
-              <a:t>7/16/18</a:t>
+              <a:t>11/2/18</a:t>
             </a:fld>
             <a:endParaRPr lang="en-US"/>
           </a:p>
@@ -1714,7 +1806,7 @@
           <a:p>
             <a:fld id="{53326AB7-C146-8643-AC32-1D896C71A7F3}" type="datetimeFigureOut">
               <a:rPr lang="en-US" smtClean="0"/>
-              <a:t>7/16/18</a:t>
+              <a:t>11/2/18</a:t>
             </a:fld>
             <a:endParaRPr lang="en-US"/>
           </a:p>
@@ -1979,7 +2071,7 @@
           <a:p>
             <a:fld id="{53326AB7-C146-8643-AC32-1D896C71A7F3}" type="datetimeFigureOut">
               <a:rPr lang="en-US" smtClean="0"/>
-              <a:t>7/16/18</a:t>
+              <a:t>11/2/18</a:t>
             </a:fld>
             <a:endParaRPr lang="en-US"/>
           </a:p>
@@ -2391,7 +2483,7 @@
           <a:p>
             <a:fld id="{53326AB7-C146-8643-AC32-1D896C71A7F3}" type="datetimeFigureOut">
               <a:rPr lang="en-US" smtClean="0"/>
-              <a:t>7/16/18</a:t>
+              <a:t>11/2/18</a:t>
             </a:fld>
             <a:endParaRPr lang="en-US"/>
           </a:p>
@@ -2532,7 +2624,7 @@
           <a:p>
             <a:fld id="{53326AB7-C146-8643-AC32-1D896C71A7F3}" type="datetimeFigureOut">
               <a:rPr lang="en-US" smtClean="0"/>
-              <a:t>7/16/18</a:t>
+              <a:t>11/2/18</a:t>
             </a:fld>
             <a:endParaRPr lang="en-US"/>
           </a:p>
@@ -2645,7 +2737,7 @@
           <a:p>
             <a:fld id="{53326AB7-C146-8643-AC32-1D896C71A7F3}" type="datetimeFigureOut">
               <a:rPr lang="en-US" smtClean="0"/>
-              <a:t>7/16/18</a:t>
+              <a:t>11/2/18</a:t>
             </a:fld>
             <a:endParaRPr lang="en-US"/>
           </a:p>
@@ -2956,7 +3048,7 @@
           <a:p>
             <a:fld id="{53326AB7-C146-8643-AC32-1D896C71A7F3}" type="datetimeFigureOut">
               <a:rPr lang="en-US" smtClean="0"/>
-              <a:t>7/16/18</a:t>
+              <a:t>11/2/18</a:t>
             </a:fld>
             <a:endParaRPr lang="en-US"/>
           </a:p>
@@ -3244,7 +3336,7 @@
           <a:p>
             <a:fld id="{53326AB7-C146-8643-AC32-1D896C71A7F3}" type="datetimeFigureOut">
               <a:rPr lang="en-US" smtClean="0"/>
-              <a:t>7/16/18</a:t>
+              <a:t>11/2/18</a:t>
             </a:fld>
             <a:endParaRPr lang="en-US"/>
           </a:p>
@@ -3485,7 +3577,7 @@
           <a:p>
             <a:fld id="{53326AB7-C146-8643-AC32-1D896C71A7F3}" type="datetimeFigureOut">
               <a:rPr lang="en-US" smtClean="0"/>
-              <a:t>7/16/18</a:t>
+              <a:t>11/2/18</a:t>
             </a:fld>
             <a:endParaRPr lang="en-US"/>
           </a:p>
@@ -3888,6 +3980,14 @@
 <file path=ppt/slides/slide1.xml><?xml version="1.0" encoding="utf-8"?>
 <p:sld xmlns:a="http://schemas.openxmlformats.org/drawingml/2006/main" xmlns:r="http://schemas.openxmlformats.org/officeDocument/2006/relationships" xmlns:p="http://schemas.openxmlformats.org/presentationml/2006/main">
   <p:cSld>
+    <p:bg>
+      <p:bgPr>
+        <a:solidFill>
+          <a:schemeClr val="bg1"/>
+        </a:solidFill>
+        <a:effectLst/>
+      </p:bgPr>
+    </p:bg>
     <p:spTree>
       <p:nvGrpSpPr>
         <p:cNvPr id="1" name=""/>
@@ -3902,6 +4002,101 @@
           <a:chExt cx="0" cy="0"/>
         </a:xfrm>
       </p:grpSpPr>
+      <p:pic>
+        <p:nvPicPr>
+          <p:cNvPr id="5" name="Picture 4">
+            <a:extLst>
+              <a:ext uri="{FF2B5EF4-FFF2-40B4-BE49-F238E27FC236}">
+                <a16:creationId xmlns:a16="http://schemas.microsoft.com/office/drawing/2014/main" id="{A11EA722-546D-7244-9730-E8CD2B1B1D4E}"/>
+              </a:ext>
+            </a:extLst>
+          </p:cNvPr>
+          <p:cNvPicPr>
+            <a:picLocks noChangeAspect="1"/>
+          </p:cNvPicPr>
+          <p:nvPr/>
+        </p:nvPicPr>
+        <p:blipFill rotWithShape="1">
+          <a:blip r:embed="rId3"/>
+          <a:srcRect r="3747"/>
+          <a:stretch/>
+        </p:blipFill>
+        <p:spPr>
+          <a:xfrm>
+            <a:off x="20" y="10"/>
+            <a:ext cx="4637226" cy="6857990"/>
+          </a:xfrm>
+          <a:prstGeom prst="rect">
+            <a:avLst/>
+          </a:prstGeom>
+        </p:spPr>
+      </p:pic>
+      <p:sp>
+        <p:nvSpPr>
+          <p:cNvPr id="10" name="Rectangle 9">
+            <a:extLst>
+              <a:ext uri="{FF2B5EF4-FFF2-40B4-BE49-F238E27FC236}">
+                <a16:creationId xmlns:a16="http://schemas.microsoft.com/office/drawing/2014/main" id="{B9951BD9-0868-4CDB-ACD6-9C4209B5E412}"/>
+              </a:ext>
+              <a:ext uri="{C183D7F6-B498-43B3-948B-1728B52AA6E4}">
+                <adec:decorative xmlns:adec="http://schemas.microsoft.com/office/drawing/2017/decorative" val="1"/>
+              </a:ext>
+            </a:extLst>
+          </p:cNvPr>
+          <p:cNvSpPr>
+            <a:spLocks noGrp="1" noRot="1" noChangeAspect="1" noMove="1" noResize="1" noEditPoints="1" noAdjustHandles="1" noChangeArrowheads="1" noChangeShapeType="1" noTextEdit="1"/>
+          </p:cNvSpPr>
+          <p:nvPr>
+            <p:extLst>
+              <p:ext uri="{386F3935-93C4-4BCD-93E2-E3B085C9AB24}">
+                <p16:designElem xmlns:p16="http://schemas.microsoft.com/office/powerpoint/2015/main" val="1"/>
+              </p:ext>
+            </p:extLst>
+          </p:nvPr>
+        </p:nvSpPr>
+        <p:spPr bwMode="white">
+          <a:xfrm>
+            <a:off x="4637247" y="0"/>
+            <a:ext cx="7554754" cy="6858000"/>
+          </a:xfrm>
+          <a:prstGeom prst="rect">
+            <a:avLst/>
+          </a:prstGeom>
+          <a:solidFill>
+            <a:schemeClr val="tx1">
+              <a:lumMod val="85000"/>
+              <a:lumOff val="15000"/>
+            </a:schemeClr>
+          </a:solidFill>
+          <a:ln>
+            <a:noFill/>
+          </a:ln>
+        </p:spPr>
+        <p:style>
+          <a:lnRef idx="2">
+            <a:schemeClr val="accent1">
+              <a:shade val="50000"/>
+            </a:schemeClr>
+          </a:lnRef>
+          <a:fillRef idx="1">
+            <a:schemeClr val="accent1"/>
+          </a:fillRef>
+          <a:effectRef idx="0">
+            <a:schemeClr val="accent1"/>
+          </a:effectRef>
+          <a:fontRef idx="minor">
+            <a:schemeClr val="lt1"/>
+          </a:fontRef>
+        </p:style>
+        <p:txBody>
+          <a:bodyPr rtlCol="0" anchor="ctr"/>
+          <a:lstStyle/>
+          <a:p>
+            <a:pPr algn="ctr"/>
+            <a:endParaRPr lang="en-US"/>
+          </a:p>
+        </p:txBody>
+      </p:sp>
       <p:sp>
         <p:nvSpPr>
           <p:cNvPr id="2" name="Title 1">
@@ -3918,13 +4113,25 @@
             <p:ph type="ctrTitle"/>
           </p:nvPr>
         </p:nvSpPr>
-        <p:spPr/>
-        <p:txBody>
-          <a:bodyPr/>
-          <a:lstStyle/>
-          <a:p>
-            <a:r>
-              <a:rPr lang="en-US" dirty="0"/>
+        <p:spPr>
+          <a:xfrm>
+            <a:off x="5277328" y="640082"/>
+            <a:ext cx="6274591" cy="3351602"/>
+          </a:xfrm>
+        </p:spPr>
+        <p:txBody>
+          <a:bodyPr>
+            <a:normAutofit/>
+          </a:bodyPr>
+          <a:lstStyle/>
+          <a:p>
+            <a:pPr algn="l"/>
+            <a:r>
+              <a:rPr lang="en-US">
+                <a:solidFill>
+                  <a:schemeClr val="bg1"/>
+                </a:solidFill>
+              </a:rPr>
               <a:t>Chapter 2</a:t>
             </a:r>
           </a:p>
@@ -3946,13 +4153,25 @@
             <p:ph type="subTitle" idx="1"/>
           </p:nvPr>
         </p:nvSpPr>
-        <p:spPr/>
-        <p:txBody>
-          <a:bodyPr/>
-          <a:lstStyle/>
-          <a:p>
-            <a:r>
-              <a:rPr lang="en-US" dirty="0"/>
+        <p:spPr>
+          <a:xfrm>
+            <a:off x="5277327" y="4156276"/>
+            <a:ext cx="6274592" cy="2061645"/>
+          </a:xfrm>
+        </p:spPr>
+        <p:txBody>
+          <a:bodyPr>
+            <a:normAutofit/>
+          </a:bodyPr>
+          <a:lstStyle/>
+          <a:p>
+            <a:pPr algn="l"/>
+            <a:r>
+              <a:rPr lang="en-US">
+                <a:solidFill>
+                  <a:schemeClr val="bg1"/>
+                </a:solidFill>
+              </a:rPr>
               <a:t>Introduction to Agent-Based Modelling</a:t>
             </a:r>
           </a:p>
@@ -3993,7 +4212,7 @@
           <p:cNvPr id="2" name="Title 1">
             <a:extLst>
               <a:ext uri="{FF2B5EF4-FFF2-40B4-BE49-F238E27FC236}">
-                <a16:creationId xmlns:a16="http://schemas.microsoft.com/office/drawing/2014/main" id="{4C4385FC-8FED-6248-9A09-80F40DB27791}"/>
+                <a16:creationId xmlns:a16="http://schemas.microsoft.com/office/drawing/2014/main" id="{7BF78CB2-617B-8E4F-BEFD-AB6E6284B9C9}"/>
               </a:ext>
             </a:extLst>
           </p:cNvPr>
@@ -4011,40 +4230,80 @@
           <a:p>
             <a:r>
               <a:rPr lang="en-US" dirty="0"/>
-              <a:t>Limitations of Agent-based Modelling</a:t>
-            </a:r>
-          </a:p>
-        </p:txBody>
-      </p:sp>
-      <p:sp>
-        <p:nvSpPr>
-          <p:cNvPr id="3" name="Content Placeholder 2">
-            <a:extLst>
-              <a:ext uri="{FF2B5EF4-FFF2-40B4-BE49-F238E27FC236}">
-                <a16:creationId xmlns:a16="http://schemas.microsoft.com/office/drawing/2014/main" id="{23422465-9230-3944-9030-E2FDCB7C98B5}"/>
-              </a:ext>
-            </a:extLst>
-          </p:cNvPr>
-          <p:cNvSpPr>
-            <a:spLocks noGrp="1"/>
-          </p:cNvSpPr>
+              <a:t>Agents and their “World”</a:t>
+            </a:r>
+          </a:p>
+        </p:txBody>
+      </p:sp>
+      <p:pic>
+        <p:nvPicPr>
+          <p:cNvPr id="6" name="Content Placeholder 5">
+            <a:extLst>
+              <a:ext uri="{FF2B5EF4-FFF2-40B4-BE49-F238E27FC236}">
+                <a16:creationId xmlns:a16="http://schemas.microsoft.com/office/drawing/2014/main" id="{0069544A-2D06-4841-A23F-FD7482F060CC}"/>
+              </a:ext>
+            </a:extLst>
+          </p:cNvPr>
+          <p:cNvPicPr>
+            <a:picLocks noGrp="1" noChangeAspect="1"/>
+          </p:cNvPicPr>
           <p:nvPr>
             <p:ph idx="1"/>
           </p:nvPr>
-        </p:nvSpPr>
-        <p:spPr/>
-        <p:txBody>
-          <a:bodyPr/>
-          <a:lstStyle/>
-          <a:p>
-            <a:endParaRPr lang="en-US"/>
+        </p:nvPicPr>
+        <p:blipFill>
+          <a:blip r:embed="rId2"/>
+          <a:stretch>
+            <a:fillRect/>
+          </a:stretch>
+        </p:blipFill>
+        <p:spPr>
+          <a:xfrm>
+            <a:off x="1870635" y="1690688"/>
+            <a:ext cx="8450730" cy="4260056"/>
+          </a:xfrm>
+        </p:spPr>
+      </p:pic>
+      <p:sp>
+        <p:nvSpPr>
+          <p:cNvPr id="4" name="TextBox 3">
+            <a:extLst>
+              <a:ext uri="{FF2B5EF4-FFF2-40B4-BE49-F238E27FC236}">
+                <a16:creationId xmlns:a16="http://schemas.microsoft.com/office/drawing/2014/main" id="{CB104B41-3DAF-1846-8F55-92483110AACF}"/>
+              </a:ext>
+            </a:extLst>
+          </p:cNvPr>
+          <p:cNvSpPr txBox="1"/>
+          <p:nvPr/>
+        </p:nvSpPr>
+        <p:spPr>
+          <a:xfrm>
+            <a:off x="355601" y="6176963"/>
+            <a:ext cx="11700932" cy="646331"/>
+          </a:xfrm>
+          <a:prstGeom prst="rect">
+            <a:avLst/>
+          </a:prstGeom>
+          <a:noFill/>
+        </p:spPr>
+        <p:txBody>
+          <a:bodyPr wrap="square" rtlCol="0">
+            <a:spAutoFit/>
+          </a:bodyPr>
+          <a:lstStyle/>
+          <a:p>
+            <a:pPr algn="ctr"/>
+            <a:r>
+              <a:rPr lang="en-US" dirty="0"/>
+              <a:t>Figure 2.3: Conceptualization of an agent-based model where people are connected to each other and take actions when a specific condition is met.</a:t>
+            </a:r>
           </a:p>
         </p:txBody>
       </p:sp>
     </p:spTree>
     <p:extLst>
       <p:ext uri="{BB962C8B-B14F-4D97-AF65-F5344CB8AC3E}">
-        <p14:creationId xmlns:p14="http://schemas.microsoft.com/office/powerpoint/2010/main" val="1790407625"/>
+        <p14:creationId xmlns:p14="http://schemas.microsoft.com/office/powerpoint/2010/main" val="2423466223"/>
       </p:ext>
     </p:extLst>
   </p:cSld>
@@ -4076,7 +4335,7 @@
           <p:cNvPr id="2" name="Title 1">
             <a:extLst>
               <a:ext uri="{FF2B5EF4-FFF2-40B4-BE49-F238E27FC236}">
-                <a16:creationId xmlns:a16="http://schemas.microsoft.com/office/drawing/2014/main" id="{83A89292-F0EA-674B-934D-8B91BDDADA13}"/>
+                <a16:creationId xmlns:a16="http://schemas.microsoft.com/office/drawing/2014/main" id="{F488CAE3-81DE-9843-8063-05AB1A135B50}"/>
               </a:ext>
             </a:extLst>
           </p:cNvPr>
@@ -4094,7 +4353,7 @@
           <a:p>
             <a:r>
               <a:rPr lang="en-US" dirty="0"/>
-              <a:t>A Gallery of Applications</a:t>
+              <a:t>Advantages of Agent-based Modelling</a:t>
             </a:r>
           </a:p>
         </p:txBody>
@@ -4104,7 +4363,7 @@
           <p:cNvPr id="3" name="Content Placeholder 2">
             <a:extLst>
               <a:ext uri="{FF2B5EF4-FFF2-40B4-BE49-F238E27FC236}">
-                <a16:creationId xmlns:a16="http://schemas.microsoft.com/office/drawing/2014/main" id="{141C2CA6-B509-814D-BFBB-1256AE7B9B77}"/>
+                <a16:creationId xmlns:a16="http://schemas.microsoft.com/office/drawing/2014/main" id="{021256C8-FD65-BE43-81AF-715A24F3D0D3}"/>
               </a:ext>
             </a:extLst>
           </p:cNvPr>
@@ -4127,7 +4386,7 @@
     </p:spTree>
     <p:extLst>
       <p:ext uri="{BB962C8B-B14F-4D97-AF65-F5344CB8AC3E}">
-        <p14:creationId xmlns:p14="http://schemas.microsoft.com/office/powerpoint/2010/main" val="476771834"/>
+        <p14:creationId xmlns:p14="http://schemas.microsoft.com/office/powerpoint/2010/main" val="3167949714"/>
       </p:ext>
     </p:extLst>
   </p:cSld>
@@ -4159,7 +4418,7 @@
           <p:cNvPr id="2" name="Title 1">
             <a:extLst>
               <a:ext uri="{FF2B5EF4-FFF2-40B4-BE49-F238E27FC236}">
-                <a16:creationId xmlns:a16="http://schemas.microsoft.com/office/drawing/2014/main" id="{99C55108-75F7-1744-B46A-EF10435DFC01}"/>
+                <a16:creationId xmlns:a16="http://schemas.microsoft.com/office/drawing/2014/main" id="{4C4385FC-8FED-6248-9A09-80F40DB27791}"/>
               </a:ext>
             </a:extLst>
           </p:cNvPr>
@@ -4177,79 +4436,40 @@
           <a:p>
             <a:r>
               <a:rPr lang="en-US" dirty="0"/>
-              <a:t>The Growth of Agent-based Modelling</a:t>
-            </a:r>
-          </a:p>
-        </p:txBody>
-      </p:sp>
-      <p:pic>
-        <p:nvPicPr>
-          <p:cNvPr id="6" name="Content Placeholder 5">
-            <a:extLst>
-              <a:ext uri="{FF2B5EF4-FFF2-40B4-BE49-F238E27FC236}">
-                <a16:creationId xmlns:a16="http://schemas.microsoft.com/office/drawing/2014/main" id="{43153F97-63FF-D645-A888-087547DA6CCC}"/>
-              </a:ext>
-            </a:extLst>
-          </p:cNvPr>
-          <p:cNvPicPr>
-            <a:picLocks noGrp="1" noChangeAspect="1"/>
-          </p:cNvPicPr>
+              <a:t>Limitations of Agent-based Modelling</a:t>
+            </a:r>
+          </a:p>
+        </p:txBody>
+      </p:sp>
+      <p:sp>
+        <p:nvSpPr>
+          <p:cNvPr id="3" name="Content Placeholder 2">
+            <a:extLst>
+              <a:ext uri="{FF2B5EF4-FFF2-40B4-BE49-F238E27FC236}">
+                <a16:creationId xmlns:a16="http://schemas.microsoft.com/office/drawing/2014/main" id="{23422465-9230-3944-9030-E2FDCB7C98B5}"/>
+              </a:ext>
+            </a:extLst>
+          </p:cNvPr>
+          <p:cNvSpPr>
+            <a:spLocks noGrp="1"/>
+          </p:cNvSpPr>
           <p:nvPr>
             <p:ph idx="1"/>
           </p:nvPr>
-        </p:nvPicPr>
-        <p:blipFill>
-          <a:blip r:embed="rId2"/>
-          <a:stretch>
-            <a:fillRect/>
-          </a:stretch>
-        </p:blipFill>
-        <p:spPr>
-          <a:xfrm>
-            <a:off x="2559296" y="1825625"/>
-            <a:ext cx="7073407" cy="4351338"/>
-          </a:xfrm>
-        </p:spPr>
-      </p:pic>
-      <p:sp>
-        <p:nvSpPr>
-          <p:cNvPr id="4" name="TextBox 3">
-            <a:extLst>
-              <a:ext uri="{FF2B5EF4-FFF2-40B4-BE49-F238E27FC236}">
-                <a16:creationId xmlns:a16="http://schemas.microsoft.com/office/drawing/2014/main" id="{992EB7C0-3A32-1748-965F-A1D60B74163E}"/>
-              </a:ext>
-            </a:extLst>
-          </p:cNvPr>
-          <p:cNvSpPr txBox="1"/>
-          <p:nvPr/>
-        </p:nvSpPr>
-        <p:spPr>
-          <a:xfrm>
-            <a:off x="960235" y="6311900"/>
-            <a:ext cx="10271530" cy="369332"/>
-          </a:xfrm>
-          <a:prstGeom prst="rect">
-            <a:avLst/>
-          </a:prstGeom>
-          <a:noFill/>
-        </p:spPr>
-        <p:txBody>
-          <a:bodyPr wrap="none" rtlCol="0">
-            <a:spAutoFit/>
-          </a:bodyPr>
-          <a:lstStyle/>
-          <a:p>
-            <a:r>
-              <a:rPr lang="en-US" dirty="0"/>
-              <a:t>Figure 2.4: The growth in agent-based modelling: from search results of Web of Science and Google Scholar.</a:t>
-            </a:r>
+        </p:nvSpPr>
+        <p:spPr/>
+        <p:txBody>
+          <a:bodyPr/>
+          <a:lstStyle/>
+          <a:p>
+            <a:endParaRPr lang="en-US"/>
           </a:p>
         </p:txBody>
       </p:sp>
     </p:spTree>
     <p:extLst>
       <p:ext uri="{BB962C8B-B14F-4D97-AF65-F5344CB8AC3E}">
-        <p14:creationId xmlns:p14="http://schemas.microsoft.com/office/powerpoint/2010/main" val="67791325"/>
+        <p14:creationId xmlns:p14="http://schemas.microsoft.com/office/powerpoint/2010/main" val="1790407625"/>
       </p:ext>
     </p:extLst>
   </p:cSld>
@@ -4281,7 +4501,7 @@
           <p:cNvPr id="2" name="Title 1">
             <a:extLst>
               <a:ext uri="{FF2B5EF4-FFF2-40B4-BE49-F238E27FC236}">
-                <a16:creationId xmlns:a16="http://schemas.microsoft.com/office/drawing/2014/main" id="{26AB9287-6BC2-7A4F-AD9B-FCBA3496766D}"/>
+                <a16:creationId xmlns:a16="http://schemas.microsoft.com/office/drawing/2014/main" id="{83A89292-F0EA-674B-934D-8B91BDDADA13}"/>
               </a:ext>
             </a:extLst>
           </p:cNvPr>
@@ -4299,7 +4519,7 @@
           <a:p>
             <a:r>
               <a:rPr lang="en-US" dirty="0"/>
-              <a:t>Segregation</a:t>
+              <a:t>A Gallery of Applications</a:t>
             </a:r>
           </a:p>
         </p:txBody>
@@ -4309,7 +4529,7 @@
           <p:cNvPr id="3" name="Content Placeholder 2">
             <a:extLst>
               <a:ext uri="{FF2B5EF4-FFF2-40B4-BE49-F238E27FC236}">
-                <a16:creationId xmlns:a16="http://schemas.microsoft.com/office/drawing/2014/main" id="{2F1CB522-6FD0-2B4E-AD9F-06A716E10580}"/>
+                <a16:creationId xmlns:a16="http://schemas.microsoft.com/office/drawing/2014/main" id="{141C2CA6-B509-814D-BFBB-1256AE7B9B77}"/>
               </a:ext>
             </a:extLst>
           </p:cNvPr>
@@ -4332,7 +4552,7 @@
     </p:spTree>
     <p:extLst>
       <p:ext uri="{BB962C8B-B14F-4D97-AF65-F5344CB8AC3E}">
-        <p14:creationId xmlns:p14="http://schemas.microsoft.com/office/powerpoint/2010/main" val="798806760"/>
+        <p14:creationId xmlns:p14="http://schemas.microsoft.com/office/powerpoint/2010/main" val="476771834"/>
       </p:ext>
     </p:extLst>
   </p:cSld>
@@ -4364,7 +4584,7 @@
           <p:cNvPr id="2" name="Title 1">
             <a:extLst>
               <a:ext uri="{FF2B5EF4-FFF2-40B4-BE49-F238E27FC236}">
-                <a16:creationId xmlns:a16="http://schemas.microsoft.com/office/drawing/2014/main" id="{A889F0DF-8D35-304A-9CE6-CB53CF96CED0}"/>
+                <a16:creationId xmlns:a16="http://schemas.microsoft.com/office/drawing/2014/main" id="{99C55108-75F7-1744-B46A-EF10435DFC01}"/>
               </a:ext>
             </a:extLst>
           </p:cNvPr>
@@ -4382,7 +4602,7 @@
           <a:p>
             <a:r>
               <a:rPr lang="en-US" dirty="0"/>
-              <a:t>Progression of Segregation over Time</a:t>
+              <a:t>The Growth of Agent-based Modelling</a:t>
             </a:r>
           </a:p>
         </p:txBody>
@@ -4392,7 +4612,7 @@
           <p:cNvPr id="6" name="Content Placeholder 5">
             <a:extLst>
               <a:ext uri="{FF2B5EF4-FFF2-40B4-BE49-F238E27FC236}">
-                <a16:creationId xmlns:a16="http://schemas.microsoft.com/office/drawing/2014/main" id="{F11EBDB9-1036-1B4B-AC92-A2672CF68D29}"/>
+                <a16:creationId xmlns:a16="http://schemas.microsoft.com/office/drawing/2014/main" id="{43153F97-63FF-D645-A888-087547DA6CCC}"/>
               </a:ext>
             </a:extLst>
           </p:cNvPr>
@@ -4411,8 +4631,8 @@
         </p:blipFill>
         <p:spPr>
           <a:xfrm>
-            <a:off x="3278984" y="1825625"/>
-            <a:ext cx="5634031" cy="4351338"/>
+            <a:off x="2559296" y="1825625"/>
+            <a:ext cx="7073407" cy="4351338"/>
           </a:xfrm>
         </p:spPr>
       </p:pic>
@@ -4421,7 +4641,7 @@
           <p:cNvPr id="4" name="TextBox 3">
             <a:extLst>
               <a:ext uri="{FF2B5EF4-FFF2-40B4-BE49-F238E27FC236}">
-                <a16:creationId xmlns:a16="http://schemas.microsoft.com/office/drawing/2014/main" id="{39662ABE-3B2F-0A48-8134-90FBA32CC383}"/>
+                <a16:creationId xmlns:a16="http://schemas.microsoft.com/office/drawing/2014/main" id="{992EB7C0-3A32-1748-965F-A1D60B74163E}"/>
               </a:ext>
             </a:extLst>
           </p:cNvPr>
@@ -4430,8 +4650,8 @@
         </p:nvSpPr>
         <p:spPr>
           <a:xfrm>
-            <a:off x="208074" y="6311900"/>
-            <a:ext cx="11775852" cy="369332"/>
+            <a:off x="960235" y="6311900"/>
+            <a:ext cx="10271530" cy="369332"/>
           </a:xfrm>
           <a:prstGeom prst="rect">
             <a:avLst/>
@@ -4446,7 +4666,7 @@
           <a:p>
             <a:r>
               <a:rPr lang="en-US" dirty="0"/>
-              <a:t>Figure 2.5: Progression of segregation over time: Agents what to live in a neighborhood where 40% are of the same color.</a:t>
+              <a:t>Figure 2.4: The growth in agent-based modelling: from search results of Web of Science and Google Scholar.</a:t>
             </a:r>
           </a:p>
         </p:txBody>
@@ -4454,7 +4674,7 @@
     </p:spTree>
     <p:extLst>
       <p:ext uri="{BB962C8B-B14F-4D97-AF65-F5344CB8AC3E}">
-        <p14:creationId xmlns:p14="http://schemas.microsoft.com/office/powerpoint/2010/main" val="837646568"/>
+        <p14:creationId xmlns:p14="http://schemas.microsoft.com/office/powerpoint/2010/main" val="67791325"/>
       </p:ext>
     </p:extLst>
   </p:cSld>
@@ -4486,7 +4706,7 @@
           <p:cNvPr id="2" name="Title 1">
             <a:extLst>
               <a:ext uri="{FF2B5EF4-FFF2-40B4-BE49-F238E27FC236}">
-                <a16:creationId xmlns:a16="http://schemas.microsoft.com/office/drawing/2014/main" id="{63BA2DF3-3B63-884A-BB2F-CA778CA029B4}"/>
+                <a16:creationId xmlns:a16="http://schemas.microsoft.com/office/drawing/2014/main" id="{26AB9287-6BC2-7A4F-AD9B-FCBA3496766D}"/>
               </a:ext>
             </a:extLst>
           </p:cNvPr>
@@ -4504,80 +4724,40 @@
           <a:p>
             <a:r>
               <a:rPr lang="en-US" dirty="0"/>
-              <a:t>Changing Agents Preferences</a:t>
-            </a:r>
-          </a:p>
-        </p:txBody>
-      </p:sp>
-      <p:pic>
-        <p:nvPicPr>
-          <p:cNvPr id="6" name="Content Placeholder 5">
-            <a:extLst>
-              <a:ext uri="{FF2B5EF4-FFF2-40B4-BE49-F238E27FC236}">
-                <a16:creationId xmlns:a16="http://schemas.microsoft.com/office/drawing/2014/main" id="{47507FBA-C11C-5443-81F7-0914F5F6768C}"/>
-              </a:ext>
-            </a:extLst>
-          </p:cNvPr>
-          <p:cNvPicPr>
-            <a:picLocks noGrp="1" noChangeAspect="1"/>
-          </p:cNvPicPr>
+              <a:t>Segregation</a:t>
+            </a:r>
+          </a:p>
+        </p:txBody>
+      </p:sp>
+      <p:sp>
+        <p:nvSpPr>
+          <p:cNvPr id="3" name="Content Placeholder 2">
+            <a:extLst>
+              <a:ext uri="{FF2B5EF4-FFF2-40B4-BE49-F238E27FC236}">
+                <a16:creationId xmlns:a16="http://schemas.microsoft.com/office/drawing/2014/main" id="{2F1CB522-6FD0-2B4E-AD9F-06A716E10580}"/>
+              </a:ext>
+            </a:extLst>
+          </p:cNvPr>
+          <p:cNvSpPr>
+            <a:spLocks noGrp="1"/>
+          </p:cNvSpPr>
           <p:nvPr>
             <p:ph idx="1"/>
           </p:nvPr>
-        </p:nvPicPr>
-        <p:blipFill>
-          <a:blip r:embed="rId2"/>
-          <a:stretch>
-            <a:fillRect/>
-          </a:stretch>
-        </p:blipFill>
-        <p:spPr>
-          <a:xfrm>
-            <a:off x="3409715" y="1825625"/>
-            <a:ext cx="5372570" cy="4351338"/>
-          </a:xfrm>
-        </p:spPr>
-      </p:pic>
-      <p:sp>
-        <p:nvSpPr>
-          <p:cNvPr id="4" name="TextBox 3">
-            <a:extLst>
-              <a:ext uri="{FF2B5EF4-FFF2-40B4-BE49-F238E27FC236}">
-                <a16:creationId xmlns:a16="http://schemas.microsoft.com/office/drawing/2014/main" id="{92ABF02A-14CF-3848-89C0-F901A481D168}"/>
-              </a:ext>
-            </a:extLst>
-          </p:cNvPr>
-          <p:cNvSpPr txBox="1"/>
-          <p:nvPr/>
-        </p:nvSpPr>
-        <p:spPr>
-          <a:xfrm>
-            <a:off x="1106907" y="6211669"/>
-            <a:ext cx="8903368" cy="646331"/>
-          </a:xfrm>
-          <a:prstGeom prst="rect">
-            <a:avLst/>
-          </a:prstGeom>
-          <a:noFill/>
-        </p:spPr>
-        <p:txBody>
-          <a:bodyPr wrap="square" rtlCol="0">
-            <a:spAutoFit/>
-          </a:bodyPr>
-          <a:lstStyle/>
-          <a:p>
-            <a:pPr algn="ctr"/>
-            <a:r>
-              <a:rPr lang="en-US" dirty="0"/>
-              <a:t>Figure 2.6: Examples of how changing agents neighborhood preference levels leads to different patterns of segregation emerging.</a:t>
-            </a:r>
+        </p:nvSpPr>
+        <p:spPr/>
+        <p:txBody>
+          <a:bodyPr/>
+          <a:lstStyle/>
+          <a:p>
+            <a:endParaRPr lang="en-US"/>
           </a:p>
         </p:txBody>
       </p:sp>
     </p:spTree>
     <p:extLst>
       <p:ext uri="{BB962C8B-B14F-4D97-AF65-F5344CB8AC3E}">
-        <p14:creationId xmlns:p14="http://schemas.microsoft.com/office/powerpoint/2010/main" val="1356889704"/>
+        <p14:creationId xmlns:p14="http://schemas.microsoft.com/office/powerpoint/2010/main" val="798806760"/>
       </p:ext>
     </p:extLst>
   </p:cSld>
@@ -4609,7 +4789,7 @@
           <p:cNvPr id="2" name="Title 1">
             <a:extLst>
               <a:ext uri="{FF2B5EF4-FFF2-40B4-BE49-F238E27FC236}">
-                <a16:creationId xmlns:a16="http://schemas.microsoft.com/office/drawing/2014/main" id="{0CD820FF-0FDD-D64C-8777-0A78CE427451}"/>
+                <a16:creationId xmlns:a16="http://schemas.microsoft.com/office/drawing/2014/main" id="{A889F0DF-8D35-304A-9CE6-CB53CF96CED0}"/>
               </a:ext>
             </a:extLst>
           </p:cNvPr>
@@ -4627,35 +4807,71 @@
           <a:p>
             <a:r>
               <a:rPr lang="en-US" dirty="0"/>
-              <a:t>From Abstract to Real World Applications</a:t>
-            </a:r>
-          </a:p>
-        </p:txBody>
-      </p:sp>
-      <p:sp>
-        <p:nvSpPr>
-          <p:cNvPr id="3" name="Content Placeholder 2">
-            <a:extLst>
-              <a:ext uri="{FF2B5EF4-FFF2-40B4-BE49-F238E27FC236}">
-                <a16:creationId xmlns:a16="http://schemas.microsoft.com/office/drawing/2014/main" id="{80524749-BB6D-EA44-B7B1-C3E0553C5575}"/>
-              </a:ext>
-            </a:extLst>
-          </p:cNvPr>
-          <p:cNvSpPr>
-            <a:spLocks noGrp="1"/>
-          </p:cNvSpPr>
+              <a:t>Progression of Segregation over Time</a:t>
+            </a:r>
+          </a:p>
+        </p:txBody>
+      </p:sp>
+      <p:pic>
+        <p:nvPicPr>
+          <p:cNvPr id="6" name="Content Placeholder 5">
+            <a:extLst>
+              <a:ext uri="{FF2B5EF4-FFF2-40B4-BE49-F238E27FC236}">
+                <a16:creationId xmlns:a16="http://schemas.microsoft.com/office/drawing/2014/main" id="{F11EBDB9-1036-1B4B-AC92-A2672CF68D29}"/>
+              </a:ext>
+            </a:extLst>
+          </p:cNvPr>
+          <p:cNvPicPr>
+            <a:picLocks noGrp="1" noChangeAspect="1"/>
+          </p:cNvPicPr>
           <p:nvPr>
             <p:ph idx="1"/>
           </p:nvPr>
-        </p:nvSpPr>
-        <p:spPr/>
-        <p:txBody>
-          <a:bodyPr/>
+        </p:nvPicPr>
+        <p:blipFill>
+          <a:blip r:embed="rId2"/>
+          <a:stretch>
+            <a:fillRect/>
+          </a:stretch>
+        </p:blipFill>
+        <p:spPr>
+          <a:xfrm>
+            <a:off x="3278984" y="1825625"/>
+            <a:ext cx="5634031" cy="4351338"/>
+          </a:xfrm>
+        </p:spPr>
+      </p:pic>
+      <p:sp>
+        <p:nvSpPr>
+          <p:cNvPr id="4" name="TextBox 3">
+            <a:extLst>
+              <a:ext uri="{FF2B5EF4-FFF2-40B4-BE49-F238E27FC236}">
+                <a16:creationId xmlns:a16="http://schemas.microsoft.com/office/drawing/2014/main" id="{39662ABE-3B2F-0A48-8134-90FBA32CC383}"/>
+              </a:ext>
+            </a:extLst>
+          </p:cNvPr>
+          <p:cNvSpPr txBox="1"/>
+          <p:nvPr/>
+        </p:nvSpPr>
+        <p:spPr>
+          <a:xfrm>
+            <a:off x="208074" y="6311900"/>
+            <a:ext cx="11775852" cy="369332"/>
+          </a:xfrm>
+          <a:prstGeom prst="rect">
+            <a:avLst/>
+          </a:prstGeom>
+          <a:noFill/>
+        </p:spPr>
+        <p:txBody>
+          <a:bodyPr wrap="none" rtlCol="0">
+            <a:spAutoFit/>
+          </a:bodyPr>
           <a:lstStyle/>
           <a:p>
             <a:r>
               <a:rPr lang="en-US" dirty="0"/>
-              <a:t>Add details about Benenson et al., 2002</a:t>
+              <a:t>Figure 2.5: Progression of segregation over time: Agents what to live in a neighborhood where 40% are of the same color.</a:t>
             </a:r>
           </a:p>
         </p:txBody>
@@ -4663,7 +4879,7 @@
     </p:spTree>
     <p:extLst>
       <p:ext uri="{BB962C8B-B14F-4D97-AF65-F5344CB8AC3E}">
-        <p14:creationId xmlns:p14="http://schemas.microsoft.com/office/powerpoint/2010/main" val="609281238"/>
+        <p14:creationId xmlns:p14="http://schemas.microsoft.com/office/powerpoint/2010/main" val="837646568"/>
       </p:ext>
     </p:extLst>
   </p:cSld>
@@ -4695,7 +4911,7 @@
           <p:cNvPr id="2" name="Title 1">
             <a:extLst>
               <a:ext uri="{FF2B5EF4-FFF2-40B4-BE49-F238E27FC236}">
-                <a16:creationId xmlns:a16="http://schemas.microsoft.com/office/drawing/2014/main" id="{31A55A65-77EE-314A-988D-BD27EE46259C}"/>
+                <a16:creationId xmlns:a16="http://schemas.microsoft.com/office/drawing/2014/main" id="{63BA2DF3-3B63-884A-BB2F-CA778CA029B4}"/>
               </a:ext>
             </a:extLst>
           </p:cNvPr>
@@ -4712,42 +4928,81 @@
           <a:lstStyle/>
           <a:p>
             <a:r>
-              <a:rPr lang="en-US" dirty="0" err="1"/>
-              <a:t>SugarScape</a:t>
-            </a:r>
-            <a:endParaRPr lang="en-US" dirty="0"/>
-          </a:p>
-        </p:txBody>
-      </p:sp>
-      <p:sp>
-        <p:nvSpPr>
-          <p:cNvPr id="3" name="Content Placeholder 2">
-            <a:extLst>
-              <a:ext uri="{FF2B5EF4-FFF2-40B4-BE49-F238E27FC236}">
-                <a16:creationId xmlns:a16="http://schemas.microsoft.com/office/drawing/2014/main" id="{67117C4E-5DC8-FE45-A851-254FD018D820}"/>
-              </a:ext>
-            </a:extLst>
-          </p:cNvPr>
-          <p:cNvSpPr>
-            <a:spLocks noGrp="1"/>
-          </p:cNvSpPr>
+              <a:rPr lang="en-US" dirty="0"/>
+              <a:t>Changing Agents Preferences</a:t>
+            </a:r>
+          </a:p>
+        </p:txBody>
+      </p:sp>
+      <p:pic>
+        <p:nvPicPr>
+          <p:cNvPr id="6" name="Content Placeholder 5">
+            <a:extLst>
+              <a:ext uri="{FF2B5EF4-FFF2-40B4-BE49-F238E27FC236}">
+                <a16:creationId xmlns:a16="http://schemas.microsoft.com/office/drawing/2014/main" id="{47507FBA-C11C-5443-81F7-0914F5F6768C}"/>
+              </a:ext>
+            </a:extLst>
+          </p:cNvPr>
+          <p:cNvPicPr>
+            <a:picLocks noGrp="1" noChangeAspect="1"/>
+          </p:cNvPicPr>
           <p:nvPr>
             <p:ph idx="1"/>
           </p:nvPr>
-        </p:nvSpPr>
-        <p:spPr/>
-        <p:txBody>
-          <a:bodyPr/>
-          <a:lstStyle/>
-          <a:p>
-            <a:endParaRPr lang="en-US"/>
+        </p:nvPicPr>
+        <p:blipFill>
+          <a:blip r:embed="rId2"/>
+          <a:stretch>
+            <a:fillRect/>
+          </a:stretch>
+        </p:blipFill>
+        <p:spPr>
+          <a:xfrm>
+            <a:off x="3409715" y="1825625"/>
+            <a:ext cx="5372570" cy="4351338"/>
+          </a:xfrm>
+        </p:spPr>
+      </p:pic>
+      <p:sp>
+        <p:nvSpPr>
+          <p:cNvPr id="4" name="TextBox 3">
+            <a:extLst>
+              <a:ext uri="{FF2B5EF4-FFF2-40B4-BE49-F238E27FC236}">
+                <a16:creationId xmlns:a16="http://schemas.microsoft.com/office/drawing/2014/main" id="{92ABF02A-14CF-3848-89C0-F901A481D168}"/>
+              </a:ext>
+            </a:extLst>
+          </p:cNvPr>
+          <p:cNvSpPr txBox="1"/>
+          <p:nvPr/>
+        </p:nvSpPr>
+        <p:spPr>
+          <a:xfrm>
+            <a:off x="1106907" y="6211669"/>
+            <a:ext cx="8903368" cy="646331"/>
+          </a:xfrm>
+          <a:prstGeom prst="rect">
+            <a:avLst/>
+          </a:prstGeom>
+          <a:noFill/>
+        </p:spPr>
+        <p:txBody>
+          <a:bodyPr wrap="square" rtlCol="0">
+            <a:spAutoFit/>
+          </a:bodyPr>
+          <a:lstStyle/>
+          <a:p>
+            <a:pPr algn="ctr"/>
+            <a:r>
+              <a:rPr lang="en-US" dirty="0"/>
+              <a:t>Figure 2.6: Examples of how changing agents neighborhood preference levels leads to different patterns of segregation emerging.</a:t>
+            </a:r>
           </a:p>
         </p:txBody>
       </p:sp>
     </p:spTree>
     <p:extLst>
       <p:ext uri="{BB962C8B-B14F-4D97-AF65-F5344CB8AC3E}">
-        <p14:creationId xmlns:p14="http://schemas.microsoft.com/office/powerpoint/2010/main" val="4102026555"/>
+        <p14:creationId xmlns:p14="http://schemas.microsoft.com/office/powerpoint/2010/main" val="1356889704"/>
       </p:ext>
     </p:extLst>
   </p:cSld>
@@ -4779,7 +5034,7 @@
           <p:cNvPr id="2" name="Title 1">
             <a:extLst>
               <a:ext uri="{FF2B5EF4-FFF2-40B4-BE49-F238E27FC236}">
-                <a16:creationId xmlns:a16="http://schemas.microsoft.com/office/drawing/2014/main" id="{B8A910FC-E8B9-6048-B71F-459477CD4474}"/>
+                <a16:creationId xmlns:a16="http://schemas.microsoft.com/office/drawing/2014/main" id="{0CD820FF-0FDD-D64C-8777-0A78CE427451}"/>
               </a:ext>
             </a:extLst>
           </p:cNvPr>
@@ -4797,87 +5052,35 @@
           <a:p>
             <a:r>
               <a:rPr lang="en-US" dirty="0"/>
-              <a:t>Graphical User Interface of </a:t>
-            </a:r>
-            <a:r>
-              <a:rPr lang="en-US" dirty="0" err="1"/>
-              <a:t>Sugarscape</a:t>
-            </a:r>
+              <a:t>From Abstract to Real World Applications</a:t>
+            </a:r>
+          </a:p>
+        </p:txBody>
+      </p:sp>
+      <p:sp>
+        <p:nvSpPr>
+          <p:cNvPr id="3" name="Content Placeholder 2">
+            <a:extLst>
+              <a:ext uri="{FF2B5EF4-FFF2-40B4-BE49-F238E27FC236}">
+                <a16:creationId xmlns:a16="http://schemas.microsoft.com/office/drawing/2014/main" id="{80524749-BB6D-EA44-B7B1-C3E0553C5575}"/>
+              </a:ext>
+            </a:extLst>
+          </p:cNvPr>
+          <p:cNvSpPr>
+            <a:spLocks noGrp="1"/>
+          </p:cNvSpPr>
+          <p:nvPr>
+            <p:ph idx="1"/>
+          </p:nvPr>
+        </p:nvSpPr>
+        <p:spPr/>
+        <p:txBody>
+          <a:bodyPr/>
+          <a:lstStyle/>
+          <a:p>
             <a:r>
               <a:rPr lang="en-US" dirty="0"/>
-              <a:t> Model</a:t>
-            </a:r>
-          </a:p>
-        </p:txBody>
-      </p:sp>
-      <p:pic>
-        <p:nvPicPr>
-          <p:cNvPr id="6" name="Content Placeholder 5">
-            <a:extLst>
-              <a:ext uri="{FF2B5EF4-FFF2-40B4-BE49-F238E27FC236}">
-                <a16:creationId xmlns:a16="http://schemas.microsoft.com/office/drawing/2014/main" id="{A94EFD67-B5B4-4A42-A5F6-B8E536A707FB}"/>
-              </a:ext>
-            </a:extLst>
-          </p:cNvPr>
-          <p:cNvPicPr>
-            <a:picLocks noGrp="1" noChangeAspect="1"/>
-          </p:cNvPicPr>
-          <p:nvPr>
-            <p:ph idx="1"/>
-          </p:nvPr>
-        </p:nvPicPr>
-        <p:blipFill>
-          <a:blip r:embed="rId2"/>
-          <a:stretch>
-            <a:fillRect/>
-          </a:stretch>
-        </p:blipFill>
-        <p:spPr>
-          <a:xfrm>
-            <a:off x="4053036" y="1825625"/>
-            <a:ext cx="4085927" cy="4351338"/>
-          </a:xfrm>
-        </p:spPr>
-      </p:pic>
-      <p:sp>
-        <p:nvSpPr>
-          <p:cNvPr id="4" name="TextBox 3">
-            <a:extLst>
-              <a:ext uri="{FF2B5EF4-FFF2-40B4-BE49-F238E27FC236}">
-                <a16:creationId xmlns:a16="http://schemas.microsoft.com/office/drawing/2014/main" id="{CA27FCC5-4E6F-C24A-A712-957366401124}"/>
-              </a:ext>
-            </a:extLst>
-          </p:cNvPr>
-          <p:cNvSpPr txBox="1"/>
-          <p:nvPr/>
-        </p:nvSpPr>
-        <p:spPr>
-          <a:xfrm>
-            <a:off x="2200959" y="6311900"/>
-            <a:ext cx="7790081" cy="369332"/>
-          </a:xfrm>
-          <a:prstGeom prst="rect">
-            <a:avLst/>
-          </a:prstGeom>
-          <a:noFill/>
-        </p:spPr>
-        <p:txBody>
-          <a:bodyPr wrap="none" rtlCol="0">
-            <a:spAutoFit/>
-          </a:bodyPr>
-          <a:lstStyle/>
-          <a:p>
-            <a:r>
-              <a:rPr lang="en-US" dirty="0"/>
-              <a:t>Figure 2.7: </a:t>
-            </a:r>
-            <a:r>
-              <a:rPr lang="en-US" dirty="0" err="1"/>
-              <a:t>Sugarscape</a:t>
-            </a:r>
-            <a:r>
-              <a:rPr lang="en-US" dirty="0"/>
-              <a:t> wealth distribution model (Source: Li and Wilensky, 2009).</a:t>
+              <a:t>Add details about Benenson et al., 2002</a:t>
             </a:r>
           </a:p>
         </p:txBody>
@@ -4885,7 +5088,7 @@
     </p:spTree>
     <p:extLst>
       <p:ext uri="{BB962C8B-B14F-4D97-AF65-F5344CB8AC3E}">
-        <p14:creationId xmlns:p14="http://schemas.microsoft.com/office/powerpoint/2010/main" val="4220676483"/>
+        <p14:creationId xmlns:p14="http://schemas.microsoft.com/office/powerpoint/2010/main" val="609281238"/>
       </p:ext>
     </p:extLst>
   </p:cSld>
@@ -4917,7 +5120,7 @@
           <p:cNvPr id="2" name="Title 1">
             <a:extLst>
               <a:ext uri="{FF2B5EF4-FFF2-40B4-BE49-F238E27FC236}">
-                <a16:creationId xmlns:a16="http://schemas.microsoft.com/office/drawing/2014/main" id="{3A97B3A5-E9D5-A049-B68F-9A111217A8D4}"/>
+                <a16:creationId xmlns:a16="http://schemas.microsoft.com/office/drawing/2014/main" id="{31A55A65-77EE-314A-988D-BD27EE46259C}"/>
               </a:ext>
             </a:extLst>
           </p:cNvPr>
@@ -4934,9 +5137,10 @@
           <a:lstStyle/>
           <a:p>
             <a:r>
-              <a:rPr lang="en-US" dirty="0"/>
-              <a:t>Transportation Modelling</a:t>
-            </a:r>
+              <a:rPr lang="en-US" dirty="0" err="1"/>
+              <a:t>SugarScape</a:t>
+            </a:r>
+            <a:endParaRPr lang="en-US" dirty="0"/>
           </a:p>
         </p:txBody>
       </p:sp>
@@ -4945,7 +5149,7 @@
           <p:cNvPr id="3" name="Content Placeholder 2">
             <a:extLst>
               <a:ext uri="{FF2B5EF4-FFF2-40B4-BE49-F238E27FC236}">
-                <a16:creationId xmlns:a16="http://schemas.microsoft.com/office/drawing/2014/main" id="{8EC80CAB-8526-BC45-AFA4-9FE54313FE0E}"/>
+                <a16:creationId xmlns:a16="http://schemas.microsoft.com/office/drawing/2014/main" id="{67117C4E-5DC8-FE45-A851-254FD018D820}"/>
               </a:ext>
             </a:extLst>
           </p:cNvPr>
@@ -4968,7 +5172,7 @@
     </p:spTree>
     <p:extLst>
       <p:ext uri="{BB962C8B-B14F-4D97-AF65-F5344CB8AC3E}">
-        <p14:creationId xmlns:p14="http://schemas.microsoft.com/office/powerpoint/2010/main" val="165074502"/>
+        <p14:creationId xmlns:p14="http://schemas.microsoft.com/office/powerpoint/2010/main" val="4102026555"/>
       </p:ext>
     </p:extLst>
   </p:cSld>
@@ -5000,7 +5204,7 @@
           <p:cNvPr id="2" name="Title 1">
             <a:extLst>
               <a:ext uri="{FF2B5EF4-FFF2-40B4-BE49-F238E27FC236}">
-                <a16:creationId xmlns:a16="http://schemas.microsoft.com/office/drawing/2014/main" id="{454AA803-87C5-B940-AB0B-C6FE9E767D4D}"/>
+                <a16:creationId xmlns:a16="http://schemas.microsoft.com/office/drawing/2014/main" id="{07A38DDA-2150-1147-B1F2-04571D79B50E}"/>
               </a:ext>
             </a:extLst>
           </p:cNvPr>
@@ -5018,7 +5222,7 @@
           <a:p>
             <a:r>
               <a:rPr lang="en-US" dirty="0"/>
-              <a:t>Introduction</a:t>
+              <a:t>Learning Objectives</a:t>
             </a:r>
           </a:p>
         </p:txBody>
@@ -5028,7 +5232,7 @@
           <p:cNvPr id="3" name="Content Placeholder 2">
             <a:extLst>
               <a:ext uri="{FF2B5EF4-FFF2-40B4-BE49-F238E27FC236}">
-                <a16:creationId xmlns:a16="http://schemas.microsoft.com/office/drawing/2014/main" id="{ACAF3740-25D2-DE49-BB80-30314DDCB10D}"/>
+                <a16:creationId xmlns:a16="http://schemas.microsoft.com/office/drawing/2014/main" id="{ADCCC874-872D-FA48-A5E3-8BFAA487818D}"/>
               </a:ext>
             </a:extLst>
           </p:cNvPr>
@@ -5051,7 +5255,7 @@
     </p:spTree>
     <p:extLst>
       <p:ext uri="{BB962C8B-B14F-4D97-AF65-F5344CB8AC3E}">
-        <p14:creationId xmlns:p14="http://schemas.microsoft.com/office/powerpoint/2010/main" val="2674096104"/>
+        <p14:creationId xmlns:p14="http://schemas.microsoft.com/office/powerpoint/2010/main" val="1117926563"/>
       </p:ext>
     </p:extLst>
   </p:cSld>
@@ -5083,7 +5287,7 @@
           <p:cNvPr id="2" name="Title 1">
             <a:extLst>
               <a:ext uri="{FF2B5EF4-FFF2-40B4-BE49-F238E27FC236}">
-                <a16:creationId xmlns:a16="http://schemas.microsoft.com/office/drawing/2014/main" id="{C7BE50B6-617F-4A4B-9B4B-7C7F5EF79390}"/>
+                <a16:creationId xmlns:a16="http://schemas.microsoft.com/office/drawing/2014/main" id="{B8A910FC-E8B9-6048-B71F-459477CD4474}"/>
               </a:ext>
             </a:extLst>
           </p:cNvPr>
@@ -5101,7 +5305,15 @@
           <a:p>
             <a:r>
               <a:rPr lang="en-US" dirty="0"/>
-              <a:t>Traffic Modelling</a:t>
+              <a:t>Graphical User Interface of </a:t>
+            </a:r>
+            <a:r>
+              <a:rPr lang="en-US" dirty="0" err="1"/>
+              <a:t>Sugarscape</a:t>
+            </a:r>
+            <a:r>
+              <a:rPr lang="en-US" dirty="0"/>
+              <a:t> Model</a:t>
             </a:r>
           </a:p>
         </p:txBody>
@@ -5111,7 +5323,7 @@
           <p:cNvPr id="6" name="Content Placeholder 5">
             <a:extLst>
               <a:ext uri="{FF2B5EF4-FFF2-40B4-BE49-F238E27FC236}">
-                <a16:creationId xmlns:a16="http://schemas.microsoft.com/office/drawing/2014/main" id="{5DD4BBC0-B788-D34A-9F32-F35D1E2181C6}"/>
+                <a16:creationId xmlns:a16="http://schemas.microsoft.com/office/drawing/2014/main" id="{A94EFD67-B5B4-4A42-A5F6-B8E536A707FB}"/>
               </a:ext>
             </a:extLst>
           </p:cNvPr>
@@ -5130,8 +5342,8 @@
         </p:blipFill>
         <p:spPr>
           <a:xfrm>
-            <a:off x="6689558" y="0"/>
-            <a:ext cx="3321031" cy="6525762"/>
+            <a:off x="4053036" y="1825625"/>
+            <a:ext cx="4085927" cy="4351338"/>
           </a:xfrm>
         </p:spPr>
       </p:pic>
@@ -5140,7 +5352,7 @@
           <p:cNvPr id="4" name="TextBox 3">
             <a:extLst>
               <a:ext uri="{FF2B5EF4-FFF2-40B4-BE49-F238E27FC236}">
-                <a16:creationId xmlns:a16="http://schemas.microsoft.com/office/drawing/2014/main" id="{76B1C1C5-757E-0C49-9FF6-85898C6F50E0}"/>
+                <a16:creationId xmlns:a16="http://schemas.microsoft.com/office/drawing/2014/main" id="{CA27FCC5-4E6F-C24A-A712-957366401124}"/>
               </a:ext>
             </a:extLst>
           </p:cNvPr>
@@ -5149,8 +5361,8 @@
         </p:nvSpPr>
         <p:spPr>
           <a:xfrm>
-            <a:off x="423554" y="6176963"/>
-            <a:ext cx="11768446" cy="646331"/>
+            <a:off x="2200959" y="6311900"/>
+            <a:ext cx="7790081" cy="369332"/>
           </a:xfrm>
           <a:prstGeom prst="rect">
             <a:avLst/>
@@ -5158,15 +5370,22 @@
           <a:noFill/>
         </p:spPr>
         <p:txBody>
-          <a:bodyPr wrap="square" rtlCol="0">
+          <a:bodyPr wrap="none" rtlCol="0">
             <a:spAutoFit/>
           </a:bodyPr>
           <a:lstStyle/>
           <a:p>
-            <a:pPr algn="ctr"/>
             <a:r>
               <a:rPr lang="en-US" dirty="0"/>
-              <a:t>Figure 2.8: Simple traffic model where each car is an agent. In A, B and C from top left clockwise, model parameters, a chart of car speeds and the spatial agent-environment (source: Wilensky, 1997).</a:t>
+              <a:t>Figure 2.7: </a:t>
+            </a:r>
+            <a:r>
+              <a:rPr lang="en-US" dirty="0" err="1"/>
+              <a:t>Sugarscape</a:t>
+            </a:r>
+            <a:r>
+              <a:rPr lang="en-US" dirty="0"/>
+              <a:t> wealth distribution model (Source: Li and Wilensky, 2009).</a:t>
             </a:r>
           </a:p>
         </p:txBody>
@@ -5174,7 +5393,7 @@
     </p:spTree>
     <p:extLst>
       <p:ext uri="{BB962C8B-B14F-4D97-AF65-F5344CB8AC3E}">
-        <p14:creationId xmlns:p14="http://schemas.microsoft.com/office/powerpoint/2010/main" val="4010078096"/>
+        <p14:creationId xmlns:p14="http://schemas.microsoft.com/office/powerpoint/2010/main" val="4220676483"/>
       </p:ext>
     </p:extLst>
   </p:cSld>
@@ -5206,7 +5425,7 @@
           <p:cNvPr id="2" name="Title 1">
             <a:extLst>
               <a:ext uri="{FF2B5EF4-FFF2-40B4-BE49-F238E27FC236}">
-                <a16:creationId xmlns:a16="http://schemas.microsoft.com/office/drawing/2014/main" id="{BF2611C3-A59C-0041-B101-06D4E8E8AA9D}"/>
+                <a16:creationId xmlns:a16="http://schemas.microsoft.com/office/drawing/2014/main" id="{3A97B3A5-E9D5-A049-B68F-9A111217A8D4}"/>
               </a:ext>
             </a:extLst>
           </p:cNvPr>
@@ -5224,11 +5443,7 @@
           <a:p>
             <a:r>
               <a:rPr lang="en-US" dirty="0"/>
-              <a:t>Show Real </a:t>
-            </a:r>
-            <a:r>
-              <a:rPr lang="en-US"/>
-              <a:t>World Example.</a:t>
+              <a:t>Transportation Modelling</a:t>
             </a:r>
           </a:p>
         </p:txBody>
@@ -5238,7 +5453,7 @@
           <p:cNvPr id="3" name="Content Placeholder 2">
             <a:extLst>
               <a:ext uri="{FF2B5EF4-FFF2-40B4-BE49-F238E27FC236}">
-                <a16:creationId xmlns:a16="http://schemas.microsoft.com/office/drawing/2014/main" id="{3EE1680A-375D-D44B-A000-A83807B2095D}"/>
+                <a16:creationId xmlns:a16="http://schemas.microsoft.com/office/drawing/2014/main" id="{8EC80CAB-8526-BC45-AFA4-9FE54313FE0E}"/>
               </a:ext>
             </a:extLst>
           </p:cNvPr>
@@ -5261,7 +5476,7 @@
     </p:spTree>
     <p:extLst>
       <p:ext uri="{BB962C8B-B14F-4D97-AF65-F5344CB8AC3E}">
-        <p14:creationId xmlns:p14="http://schemas.microsoft.com/office/powerpoint/2010/main" val="2246011823"/>
+        <p14:creationId xmlns:p14="http://schemas.microsoft.com/office/powerpoint/2010/main" val="165074502"/>
       </p:ext>
     </p:extLst>
   </p:cSld>
@@ -5293,7 +5508,7 @@
           <p:cNvPr id="2" name="Title 1">
             <a:extLst>
               <a:ext uri="{FF2B5EF4-FFF2-40B4-BE49-F238E27FC236}">
-                <a16:creationId xmlns:a16="http://schemas.microsoft.com/office/drawing/2014/main" id="{4562668E-5292-3B42-992E-E0C3FBC5843A}"/>
+                <a16:creationId xmlns:a16="http://schemas.microsoft.com/office/drawing/2014/main" id="{C7BE50B6-617F-4A4B-9B4B-7C7F5EF79390}"/>
               </a:ext>
             </a:extLst>
           </p:cNvPr>
@@ -5311,40 +5526,80 @@
           <a:p>
             <a:r>
               <a:rPr lang="en-US" dirty="0"/>
-              <a:t>Agent-based Models Used for Decision Making</a:t>
-            </a:r>
-          </a:p>
-        </p:txBody>
-      </p:sp>
-      <p:sp>
-        <p:nvSpPr>
-          <p:cNvPr id="3" name="Content Placeholder 2">
-            <a:extLst>
-              <a:ext uri="{FF2B5EF4-FFF2-40B4-BE49-F238E27FC236}">
-                <a16:creationId xmlns:a16="http://schemas.microsoft.com/office/drawing/2014/main" id="{999D88FD-F9D2-7A4E-ACA2-5CAADFF4F70C}"/>
-              </a:ext>
-            </a:extLst>
-          </p:cNvPr>
-          <p:cNvSpPr>
-            <a:spLocks noGrp="1"/>
-          </p:cNvSpPr>
+              <a:t>Traffic Modelling</a:t>
+            </a:r>
+          </a:p>
+        </p:txBody>
+      </p:sp>
+      <p:pic>
+        <p:nvPicPr>
+          <p:cNvPr id="6" name="Content Placeholder 5">
+            <a:extLst>
+              <a:ext uri="{FF2B5EF4-FFF2-40B4-BE49-F238E27FC236}">
+                <a16:creationId xmlns:a16="http://schemas.microsoft.com/office/drawing/2014/main" id="{5DD4BBC0-B788-D34A-9F32-F35D1E2181C6}"/>
+              </a:ext>
+            </a:extLst>
+          </p:cNvPr>
+          <p:cNvPicPr>
+            <a:picLocks noGrp="1" noChangeAspect="1"/>
+          </p:cNvPicPr>
           <p:nvPr>
             <p:ph idx="1"/>
           </p:nvPr>
-        </p:nvSpPr>
-        <p:spPr/>
-        <p:txBody>
-          <a:bodyPr/>
-          <a:lstStyle/>
-          <a:p>
-            <a:endParaRPr lang="en-US" dirty="0"/>
+        </p:nvPicPr>
+        <p:blipFill>
+          <a:blip r:embed="rId2"/>
+          <a:stretch>
+            <a:fillRect/>
+          </a:stretch>
+        </p:blipFill>
+        <p:spPr>
+          <a:xfrm>
+            <a:off x="6689558" y="0"/>
+            <a:ext cx="3321031" cy="6525762"/>
+          </a:xfrm>
+        </p:spPr>
+      </p:pic>
+      <p:sp>
+        <p:nvSpPr>
+          <p:cNvPr id="4" name="TextBox 3">
+            <a:extLst>
+              <a:ext uri="{FF2B5EF4-FFF2-40B4-BE49-F238E27FC236}">
+                <a16:creationId xmlns:a16="http://schemas.microsoft.com/office/drawing/2014/main" id="{76B1C1C5-757E-0C49-9FF6-85898C6F50E0}"/>
+              </a:ext>
+            </a:extLst>
+          </p:cNvPr>
+          <p:cNvSpPr txBox="1"/>
+          <p:nvPr/>
+        </p:nvSpPr>
+        <p:spPr>
+          <a:xfrm>
+            <a:off x="423554" y="6176963"/>
+            <a:ext cx="11768446" cy="646331"/>
+          </a:xfrm>
+          <a:prstGeom prst="rect">
+            <a:avLst/>
+          </a:prstGeom>
+          <a:noFill/>
+        </p:spPr>
+        <p:txBody>
+          <a:bodyPr wrap="square" rtlCol="0">
+            <a:spAutoFit/>
+          </a:bodyPr>
+          <a:lstStyle/>
+          <a:p>
+            <a:pPr algn="ctr"/>
+            <a:r>
+              <a:rPr lang="en-US" dirty="0"/>
+              <a:t>Figure 2.8: Simple traffic model where each car is an agent. In A, B and C from top left clockwise, model parameters, a chart of car speeds and the spatial agent-environment (source: Wilensky, 1997).</a:t>
+            </a:r>
           </a:p>
         </p:txBody>
       </p:sp>
     </p:spTree>
     <p:extLst>
       <p:ext uri="{BB962C8B-B14F-4D97-AF65-F5344CB8AC3E}">
-        <p14:creationId xmlns:p14="http://schemas.microsoft.com/office/powerpoint/2010/main" val="3863996302"/>
+        <p14:creationId xmlns:p14="http://schemas.microsoft.com/office/powerpoint/2010/main" val="4010078096"/>
       </p:ext>
     </p:extLst>
   </p:cSld>
@@ -5376,6 +5631,176 @@
           <p:cNvPr id="2" name="Title 1">
             <a:extLst>
               <a:ext uri="{FF2B5EF4-FFF2-40B4-BE49-F238E27FC236}">
+                <a16:creationId xmlns:a16="http://schemas.microsoft.com/office/drawing/2014/main" id="{BF2611C3-A59C-0041-B101-06D4E8E8AA9D}"/>
+              </a:ext>
+            </a:extLst>
+          </p:cNvPr>
+          <p:cNvSpPr>
+            <a:spLocks noGrp="1"/>
+          </p:cNvSpPr>
+          <p:nvPr>
+            <p:ph type="title"/>
+          </p:nvPr>
+        </p:nvSpPr>
+        <p:spPr/>
+        <p:txBody>
+          <a:bodyPr/>
+          <a:lstStyle/>
+          <a:p>
+            <a:r>
+              <a:rPr lang="en-US" dirty="0"/>
+              <a:t>Show Real </a:t>
+            </a:r>
+            <a:r>
+              <a:rPr lang="en-US"/>
+              <a:t>World Example.</a:t>
+            </a:r>
+          </a:p>
+        </p:txBody>
+      </p:sp>
+      <p:sp>
+        <p:nvSpPr>
+          <p:cNvPr id="3" name="Content Placeholder 2">
+            <a:extLst>
+              <a:ext uri="{FF2B5EF4-FFF2-40B4-BE49-F238E27FC236}">
+                <a16:creationId xmlns:a16="http://schemas.microsoft.com/office/drawing/2014/main" id="{3EE1680A-375D-D44B-A000-A83807B2095D}"/>
+              </a:ext>
+            </a:extLst>
+          </p:cNvPr>
+          <p:cNvSpPr>
+            <a:spLocks noGrp="1"/>
+          </p:cNvSpPr>
+          <p:nvPr>
+            <p:ph idx="1"/>
+          </p:nvPr>
+        </p:nvSpPr>
+        <p:spPr/>
+        <p:txBody>
+          <a:bodyPr/>
+          <a:lstStyle/>
+          <a:p>
+            <a:endParaRPr lang="en-US"/>
+          </a:p>
+        </p:txBody>
+      </p:sp>
+    </p:spTree>
+    <p:extLst>
+      <p:ext uri="{BB962C8B-B14F-4D97-AF65-F5344CB8AC3E}">
+        <p14:creationId xmlns:p14="http://schemas.microsoft.com/office/powerpoint/2010/main" val="2246011823"/>
+      </p:ext>
+    </p:extLst>
+  </p:cSld>
+  <p:clrMapOvr>
+    <a:masterClrMapping/>
+  </p:clrMapOvr>
+</p:sld>
+</file>
+
+<file path=ppt/slides/slide24.xml><?xml version="1.0" encoding="utf-8"?>
+<p:sld xmlns:a="http://schemas.openxmlformats.org/drawingml/2006/main" xmlns:r="http://schemas.openxmlformats.org/officeDocument/2006/relationships" xmlns:p="http://schemas.openxmlformats.org/presentationml/2006/main">
+  <p:cSld>
+    <p:spTree>
+      <p:nvGrpSpPr>
+        <p:cNvPr id="1" name=""/>
+        <p:cNvGrpSpPr/>
+        <p:nvPr/>
+      </p:nvGrpSpPr>
+      <p:grpSpPr>
+        <a:xfrm>
+          <a:off x="0" y="0"/>
+          <a:ext cx="0" cy="0"/>
+          <a:chOff x="0" y="0"/>
+          <a:chExt cx="0" cy="0"/>
+        </a:xfrm>
+      </p:grpSpPr>
+      <p:sp>
+        <p:nvSpPr>
+          <p:cNvPr id="2" name="Title 1">
+            <a:extLst>
+              <a:ext uri="{FF2B5EF4-FFF2-40B4-BE49-F238E27FC236}">
+                <a16:creationId xmlns:a16="http://schemas.microsoft.com/office/drawing/2014/main" id="{4562668E-5292-3B42-992E-E0C3FBC5843A}"/>
+              </a:ext>
+            </a:extLst>
+          </p:cNvPr>
+          <p:cNvSpPr>
+            <a:spLocks noGrp="1"/>
+          </p:cNvSpPr>
+          <p:nvPr>
+            <p:ph type="title"/>
+          </p:nvPr>
+        </p:nvSpPr>
+        <p:spPr/>
+        <p:txBody>
+          <a:bodyPr/>
+          <a:lstStyle/>
+          <a:p>
+            <a:r>
+              <a:rPr lang="en-US" dirty="0"/>
+              <a:t>Agent-based Models Used for Decision Making</a:t>
+            </a:r>
+          </a:p>
+        </p:txBody>
+      </p:sp>
+      <p:sp>
+        <p:nvSpPr>
+          <p:cNvPr id="3" name="Content Placeholder 2">
+            <a:extLst>
+              <a:ext uri="{FF2B5EF4-FFF2-40B4-BE49-F238E27FC236}">
+                <a16:creationId xmlns:a16="http://schemas.microsoft.com/office/drawing/2014/main" id="{999D88FD-F9D2-7A4E-ACA2-5CAADFF4F70C}"/>
+              </a:ext>
+            </a:extLst>
+          </p:cNvPr>
+          <p:cNvSpPr>
+            <a:spLocks noGrp="1"/>
+          </p:cNvSpPr>
+          <p:nvPr>
+            <p:ph idx="1"/>
+          </p:nvPr>
+        </p:nvSpPr>
+        <p:spPr/>
+        <p:txBody>
+          <a:bodyPr/>
+          <a:lstStyle/>
+          <a:p>
+            <a:endParaRPr lang="en-US" dirty="0"/>
+          </a:p>
+        </p:txBody>
+      </p:sp>
+    </p:spTree>
+    <p:extLst>
+      <p:ext uri="{BB962C8B-B14F-4D97-AF65-F5344CB8AC3E}">
+        <p14:creationId xmlns:p14="http://schemas.microsoft.com/office/powerpoint/2010/main" val="3863996302"/>
+      </p:ext>
+    </p:extLst>
+  </p:cSld>
+  <p:clrMapOvr>
+    <a:masterClrMapping/>
+  </p:clrMapOvr>
+</p:sld>
+</file>
+
+<file path=ppt/slides/slide25.xml><?xml version="1.0" encoding="utf-8"?>
+<p:sld xmlns:a="http://schemas.openxmlformats.org/drawingml/2006/main" xmlns:r="http://schemas.openxmlformats.org/officeDocument/2006/relationships" xmlns:p="http://schemas.openxmlformats.org/presentationml/2006/main">
+  <p:cSld>
+    <p:spTree>
+      <p:nvGrpSpPr>
+        <p:cNvPr id="1" name=""/>
+        <p:cNvGrpSpPr/>
+        <p:nvPr/>
+      </p:nvGrpSpPr>
+      <p:grpSpPr>
+        <a:xfrm>
+          <a:off x="0" y="0"/>
+          <a:ext cx="0" cy="0"/>
+          <a:chOff x="0" y="0"/>
+          <a:chExt cx="0" cy="0"/>
+        </a:xfrm>
+      </p:grpSpPr>
+      <p:sp>
+        <p:nvSpPr>
+          <p:cNvPr id="2" name="Title 1">
+            <a:extLst>
+              <a:ext uri="{FF2B5EF4-FFF2-40B4-BE49-F238E27FC236}">
                 <a16:creationId xmlns:a16="http://schemas.microsoft.com/office/drawing/2014/main" id="{86CF48FA-BA09-934A-9A7D-00D0F017145B}"/>
               </a:ext>
             </a:extLst>
@@ -5549,7 +5974,7 @@
 </p:sld>
 </file>
 
-<file path=ppt/slides/slide24.xml><?xml version="1.0" encoding="utf-8"?>
+<file path=ppt/slides/slide26.xml><?xml version="1.0" encoding="utf-8"?>
 <p:sld xmlns:a="http://schemas.openxmlformats.org/drawingml/2006/main" xmlns:r="http://schemas.openxmlformats.org/officeDocument/2006/relationships" xmlns:p="http://schemas.openxmlformats.org/presentationml/2006/main">
   <p:cSld>
     <p:spTree>
@@ -5651,58 +6076,85 @@
           <p:cNvPr id="2" name="Title 1">
             <a:extLst>
               <a:ext uri="{FF2B5EF4-FFF2-40B4-BE49-F238E27FC236}">
-                <a16:creationId xmlns:a16="http://schemas.microsoft.com/office/drawing/2014/main" id="{B8EED096-D85B-544A-B18B-71F9055BBC8D}"/>
-              </a:ext>
-            </a:extLst>
-          </p:cNvPr>
-          <p:cNvSpPr>
-            <a:spLocks noGrp="1"/>
-          </p:cNvSpPr>
-          <p:nvPr>
-            <p:ph type="title"/>
-          </p:nvPr>
-        </p:nvSpPr>
-        <p:spPr/>
-        <p:txBody>
-          <a:bodyPr/>
-          <a:lstStyle/>
-          <a:p>
-            <a:r>
-              <a:rPr lang="en-US" dirty="0"/>
-              <a:t>What is an Agent?</a:t>
-            </a:r>
-          </a:p>
-        </p:txBody>
-      </p:sp>
-      <p:sp>
-        <p:nvSpPr>
-          <p:cNvPr id="3" name="Content Placeholder 2">
-            <a:extLst>
-              <a:ext uri="{FF2B5EF4-FFF2-40B4-BE49-F238E27FC236}">
-                <a16:creationId xmlns:a16="http://schemas.microsoft.com/office/drawing/2014/main" id="{710AD0B3-98DA-AE48-AA54-22D5DF97456C}"/>
-              </a:ext>
-            </a:extLst>
-          </p:cNvPr>
-          <p:cNvSpPr>
-            <a:spLocks noGrp="1"/>
-          </p:cNvSpPr>
-          <p:nvPr>
-            <p:ph idx="1"/>
-          </p:nvPr>
-        </p:nvSpPr>
-        <p:spPr/>
-        <p:txBody>
-          <a:bodyPr/>
-          <a:lstStyle/>
-          <a:p>
-            <a:endParaRPr lang="en-US"/>
+                <a16:creationId xmlns:a16="http://schemas.microsoft.com/office/drawing/2014/main" id="{4FC54A01-461C-1045-AC9B-35DD625CB021}"/>
+              </a:ext>
+            </a:extLst>
+          </p:cNvPr>
+          <p:cNvSpPr>
+            <a:spLocks noGrp="1"/>
+          </p:cNvSpPr>
+          <p:nvPr>
+            <p:ph type="ctrTitle"/>
+          </p:nvPr>
+        </p:nvSpPr>
+        <p:spPr>
+          <a:xfrm>
+            <a:off x="5277328" y="640082"/>
+            <a:ext cx="6274591" cy="3351602"/>
+          </a:xfrm>
+        </p:spPr>
+        <p:txBody>
+          <a:bodyPr>
+            <a:normAutofit/>
+          </a:bodyPr>
+          <a:lstStyle/>
+          <a:p>
+            <a:pPr algn="l"/>
+            <a:r>
+              <a:rPr lang="en-US">
+                <a:solidFill>
+                  <a:schemeClr val="bg1"/>
+                </a:solidFill>
+              </a:rPr>
+              <a:t>Chapter 1</a:t>
+            </a:r>
+          </a:p>
+        </p:txBody>
+      </p:sp>
+      <p:sp>
+        <p:nvSpPr>
+          <p:cNvPr id="3" name="Subtitle 2">
+            <a:extLst>
+              <a:ext uri="{FF2B5EF4-FFF2-40B4-BE49-F238E27FC236}">
+                <a16:creationId xmlns:a16="http://schemas.microsoft.com/office/drawing/2014/main" id="{1F6A411C-5F1C-D542-A211-0F0D7F10FA53}"/>
+              </a:ext>
+            </a:extLst>
+          </p:cNvPr>
+          <p:cNvSpPr>
+            <a:spLocks noGrp="1"/>
+          </p:cNvSpPr>
+          <p:nvPr>
+            <p:ph type="subTitle" idx="1"/>
+          </p:nvPr>
+        </p:nvSpPr>
+        <p:spPr>
+          <a:xfrm>
+            <a:off x="5277327" y="4156276"/>
+            <a:ext cx="6274592" cy="2061645"/>
+          </a:xfrm>
+        </p:spPr>
+        <p:txBody>
+          <a:bodyPr>
+            <a:normAutofit/>
+          </a:bodyPr>
+          <a:lstStyle/>
+          <a:p>
+            <a:pPr algn="l"/>
+            <a:r>
+              <a:rPr lang="en-US" dirty="0">
+                <a:solidFill>
+                  <a:schemeClr val="bg1"/>
+                </a:solidFill>
+              </a:rPr>
+              <a:t>Agent-based Modelling and Geographical Information Systems</a:t>
+            </a:r>
           </a:p>
         </p:txBody>
       </p:sp>
     </p:spTree>
     <p:extLst>
       <p:ext uri="{BB962C8B-B14F-4D97-AF65-F5344CB8AC3E}">
-        <p14:creationId xmlns:p14="http://schemas.microsoft.com/office/powerpoint/2010/main" val="2898360103"/>
+        <p14:creationId xmlns:p14="http://schemas.microsoft.com/office/powerpoint/2010/main" val="901569145"/>
       </p:ext>
     </p:extLst>
   </p:cSld>
@@ -5734,7 +6186,7 @@
           <p:cNvPr id="2" name="Title 1">
             <a:extLst>
               <a:ext uri="{FF2B5EF4-FFF2-40B4-BE49-F238E27FC236}">
-                <a16:creationId xmlns:a16="http://schemas.microsoft.com/office/drawing/2014/main" id="{414BB6F5-2C17-994A-ACFA-739CAF7C9988}"/>
+                <a16:creationId xmlns:a16="http://schemas.microsoft.com/office/drawing/2014/main" id="{454AA803-87C5-B940-AB0B-C6FE9E767D4D}"/>
               </a:ext>
             </a:extLst>
           </p:cNvPr>
@@ -5752,79 +6204,40 @@
           <a:p>
             <a:r>
               <a:rPr lang="en-US" dirty="0"/>
-              <a:t>Agent Representation</a:t>
-            </a:r>
-          </a:p>
-        </p:txBody>
-      </p:sp>
-      <p:pic>
-        <p:nvPicPr>
-          <p:cNvPr id="6" name="Content Placeholder 5">
-            <a:extLst>
-              <a:ext uri="{FF2B5EF4-FFF2-40B4-BE49-F238E27FC236}">
-                <a16:creationId xmlns:a16="http://schemas.microsoft.com/office/drawing/2014/main" id="{5AE15788-D87C-5B4E-9DA2-D7DF924A9586}"/>
-              </a:ext>
-            </a:extLst>
-          </p:cNvPr>
-          <p:cNvPicPr>
-            <a:picLocks noGrp="1" noChangeAspect="1"/>
-          </p:cNvPicPr>
+              <a:t>Introduction</a:t>
+            </a:r>
+          </a:p>
+        </p:txBody>
+      </p:sp>
+      <p:sp>
+        <p:nvSpPr>
+          <p:cNvPr id="3" name="Content Placeholder 2">
+            <a:extLst>
+              <a:ext uri="{FF2B5EF4-FFF2-40B4-BE49-F238E27FC236}">
+                <a16:creationId xmlns:a16="http://schemas.microsoft.com/office/drawing/2014/main" id="{ACAF3740-25D2-DE49-BB80-30314DDCB10D}"/>
+              </a:ext>
+            </a:extLst>
+          </p:cNvPr>
+          <p:cNvSpPr>
+            <a:spLocks noGrp="1"/>
+          </p:cNvSpPr>
           <p:nvPr>
             <p:ph idx="1"/>
           </p:nvPr>
-        </p:nvPicPr>
-        <p:blipFill>
-          <a:blip r:embed="rId2"/>
-          <a:stretch>
-            <a:fillRect/>
-          </a:stretch>
-        </p:blipFill>
-        <p:spPr>
-          <a:xfrm>
-            <a:off x="2318808" y="1411015"/>
-            <a:ext cx="7554383" cy="4765948"/>
-          </a:xfrm>
-        </p:spPr>
-      </p:pic>
-      <p:sp>
-        <p:nvSpPr>
-          <p:cNvPr id="4" name="TextBox 3">
-            <a:extLst>
-              <a:ext uri="{FF2B5EF4-FFF2-40B4-BE49-F238E27FC236}">
-                <a16:creationId xmlns:a16="http://schemas.microsoft.com/office/drawing/2014/main" id="{C212F436-6AD7-E84E-9AD0-180D190DF611}"/>
-              </a:ext>
-            </a:extLst>
-          </p:cNvPr>
-          <p:cNvSpPr txBox="1"/>
-          <p:nvPr/>
-        </p:nvSpPr>
-        <p:spPr>
-          <a:xfrm>
-            <a:off x="273050" y="6176963"/>
-            <a:ext cx="11645900" cy="646331"/>
-          </a:xfrm>
-          <a:prstGeom prst="rect">
-            <a:avLst/>
-          </a:prstGeom>
-          <a:noFill/>
-        </p:spPr>
-        <p:txBody>
-          <a:bodyPr wrap="square" rtlCol="0">
-            <a:spAutoFit/>
-          </a:bodyPr>
-          <a:lstStyle/>
-          <a:p>
-            <a:r>
-              <a:rPr lang="en-US" dirty="0"/>
-              <a:t>Figure 2.1: Representation of (A) human agent and (B) supermarket retailer agent alongside that of representation within an object-orientated environment.</a:t>
-            </a:r>
+        </p:nvSpPr>
+        <p:spPr/>
+        <p:txBody>
+          <a:bodyPr/>
+          <a:lstStyle/>
+          <a:p>
+            <a:endParaRPr lang="en-US"/>
           </a:p>
         </p:txBody>
       </p:sp>
     </p:spTree>
     <p:extLst>
       <p:ext uri="{BB962C8B-B14F-4D97-AF65-F5344CB8AC3E}">
-        <p14:creationId xmlns:p14="http://schemas.microsoft.com/office/powerpoint/2010/main" val="3752175511"/>
+        <p14:creationId xmlns:p14="http://schemas.microsoft.com/office/powerpoint/2010/main" val="2674096104"/>
       </p:ext>
     </p:extLst>
   </p:cSld>
@@ -5856,7 +6269,7 @@
           <p:cNvPr id="2" name="Title 1">
             <a:extLst>
               <a:ext uri="{FF2B5EF4-FFF2-40B4-BE49-F238E27FC236}">
-                <a16:creationId xmlns:a16="http://schemas.microsoft.com/office/drawing/2014/main" id="{DC176CFC-1CC5-2043-92EC-ACA20D587846}"/>
+                <a16:creationId xmlns:a16="http://schemas.microsoft.com/office/drawing/2014/main" id="{B8EED096-D85B-544A-B18B-71F9055BBC8D}"/>
               </a:ext>
             </a:extLst>
           </p:cNvPr>
@@ -5874,7 +6287,7 @@
           <a:p>
             <a:r>
               <a:rPr lang="en-US" dirty="0"/>
-              <a:t>Agent Rules</a:t>
+              <a:t>What is an Agent?</a:t>
             </a:r>
           </a:p>
         </p:txBody>
@@ -5884,7 +6297,7 @@
           <p:cNvPr id="3" name="Content Placeholder 2">
             <a:extLst>
               <a:ext uri="{FF2B5EF4-FFF2-40B4-BE49-F238E27FC236}">
-                <a16:creationId xmlns:a16="http://schemas.microsoft.com/office/drawing/2014/main" id="{D8B2DE1A-F42B-C142-A372-90BFD769865C}"/>
+                <a16:creationId xmlns:a16="http://schemas.microsoft.com/office/drawing/2014/main" id="{710AD0B3-98DA-AE48-AA54-22D5DF97456C}"/>
               </a:ext>
             </a:extLst>
           </p:cNvPr>
@@ -5900,14 +6313,14 @@
           <a:bodyPr/>
           <a:lstStyle/>
           <a:p>
-            <a:endParaRPr lang="en-US" dirty="0"/>
+            <a:endParaRPr lang="en-US"/>
           </a:p>
         </p:txBody>
       </p:sp>
     </p:spTree>
     <p:extLst>
       <p:ext uri="{BB962C8B-B14F-4D97-AF65-F5344CB8AC3E}">
-        <p14:creationId xmlns:p14="http://schemas.microsoft.com/office/powerpoint/2010/main" val="1029667552"/>
+        <p14:creationId xmlns:p14="http://schemas.microsoft.com/office/powerpoint/2010/main" val="2898360103"/>
       </p:ext>
     </p:extLst>
   </p:cSld>
@@ -5939,7 +6352,7 @@
           <p:cNvPr id="2" name="Title 1">
             <a:extLst>
               <a:ext uri="{FF2B5EF4-FFF2-40B4-BE49-F238E27FC236}">
-                <a16:creationId xmlns:a16="http://schemas.microsoft.com/office/drawing/2014/main" id="{49CF3071-6FF5-4B41-8CB5-F0AA8FB3C9F5}"/>
+                <a16:creationId xmlns:a16="http://schemas.microsoft.com/office/drawing/2014/main" id="{414BB6F5-2C17-994A-ACFA-739CAF7C9988}"/>
               </a:ext>
             </a:extLst>
           </p:cNvPr>
@@ -5957,7 +6370,7 @@
           <a:p>
             <a:r>
               <a:rPr lang="en-US" dirty="0"/>
-              <a:t>Main Components of an Agent</a:t>
+              <a:t>Agent Representation</a:t>
             </a:r>
           </a:p>
         </p:txBody>
@@ -5967,7 +6380,7 @@
           <p:cNvPr id="6" name="Content Placeholder 5">
             <a:extLst>
               <a:ext uri="{FF2B5EF4-FFF2-40B4-BE49-F238E27FC236}">
-                <a16:creationId xmlns:a16="http://schemas.microsoft.com/office/drawing/2014/main" id="{4E385A14-587C-C94C-A21F-965C885BDC86}"/>
+                <a16:creationId xmlns:a16="http://schemas.microsoft.com/office/drawing/2014/main" id="{5AE15788-D87C-5B4E-9DA2-D7DF924A9586}"/>
               </a:ext>
             </a:extLst>
           </p:cNvPr>
@@ -5986,8 +6399,8 @@
         </p:blipFill>
         <p:spPr>
           <a:xfrm>
-            <a:off x="3610097" y="1825625"/>
-            <a:ext cx="4971806" cy="4351338"/>
+            <a:off x="2318808" y="1411015"/>
+            <a:ext cx="7554383" cy="4765948"/>
           </a:xfrm>
         </p:spPr>
       </p:pic>
@@ -5996,7 +6409,7 @@
           <p:cNvPr id="4" name="TextBox 3">
             <a:extLst>
               <a:ext uri="{FF2B5EF4-FFF2-40B4-BE49-F238E27FC236}">
-                <a16:creationId xmlns:a16="http://schemas.microsoft.com/office/drawing/2014/main" id="{1EF18778-2766-9144-9027-F98DCF1DA3EB}"/>
+                <a16:creationId xmlns:a16="http://schemas.microsoft.com/office/drawing/2014/main" id="{C212F436-6AD7-E84E-9AD0-180D190DF611}"/>
               </a:ext>
             </a:extLst>
           </p:cNvPr>
@@ -6005,8 +6418,8 @@
         </p:nvSpPr>
         <p:spPr>
           <a:xfrm>
-            <a:off x="2434677" y="6311900"/>
-            <a:ext cx="7322646" cy="369332"/>
+            <a:off x="273050" y="6176963"/>
+            <a:ext cx="11645900" cy="646331"/>
           </a:xfrm>
           <a:prstGeom prst="rect">
             <a:avLst/>
@@ -6014,14 +6427,14 @@
           <a:noFill/>
         </p:spPr>
         <p:txBody>
-          <a:bodyPr wrap="none" rtlCol="0">
+          <a:bodyPr wrap="square" rtlCol="0">
             <a:spAutoFit/>
           </a:bodyPr>
           <a:lstStyle/>
           <a:p>
             <a:r>
               <a:rPr lang="en-US" dirty="0"/>
-              <a:t>Figure 2.2: Schematic illustrating some of the main components of an agent.</a:t>
+              <a:t>Figure 2.1: Representation of (A) human agent and (B) supermarket retailer agent alongside that of representation within an object-orientated environment.</a:t>
             </a:r>
           </a:p>
         </p:txBody>
@@ -6029,7 +6442,7 @@
     </p:spTree>
     <p:extLst>
       <p:ext uri="{BB962C8B-B14F-4D97-AF65-F5344CB8AC3E}">
-        <p14:creationId xmlns:p14="http://schemas.microsoft.com/office/powerpoint/2010/main" val="1134758609"/>
+        <p14:creationId xmlns:p14="http://schemas.microsoft.com/office/powerpoint/2010/main" val="3752175511"/>
       </p:ext>
     </p:extLst>
   </p:cSld>
@@ -6061,7 +6474,7 @@
           <p:cNvPr id="2" name="Title 1">
             <a:extLst>
               <a:ext uri="{FF2B5EF4-FFF2-40B4-BE49-F238E27FC236}">
-                <a16:creationId xmlns:a16="http://schemas.microsoft.com/office/drawing/2014/main" id="{8A431535-8FE5-7748-96DE-5964BABBAC4D}"/>
+                <a16:creationId xmlns:a16="http://schemas.microsoft.com/office/drawing/2014/main" id="{DC176CFC-1CC5-2043-92EC-ACA20D587846}"/>
               </a:ext>
             </a:extLst>
           </p:cNvPr>
@@ -6079,7 +6492,7 @@
           <a:p>
             <a:r>
               <a:rPr lang="en-US" dirty="0"/>
-              <a:t>An Agent’s World</a:t>
+              <a:t>Agent Rules</a:t>
             </a:r>
           </a:p>
         </p:txBody>
@@ -6089,7 +6502,7 @@
           <p:cNvPr id="3" name="Content Placeholder 2">
             <a:extLst>
               <a:ext uri="{FF2B5EF4-FFF2-40B4-BE49-F238E27FC236}">
-                <a16:creationId xmlns:a16="http://schemas.microsoft.com/office/drawing/2014/main" id="{7110F534-A014-1947-BEFB-5C0EE0BFDC13}"/>
+                <a16:creationId xmlns:a16="http://schemas.microsoft.com/office/drawing/2014/main" id="{D8B2DE1A-F42B-C142-A372-90BFD769865C}"/>
               </a:ext>
             </a:extLst>
           </p:cNvPr>
@@ -6105,14 +6518,14 @@
           <a:bodyPr/>
           <a:lstStyle/>
           <a:p>
-            <a:endParaRPr lang="en-US"/>
+            <a:endParaRPr lang="en-US" dirty="0"/>
           </a:p>
         </p:txBody>
       </p:sp>
     </p:spTree>
     <p:extLst>
       <p:ext uri="{BB962C8B-B14F-4D97-AF65-F5344CB8AC3E}">
-        <p14:creationId xmlns:p14="http://schemas.microsoft.com/office/powerpoint/2010/main" val="1092804187"/>
+        <p14:creationId xmlns:p14="http://schemas.microsoft.com/office/powerpoint/2010/main" val="1029667552"/>
       </p:ext>
     </p:extLst>
   </p:cSld>
@@ -6144,7 +6557,7 @@
           <p:cNvPr id="2" name="Title 1">
             <a:extLst>
               <a:ext uri="{FF2B5EF4-FFF2-40B4-BE49-F238E27FC236}">
-                <a16:creationId xmlns:a16="http://schemas.microsoft.com/office/drawing/2014/main" id="{7BF78CB2-617B-8E4F-BEFD-AB6E6284B9C9}"/>
+                <a16:creationId xmlns:a16="http://schemas.microsoft.com/office/drawing/2014/main" id="{49CF3071-6FF5-4B41-8CB5-F0AA8FB3C9F5}"/>
               </a:ext>
             </a:extLst>
           </p:cNvPr>
@@ -6162,7 +6575,7 @@
           <a:p>
             <a:r>
               <a:rPr lang="en-US" dirty="0"/>
-              <a:t>Agents and their “World”</a:t>
+              <a:t>Main Components of an Agent</a:t>
             </a:r>
           </a:p>
         </p:txBody>
@@ -6172,7 +6585,7 @@
           <p:cNvPr id="6" name="Content Placeholder 5">
             <a:extLst>
               <a:ext uri="{FF2B5EF4-FFF2-40B4-BE49-F238E27FC236}">
-                <a16:creationId xmlns:a16="http://schemas.microsoft.com/office/drawing/2014/main" id="{0069544A-2D06-4841-A23F-FD7482F060CC}"/>
+                <a16:creationId xmlns:a16="http://schemas.microsoft.com/office/drawing/2014/main" id="{4E385A14-587C-C94C-A21F-965C885BDC86}"/>
               </a:ext>
             </a:extLst>
           </p:cNvPr>
@@ -6191,8 +6604,8 @@
         </p:blipFill>
         <p:spPr>
           <a:xfrm>
-            <a:off x="1870635" y="1690688"/>
-            <a:ext cx="8450730" cy="4260056"/>
+            <a:off x="3610097" y="1825625"/>
+            <a:ext cx="4971806" cy="4351338"/>
           </a:xfrm>
         </p:spPr>
       </p:pic>
@@ -6201,7 +6614,7 @@
           <p:cNvPr id="4" name="TextBox 3">
             <a:extLst>
               <a:ext uri="{FF2B5EF4-FFF2-40B4-BE49-F238E27FC236}">
-                <a16:creationId xmlns:a16="http://schemas.microsoft.com/office/drawing/2014/main" id="{CB104B41-3DAF-1846-8F55-92483110AACF}"/>
+                <a16:creationId xmlns:a16="http://schemas.microsoft.com/office/drawing/2014/main" id="{1EF18778-2766-9144-9027-F98DCF1DA3EB}"/>
               </a:ext>
             </a:extLst>
           </p:cNvPr>
@@ -6210,8 +6623,8 @@
         </p:nvSpPr>
         <p:spPr>
           <a:xfrm>
-            <a:off x="355601" y="6176963"/>
-            <a:ext cx="11700932" cy="646331"/>
+            <a:off x="2434677" y="6311900"/>
+            <a:ext cx="7322646" cy="369332"/>
           </a:xfrm>
           <a:prstGeom prst="rect">
             <a:avLst/>
@@ -6219,15 +6632,14 @@
           <a:noFill/>
         </p:spPr>
         <p:txBody>
-          <a:bodyPr wrap="square" rtlCol="0">
+          <a:bodyPr wrap="none" rtlCol="0">
             <a:spAutoFit/>
           </a:bodyPr>
           <a:lstStyle/>
           <a:p>
-            <a:pPr algn="ctr"/>
             <a:r>
               <a:rPr lang="en-US" dirty="0"/>
-              <a:t>Figure 2.3: Conceptualization of an agent-based model where people are connected to each other and take actions when a specific condition is met.</a:t>
+              <a:t>Figure 2.2: Schematic illustrating some of the main components of an agent.</a:t>
             </a:r>
           </a:p>
         </p:txBody>
@@ -6235,7 +6647,7 @@
     </p:spTree>
     <p:extLst>
       <p:ext uri="{BB962C8B-B14F-4D97-AF65-F5344CB8AC3E}">
-        <p14:creationId xmlns:p14="http://schemas.microsoft.com/office/powerpoint/2010/main" val="2423466223"/>
+        <p14:creationId xmlns:p14="http://schemas.microsoft.com/office/powerpoint/2010/main" val="1134758609"/>
       </p:ext>
     </p:extLst>
   </p:cSld>
@@ -6267,7 +6679,7 @@
           <p:cNvPr id="2" name="Title 1">
             <a:extLst>
               <a:ext uri="{FF2B5EF4-FFF2-40B4-BE49-F238E27FC236}">
-                <a16:creationId xmlns:a16="http://schemas.microsoft.com/office/drawing/2014/main" id="{F488CAE3-81DE-9843-8063-05AB1A135B50}"/>
+                <a16:creationId xmlns:a16="http://schemas.microsoft.com/office/drawing/2014/main" id="{8A431535-8FE5-7748-96DE-5964BABBAC4D}"/>
               </a:ext>
             </a:extLst>
           </p:cNvPr>
@@ -6285,7 +6697,7 @@
           <a:p>
             <a:r>
               <a:rPr lang="en-US" dirty="0"/>
-              <a:t>Advantages of Agent-based Modelling</a:t>
+              <a:t>An Agent’s World</a:t>
             </a:r>
           </a:p>
         </p:txBody>
@@ -6295,7 +6707,7 @@
           <p:cNvPr id="3" name="Content Placeholder 2">
             <a:extLst>
               <a:ext uri="{FF2B5EF4-FFF2-40B4-BE49-F238E27FC236}">
-                <a16:creationId xmlns:a16="http://schemas.microsoft.com/office/drawing/2014/main" id="{021256C8-FD65-BE43-81AF-715A24F3D0D3}"/>
+                <a16:creationId xmlns:a16="http://schemas.microsoft.com/office/drawing/2014/main" id="{7110F534-A014-1947-BEFB-5C0EE0BFDC13}"/>
               </a:ext>
             </a:extLst>
           </p:cNvPr>
@@ -6318,7 +6730,7 @@
     </p:spTree>
     <p:extLst>
       <p:ext uri="{BB962C8B-B14F-4D97-AF65-F5344CB8AC3E}">
-        <p14:creationId xmlns:p14="http://schemas.microsoft.com/office/powerpoint/2010/main" val="3167949714"/>
+        <p14:creationId xmlns:p14="http://schemas.microsoft.com/office/powerpoint/2010/main" val="1092804187"/>
       </p:ext>
     </p:extLst>
   </p:cSld>

--- a/Chapter02-IntroToABM/Chapter2.pptx
+++ b/Chapter02-IntroToABM/Chapter2.pptx
@@ -5,35 +5,33 @@
     <p:sldMasterId id="2147483648" r:id="rId1"/>
   </p:sldMasterIdLst>
   <p:notesMasterIdLst>
-    <p:notesMasterId r:id="rId28"/>
+    <p:notesMasterId r:id="rId26"/>
   </p:notesMasterIdLst>
   <p:sldIdLst>
     <p:sldId id="256" r:id="rId2"/>
     <p:sldId id="282" r:id="rId3"/>
-    <p:sldId id="280" r:id="rId4"/>
-    <p:sldId id="257" r:id="rId5"/>
-    <p:sldId id="258" r:id="rId6"/>
-    <p:sldId id="259" r:id="rId7"/>
-    <p:sldId id="260" r:id="rId8"/>
-    <p:sldId id="261" r:id="rId9"/>
-    <p:sldId id="262" r:id="rId10"/>
-    <p:sldId id="263" r:id="rId11"/>
-    <p:sldId id="264" r:id="rId12"/>
-    <p:sldId id="265" r:id="rId13"/>
-    <p:sldId id="266" r:id="rId14"/>
-    <p:sldId id="267" r:id="rId15"/>
-    <p:sldId id="268" r:id="rId16"/>
-    <p:sldId id="269" r:id="rId17"/>
-    <p:sldId id="270" r:id="rId18"/>
-    <p:sldId id="271" r:id="rId19"/>
-    <p:sldId id="272" r:id="rId20"/>
-    <p:sldId id="274" r:id="rId21"/>
-    <p:sldId id="273" r:id="rId22"/>
-    <p:sldId id="275" r:id="rId23"/>
-    <p:sldId id="279" r:id="rId24"/>
-    <p:sldId id="276" r:id="rId25"/>
-    <p:sldId id="277" r:id="rId26"/>
-    <p:sldId id="278" r:id="rId27"/>
+    <p:sldId id="257" r:id="rId4"/>
+    <p:sldId id="258" r:id="rId5"/>
+    <p:sldId id="259" r:id="rId6"/>
+    <p:sldId id="260" r:id="rId7"/>
+    <p:sldId id="261" r:id="rId8"/>
+    <p:sldId id="262" r:id="rId9"/>
+    <p:sldId id="263" r:id="rId10"/>
+    <p:sldId id="264" r:id="rId11"/>
+    <p:sldId id="265" r:id="rId12"/>
+    <p:sldId id="266" r:id="rId13"/>
+    <p:sldId id="267" r:id="rId14"/>
+    <p:sldId id="268" r:id="rId15"/>
+    <p:sldId id="269" r:id="rId16"/>
+    <p:sldId id="270" r:id="rId17"/>
+    <p:sldId id="271" r:id="rId18"/>
+    <p:sldId id="272" r:id="rId19"/>
+    <p:sldId id="274" r:id="rId20"/>
+    <p:sldId id="273" r:id="rId21"/>
+    <p:sldId id="275" r:id="rId22"/>
+    <p:sldId id="276" r:id="rId23"/>
+    <p:sldId id="283" r:id="rId24"/>
+    <p:sldId id="278" r:id="rId25"/>
   </p:sldIdLst>
   <p:sldSz cx="12192000" cy="6858000"/>
   <p:notesSz cx="6858000" cy="9144000"/>
@@ -222,7 +220,7 @@
           <a:p>
             <a:fld id="{277BE31A-CF47-1542-834B-3F84EFC65F53}" type="datetimeFigureOut">
               <a:rPr lang="en-US" smtClean="0"/>
-              <a:t>11/2/18</a:t>
+              <a:t>11/9/18</a:t>
             </a:fld>
             <a:endParaRPr lang="en-US"/>
           </a:p>
@@ -631,12 +629,6 @@
           <a:bodyPr/>
           <a:lstStyle/>
           <a:p>
-            <a:r>
-              <a:rPr lang="en-US" dirty="0"/>
-              <a:t>The overarching aim of this chapter is to give the reader a contextual background and general overview of the major developments in geographical modelling for the simulation of the individual.  The reader is introduced to a discussion around the purpose of modelling as well how complexity theory has influenced the way that we view (and simulate) geographical systems.  We end the chapter by discussing the benefits of bringing together agent-based modelling and GIS.</a:t>
-            </a:r>
-          </a:p>
-          <a:p>
             <a:endParaRPr lang="en-US" dirty="0"/>
           </a:p>
         </p:txBody>
@@ -648,17 +640,17 @@
             <a:spLocks noGrp="1"/>
           </p:cNvSpPr>
           <p:nvPr>
-            <p:ph type="sldNum" sz="quarter" idx="10"/>
-          </p:nvPr>
-        </p:nvSpPr>
-        <p:spPr/>
-        <p:txBody>
-          <a:bodyPr/>
-          <a:lstStyle/>
-          <a:p>
-            <a:fld id="{84AB11BC-0202-DE4D-9167-A0B0F1A6BEFB}" type="slidenum">
+            <p:ph type="sldNum" sz="quarter" idx="5"/>
+          </p:nvPr>
+        </p:nvSpPr>
+        <p:spPr/>
+        <p:txBody>
+          <a:bodyPr/>
+          <a:lstStyle/>
+          <a:p>
+            <a:fld id="{A5E3B634-187A-714A-9D7D-FC23E693A20E}" type="slidenum">
               <a:rPr lang="en-US" smtClean="0"/>
-              <a:t>3</a:t>
+              <a:t>2</a:t>
             </a:fld>
             <a:endParaRPr lang="en-US"/>
           </a:p>
@@ -667,7 +659,7 @@
     </p:spTree>
     <p:extLst>
       <p:ext uri="{BB962C8B-B14F-4D97-AF65-F5344CB8AC3E}">
-        <p14:creationId xmlns:p14="http://schemas.microsoft.com/office/powerpoint/2010/main" val="3458669603"/>
+        <p14:creationId xmlns:p14="http://schemas.microsoft.com/office/powerpoint/2010/main" val="1793321115"/>
       </p:ext>
     </p:extLst>
   </p:cSld>
@@ -721,26 +713,7 @@
           <a:bodyPr/>
           <a:lstStyle/>
           <a:p>
-            <a:r>
-              <a:rPr lang="en-US" dirty="0"/>
-              <a:t>Click on image to see a movie on YouTube. Or see https://</a:t>
-            </a:r>
-            <a:r>
-              <a:rPr lang="en-US" dirty="0" err="1"/>
-              <a:t>youtu.be</a:t>
-            </a:r>
-            <a:r>
-              <a:rPr lang="en-US" dirty="0"/>
-              <a:t>/</a:t>
-            </a:r>
-            <a:r>
-              <a:rPr lang="en-US" dirty="0" err="1"/>
-              <a:t>aLmOxnPKUqk</a:t>
-            </a:r>
-            <a:r>
-              <a:rPr lang="en-US" dirty="0"/>
-              <a:t> </a:t>
-            </a:r>
+            <a:endParaRPr lang="en-US" dirty="0"/>
           </a:p>
         </p:txBody>
       </p:sp>
@@ -751,7 +724,7 @@
             <a:spLocks noGrp="1"/>
           </p:cNvSpPr>
           <p:nvPr>
-            <p:ph type="sldNum" sz="quarter" idx="10"/>
+            <p:ph type="sldNum" sz="quarter" idx="5"/>
           </p:nvPr>
         </p:nvSpPr>
         <p:spPr/>
@@ -761,7 +734,7 @@
           <a:p>
             <a:fld id="{A5E3B634-187A-714A-9D7D-FC23E693A20E}" type="slidenum">
               <a:rPr lang="en-US" smtClean="0"/>
-              <a:t>25</a:t>
+              <a:t>22</a:t>
             </a:fld>
             <a:endParaRPr lang="en-US"/>
           </a:p>
@@ -770,7 +743,130 @@
     </p:spTree>
     <p:extLst>
       <p:ext uri="{BB962C8B-B14F-4D97-AF65-F5344CB8AC3E}">
-        <p14:creationId xmlns:p14="http://schemas.microsoft.com/office/powerpoint/2010/main" val="3261941457"/>
+        <p14:creationId xmlns:p14="http://schemas.microsoft.com/office/powerpoint/2010/main" val="94020260"/>
+      </p:ext>
+    </p:extLst>
+  </p:cSld>
+  <p:clrMapOvr>
+    <a:masterClrMapping/>
+  </p:clrMapOvr>
+</p:notes>
+</file>
+
+<file path=ppt/notesSlides/notesSlide4.xml><?xml version="1.0" encoding="utf-8"?>
+<p:notes xmlns:a="http://schemas.openxmlformats.org/drawingml/2006/main" xmlns:r="http://schemas.openxmlformats.org/officeDocument/2006/relationships" xmlns:p="http://schemas.openxmlformats.org/presentationml/2006/main">
+  <p:cSld>
+    <p:spTree>
+      <p:nvGrpSpPr>
+        <p:cNvPr id="1" name=""/>
+        <p:cNvGrpSpPr/>
+        <p:nvPr/>
+      </p:nvGrpSpPr>
+      <p:grpSpPr>
+        <a:xfrm>
+          <a:off x="0" y="0"/>
+          <a:ext cx="0" cy="0"/>
+          <a:chOff x="0" y="0"/>
+          <a:chExt cx="0" cy="0"/>
+        </a:xfrm>
+      </p:grpSpPr>
+      <p:sp>
+        <p:nvSpPr>
+          <p:cNvPr id="2" name="Slide Image Placeholder 1"/>
+          <p:cNvSpPr>
+            <a:spLocks noGrp="1" noRot="1" noChangeAspect="1"/>
+          </p:cNvSpPr>
+          <p:nvPr>
+            <p:ph type="sldImg"/>
+          </p:nvPr>
+        </p:nvSpPr>
+        <p:spPr/>
+      </p:sp>
+      <p:sp>
+        <p:nvSpPr>
+          <p:cNvPr id="3" name="Notes Placeholder 2"/>
+          <p:cNvSpPr>
+            <a:spLocks noGrp="1"/>
+          </p:cNvSpPr>
+          <p:nvPr>
+            <p:ph type="body" idx="1"/>
+          </p:nvPr>
+        </p:nvSpPr>
+        <p:spPr/>
+        <p:txBody>
+          <a:bodyPr/>
+          <a:lstStyle/>
+          <a:p>
+            <a:pPr marL="0" marR="0" lvl="0" indent="0" algn="l" defTabSz="914400" rtl="0" eaLnBrk="1" fontAlgn="auto" latinLnBrk="0" hangingPunct="1">
+              <a:lnSpc>
+                <a:spcPct val="100000"/>
+              </a:lnSpc>
+              <a:spcBef>
+                <a:spcPts val="0"/>
+              </a:spcBef>
+              <a:spcAft>
+                <a:spcPts val="0"/>
+              </a:spcAft>
+              <a:buClrTx/>
+              <a:buSzTx/>
+              <a:buFontTx/>
+              <a:buNone/>
+              <a:tabLst/>
+              <a:defRPr/>
+            </a:pPr>
+            <a:r>
+              <a:rPr lang="en-US" dirty="0"/>
+              <a:t>Click on image to see a movie on YouTube. Or see https://</a:t>
+            </a:r>
+            <a:r>
+              <a:rPr lang="en-US" dirty="0" err="1"/>
+              <a:t>youtu.be</a:t>
+            </a:r>
+            <a:r>
+              <a:rPr lang="en-US" dirty="0"/>
+              <a:t>/</a:t>
+            </a:r>
+            <a:r>
+              <a:rPr lang="en-US" dirty="0" err="1"/>
+              <a:t>aLmOxnPKUqk</a:t>
+            </a:r>
+            <a:r>
+              <a:rPr lang="en-US" dirty="0"/>
+              <a:t> </a:t>
+            </a:r>
+          </a:p>
+          <a:p>
+            <a:endParaRPr lang="en-US" dirty="0"/>
+          </a:p>
+        </p:txBody>
+      </p:sp>
+      <p:sp>
+        <p:nvSpPr>
+          <p:cNvPr id="4" name="Slide Number Placeholder 3"/>
+          <p:cNvSpPr>
+            <a:spLocks noGrp="1"/>
+          </p:cNvSpPr>
+          <p:nvPr>
+            <p:ph type="sldNum" sz="quarter" idx="5"/>
+          </p:nvPr>
+        </p:nvSpPr>
+        <p:spPr/>
+        <p:txBody>
+          <a:bodyPr/>
+          <a:lstStyle/>
+          <a:p>
+            <a:fld id="{A5E3B634-187A-714A-9D7D-FC23E693A20E}" type="slidenum">
+              <a:rPr lang="en-US" smtClean="0"/>
+              <a:t>23</a:t>
+            </a:fld>
+            <a:endParaRPr lang="en-US"/>
+          </a:p>
+        </p:txBody>
+      </p:sp>
+    </p:spTree>
+    <p:extLst>
+      <p:ext uri="{BB962C8B-B14F-4D97-AF65-F5344CB8AC3E}">
+        <p14:creationId xmlns:p14="http://schemas.microsoft.com/office/powerpoint/2010/main" val="530778048"/>
       </p:ext>
     </p:extLst>
   </p:cSld>
@@ -927,7 +1023,7 @@
           <a:p>
             <a:fld id="{53326AB7-C146-8643-AC32-1D896C71A7F3}" type="datetimeFigureOut">
               <a:rPr lang="en-US" smtClean="0"/>
-              <a:t>11/2/18</a:t>
+              <a:t>11/9/18</a:t>
             </a:fld>
             <a:endParaRPr lang="en-US"/>
           </a:p>
@@ -1125,7 +1221,7 @@
           <a:p>
             <a:fld id="{53326AB7-C146-8643-AC32-1D896C71A7F3}" type="datetimeFigureOut">
               <a:rPr lang="en-US" smtClean="0"/>
-              <a:t>11/2/18</a:t>
+              <a:t>11/9/18</a:t>
             </a:fld>
             <a:endParaRPr lang="en-US"/>
           </a:p>
@@ -1333,7 +1429,7 @@
           <a:p>
             <a:fld id="{53326AB7-C146-8643-AC32-1D896C71A7F3}" type="datetimeFigureOut">
               <a:rPr lang="en-US" smtClean="0"/>
-              <a:t>11/2/18</a:t>
+              <a:t>11/9/18</a:t>
             </a:fld>
             <a:endParaRPr lang="en-US"/>
           </a:p>
@@ -1531,7 +1627,7 @@
           <a:p>
             <a:fld id="{53326AB7-C146-8643-AC32-1D896C71A7F3}" type="datetimeFigureOut">
               <a:rPr lang="en-US" smtClean="0"/>
-              <a:t>11/2/18</a:t>
+              <a:t>11/9/18</a:t>
             </a:fld>
             <a:endParaRPr lang="en-US"/>
           </a:p>
@@ -1806,7 +1902,7 @@
           <a:p>
             <a:fld id="{53326AB7-C146-8643-AC32-1D896C71A7F3}" type="datetimeFigureOut">
               <a:rPr lang="en-US" smtClean="0"/>
-              <a:t>11/2/18</a:t>
+              <a:t>11/9/18</a:t>
             </a:fld>
             <a:endParaRPr lang="en-US"/>
           </a:p>
@@ -2071,7 +2167,7 @@
           <a:p>
             <a:fld id="{53326AB7-C146-8643-AC32-1D896C71A7F3}" type="datetimeFigureOut">
               <a:rPr lang="en-US" smtClean="0"/>
-              <a:t>11/2/18</a:t>
+              <a:t>11/9/18</a:t>
             </a:fld>
             <a:endParaRPr lang="en-US"/>
           </a:p>
@@ -2483,7 +2579,7 @@
           <a:p>
             <a:fld id="{53326AB7-C146-8643-AC32-1D896C71A7F3}" type="datetimeFigureOut">
               <a:rPr lang="en-US" smtClean="0"/>
-              <a:t>11/2/18</a:t>
+              <a:t>11/9/18</a:t>
             </a:fld>
             <a:endParaRPr lang="en-US"/>
           </a:p>
@@ -2624,7 +2720,7 @@
           <a:p>
             <a:fld id="{53326AB7-C146-8643-AC32-1D896C71A7F3}" type="datetimeFigureOut">
               <a:rPr lang="en-US" smtClean="0"/>
-              <a:t>11/2/18</a:t>
+              <a:t>11/9/18</a:t>
             </a:fld>
             <a:endParaRPr lang="en-US"/>
           </a:p>
@@ -2737,7 +2833,7 @@
           <a:p>
             <a:fld id="{53326AB7-C146-8643-AC32-1D896C71A7F3}" type="datetimeFigureOut">
               <a:rPr lang="en-US" smtClean="0"/>
-              <a:t>11/2/18</a:t>
+              <a:t>11/9/18</a:t>
             </a:fld>
             <a:endParaRPr lang="en-US"/>
           </a:p>
@@ -3048,7 +3144,7 @@
           <a:p>
             <a:fld id="{53326AB7-C146-8643-AC32-1D896C71A7F3}" type="datetimeFigureOut">
               <a:rPr lang="en-US" smtClean="0"/>
-              <a:t>11/2/18</a:t>
+              <a:t>11/9/18</a:t>
             </a:fld>
             <a:endParaRPr lang="en-US"/>
           </a:p>
@@ -3336,7 +3432,7 @@
           <a:p>
             <a:fld id="{53326AB7-C146-8643-AC32-1D896C71A7F3}" type="datetimeFigureOut">
               <a:rPr lang="en-US" smtClean="0"/>
-              <a:t>11/2/18</a:t>
+              <a:t>11/9/18</a:t>
             </a:fld>
             <a:endParaRPr lang="en-US"/>
           </a:p>
@@ -3577,7 +3673,7 @@
           <a:p>
             <a:fld id="{53326AB7-C146-8643-AC32-1D896C71A7F3}" type="datetimeFigureOut">
               <a:rPr lang="en-US" smtClean="0"/>
-              <a:t>11/2/18</a:t>
+              <a:t>11/9/18</a:t>
             </a:fld>
             <a:endParaRPr lang="en-US"/>
           </a:p>
@@ -4212,7 +4308,7 @@
           <p:cNvPr id="2" name="Title 1">
             <a:extLst>
               <a:ext uri="{FF2B5EF4-FFF2-40B4-BE49-F238E27FC236}">
-                <a16:creationId xmlns:a16="http://schemas.microsoft.com/office/drawing/2014/main" id="{7BF78CB2-617B-8E4F-BEFD-AB6E6284B9C9}"/>
+                <a16:creationId xmlns:a16="http://schemas.microsoft.com/office/drawing/2014/main" id="{F488CAE3-81DE-9843-8063-05AB1A135B50}"/>
               </a:ext>
             </a:extLst>
           </p:cNvPr>
@@ -4230,80 +4326,40 @@
           <a:p>
             <a:r>
               <a:rPr lang="en-US" dirty="0"/>
-              <a:t>Agents and their “World”</a:t>
-            </a:r>
-          </a:p>
-        </p:txBody>
-      </p:sp>
-      <p:pic>
-        <p:nvPicPr>
-          <p:cNvPr id="6" name="Content Placeholder 5">
-            <a:extLst>
-              <a:ext uri="{FF2B5EF4-FFF2-40B4-BE49-F238E27FC236}">
-                <a16:creationId xmlns:a16="http://schemas.microsoft.com/office/drawing/2014/main" id="{0069544A-2D06-4841-A23F-FD7482F060CC}"/>
-              </a:ext>
-            </a:extLst>
-          </p:cNvPr>
-          <p:cNvPicPr>
-            <a:picLocks noGrp="1" noChangeAspect="1"/>
-          </p:cNvPicPr>
+              <a:t>Advantages of Agent-based Modelling</a:t>
+            </a:r>
+          </a:p>
+        </p:txBody>
+      </p:sp>
+      <p:sp>
+        <p:nvSpPr>
+          <p:cNvPr id="3" name="Content Placeholder 2">
+            <a:extLst>
+              <a:ext uri="{FF2B5EF4-FFF2-40B4-BE49-F238E27FC236}">
+                <a16:creationId xmlns:a16="http://schemas.microsoft.com/office/drawing/2014/main" id="{021256C8-FD65-BE43-81AF-715A24F3D0D3}"/>
+              </a:ext>
+            </a:extLst>
+          </p:cNvPr>
+          <p:cNvSpPr>
+            <a:spLocks noGrp="1"/>
+          </p:cNvSpPr>
           <p:nvPr>
             <p:ph idx="1"/>
           </p:nvPr>
-        </p:nvPicPr>
-        <p:blipFill>
-          <a:blip r:embed="rId2"/>
-          <a:stretch>
-            <a:fillRect/>
-          </a:stretch>
-        </p:blipFill>
-        <p:spPr>
-          <a:xfrm>
-            <a:off x="1870635" y="1690688"/>
-            <a:ext cx="8450730" cy="4260056"/>
-          </a:xfrm>
-        </p:spPr>
-      </p:pic>
-      <p:sp>
-        <p:nvSpPr>
-          <p:cNvPr id="4" name="TextBox 3">
-            <a:extLst>
-              <a:ext uri="{FF2B5EF4-FFF2-40B4-BE49-F238E27FC236}">
-                <a16:creationId xmlns:a16="http://schemas.microsoft.com/office/drawing/2014/main" id="{CB104B41-3DAF-1846-8F55-92483110AACF}"/>
-              </a:ext>
-            </a:extLst>
-          </p:cNvPr>
-          <p:cNvSpPr txBox="1"/>
-          <p:nvPr/>
-        </p:nvSpPr>
-        <p:spPr>
-          <a:xfrm>
-            <a:off x="355601" y="6176963"/>
-            <a:ext cx="11700932" cy="646331"/>
-          </a:xfrm>
-          <a:prstGeom prst="rect">
-            <a:avLst/>
-          </a:prstGeom>
-          <a:noFill/>
-        </p:spPr>
-        <p:txBody>
-          <a:bodyPr wrap="square" rtlCol="0">
-            <a:spAutoFit/>
-          </a:bodyPr>
-          <a:lstStyle/>
-          <a:p>
-            <a:pPr algn="ctr"/>
-            <a:r>
-              <a:rPr lang="en-US" dirty="0"/>
-              <a:t>Figure 2.3: Conceptualization of an agent-based model where people are connected to each other and take actions when a specific condition is met.</a:t>
-            </a:r>
+        </p:nvSpPr>
+        <p:spPr/>
+        <p:txBody>
+          <a:bodyPr/>
+          <a:lstStyle/>
+          <a:p>
+            <a:endParaRPr lang="en-US"/>
           </a:p>
         </p:txBody>
       </p:sp>
     </p:spTree>
     <p:extLst>
       <p:ext uri="{BB962C8B-B14F-4D97-AF65-F5344CB8AC3E}">
-        <p14:creationId xmlns:p14="http://schemas.microsoft.com/office/powerpoint/2010/main" val="2423466223"/>
+        <p14:creationId xmlns:p14="http://schemas.microsoft.com/office/powerpoint/2010/main" val="3167949714"/>
       </p:ext>
     </p:extLst>
   </p:cSld>
@@ -4335,7 +4391,7 @@
           <p:cNvPr id="2" name="Title 1">
             <a:extLst>
               <a:ext uri="{FF2B5EF4-FFF2-40B4-BE49-F238E27FC236}">
-                <a16:creationId xmlns:a16="http://schemas.microsoft.com/office/drawing/2014/main" id="{F488CAE3-81DE-9843-8063-05AB1A135B50}"/>
+                <a16:creationId xmlns:a16="http://schemas.microsoft.com/office/drawing/2014/main" id="{4C4385FC-8FED-6248-9A09-80F40DB27791}"/>
               </a:ext>
             </a:extLst>
           </p:cNvPr>
@@ -4353,7 +4409,7 @@
           <a:p>
             <a:r>
               <a:rPr lang="en-US" dirty="0"/>
-              <a:t>Advantages of Agent-based Modelling</a:t>
+              <a:t>Limitations of Agent-based Modelling</a:t>
             </a:r>
           </a:p>
         </p:txBody>
@@ -4363,7 +4419,7 @@
           <p:cNvPr id="3" name="Content Placeholder 2">
             <a:extLst>
               <a:ext uri="{FF2B5EF4-FFF2-40B4-BE49-F238E27FC236}">
-                <a16:creationId xmlns:a16="http://schemas.microsoft.com/office/drawing/2014/main" id="{021256C8-FD65-BE43-81AF-715A24F3D0D3}"/>
+                <a16:creationId xmlns:a16="http://schemas.microsoft.com/office/drawing/2014/main" id="{23422465-9230-3944-9030-E2FDCB7C98B5}"/>
               </a:ext>
             </a:extLst>
           </p:cNvPr>
@@ -4386,7 +4442,7 @@
     </p:spTree>
     <p:extLst>
       <p:ext uri="{BB962C8B-B14F-4D97-AF65-F5344CB8AC3E}">
-        <p14:creationId xmlns:p14="http://schemas.microsoft.com/office/powerpoint/2010/main" val="3167949714"/>
+        <p14:creationId xmlns:p14="http://schemas.microsoft.com/office/powerpoint/2010/main" val="1790407625"/>
       </p:ext>
     </p:extLst>
   </p:cSld>
@@ -4418,7 +4474,7 @@
           <p:cNvPr id="2" name="Title 1">
             <a:extLst>
               <a:ext uri="{FF2B5EF4-FFF2-40B4-BE49-F238E27FC236}">
-                <a16:creationId xmlns:a16="http://schemas.microsoft.com/office/drawing/2014/main" id="{4C4385FC-8FED-6248-9A09-80F40DB27791}"/>
+                <a16:creationId xmlns:a16="http://schemas.microsoft.com/office/drawing/2014/main" id="{83A89292-F0EA-674B-934D-8B91BDDADA13}"/>
               </a:ext>
             </a:extLst>
           </p:cNvPr>
@@ -4436,7 +4492,7 @@
           <a:p>
             <a:r>
               <a:rPr lang="en-US" dirty="0"/>
-              <a:t>Limitations of Agent-based Modelling</a:t>
+              <a:t>A Gallery of Applications</a:t>
             </a:r>
           </a:p>
         </p:txBody>
@@ -4446,7 +4502,7 @@
           <p:cNvPr id="3" name="Content Placeholder 2">
             <a:extLst>
               <a:ext uri="{FF2B5EF4-FFF2-40B4-BE49-F238E27FC236}">
-                <a16:creationId xmlns:a16="http://schemas.microsoft.com/office/drawing/2014/main" id="{23422465-9230-3944-9030-E2FDCB7C98B5}"/>
+                <a16:creationId xmlns:a16="http://schemas.microsoft.com/office/drawing/2014/main" id="{141C2CA6-B509-814D-BFBB-1256AE7B9B77}"/>
               </a:ext>
             </a:extLst>
           </p:cNvPr>
@@ -4469,7 +4525,7 @@
     </p:spTree>
     <p:extLst>
       <p:ext uri="{BB962C8B-B14F-4D97-AF65-F5344CB8AC3E}">
-        <p14:creationId xmlns:p14="http://schemas.microsoft.com/office/powerpoint/2010/main" val="1790407625"/>
+        <p14:creationId xmlns:p14="http://schemas.microsoft.com/office/powerpoint/2010/main" val="476771834"/>
       </p:ext>
     </p:extLst>
   </p:cSld>
@@ -4501,7 +4557,7 @@
           <p:cNvPr id="2" name="Title 1">
             <a:extLst>
               <a:ext uri="{FF2B5EF4-FFF2-40B4-BE49-F238E27FC236}">
-                <a16:creationId xmlns:a16="http://schemas.microsoft.com/office/drawing/2014/main" id="{83A89292-F0EA-674B-934D-8B91BDDADA13}"/>
+                <a16:creationId xmlns:a16="http://schemas.microsoft.com/office/drawing/2014/main" id="{99C55108-75F7-1744-B46A-EF10435DFC01}"/>
               </a:ext>
             </a:extLst>
           </p:cNvPr>
@@ -4519,40 +4575,79 @@
           <a:p>
             <a:r>
               <a:rPr lang="en-US" dirty="0"/>
-              <a:t>A Gallery of Applications</a:t>
-            </a:r>
-          </a:p>
-        </p:txBody>
-      </p:sp>
-      <p:sp>
-        <p:nvSpPr>
-          <p:cNvPr id="3" name="Content Placeholder 2">
-            <a:extLst>
-              <a:ext uri="{FF2B5EF4-FFF2-40B4-BE49-F238E27FC236}">
-                <a16:creationId xmlns:a16="http://schemas.microsoft.com/office/drawing/2014/main" id="{141C2CA6-B509-814D-BFBB-1256AE7B9B77}"/>
-              </a:ext>
-            </a:extLst>
-          </p:cNvPr>
-          <p:cNvSpPr>
-            <a:spLocks noGrp="1"/>
-          </p:cNvSpPr>
+              <a:t>The Growth of Agent-based Modelling</a:t>
+            </a:r>
+          </a:p>
+        </p:txBody>
+      </p:sp>
+      <p:pic>
+        <p:nvPicPr>
+          <p:cNvPr id="6" name="Content Placeholder 5">
+            <a:extLst>
+              <a:ext uri="{FF2B5EF4-FFF2-40B4-BE49-F238E27FC236}">
+                <a16:creationId xmlns:a16="http://schemas.microsoft.com/office/drawing/2014/main" id="{43153F97-63FF-D645-A888-087547DA6CCC}"/>
+              </a:ext>
+            </a:extLst>
+          </p:cNvPr>
+          <p:cNvPicPr>
+            <a:picLocks noGrp="1" noChangeAspect="1"/>
+          </p:cNvPicPr>
           <p:nvPr>
             <p:ph idx="1"/>
           </p:nvPr>
-        </p:nvSpPr>
-        <p:spPr/>
-        <p:txBody>
-          <a:bodyPr/>
-          <a:lstStyle/>
-          <a:p>
-            <a:endParaRPr lang="en-US"/>
+        </p:nvPicPr>
+        <p:blipFill>
+          <a:blip r:embed="rId2"/>
+          <a:stretch>
+            <a:fillRect/>
+          </a:stretch>
+        </p:blipFill>
+        <p:spPr>
+          <a:xfrm>
+            <a:off x="2559296" y="1825625"/>
+            <a:ext cx="7073407" cy="4351338"/>
+          </a:xfrm>
+        </p:spPr>
+      </p:pic>
+      <p:sp>
+        <p:nvSpPr>
+          <p:cNvPr id="4" name="TextBox 3">
+            <a:extLst>
+              <a:ext uri="{FF2B5EF4-FFF2-40B4-BE49-F238E27FC236}">
+                <a16:creationId xmlns:a16="http://schemas.microsoft.com/office/drawing/2014/main" id="{992EB7C0-3A32-1748-965F-A1D60B74163E}"/>
+              </a:ext>
+            </a:extLst>
+          </p:cNvPr>
+          <p:cNvSpPr txBox="1"/>
+          <p:nvPr/>
+        </p:nvSpPr>
+        <p:spPr>
+          <a:xfrm>
+            <a:off x="960235" y="6311900"/>
+            <a:ext cx="10271530" cy="369332"/>
+          </a:xfrm>
+          <a:prstGeom prst="rect">
+            <a:avLst/>
+          </a:prstGeom>
+          <a:noFill/>
+        </p:spPr>
+        <p:txBody>
+          <a:bodyPr wrap="none" rtlCol="0">
+            <a:spAutoFit/>
+          </a:bodyPr>
+          <a:lstStyle/>
+          <a:p>
+            <a:r>
+              <a:rPr lang="en-US" dirty="0"/>
+              <a:t>Figure 2.4: The growth in agent-based modelling: from search results of Web of Science and Google Scholar.</a:t>
+            </a:r>
           </a:p>
         </p:txBody>
       </p:sp>
     </p:spTree>
     <p:extLst>
       <p:ext uri="{BB962C8B-B14F-4D97-AF65-F5344CB8AC3E}">
-        <p14:creationId xmlns:p14="http://schemas.microsoft.com/office/powerpoint/2010/main" val="476771834"/>
+        <p14:creationId xmlns:p14="http://schemas.microsoft.com/office/powerpoint/2010/main" val="67791325"/>
       </p:ext>
     </p:extLst>
   </p:cSld>
@@ -4584,7 +4679,7 @@
           <p:cNvPr id="2" name="Title 1">
             <a:extLst>
               <a:ext uri="{FF2B5EF4-FFF2-40B4-BE49-F238E27FC236}">
-                <a16:creationId xmlns:a16="http://schemas.microsoft.com/office/drawing/2014/main" id="{99C55108-75F7-1744-B46A-EF10435DFC01}"/>
+                <a16:creationId xmlns:a16="http://schemas.microsoft.com/office/drawing/2014/main" id="{26AB9287-6BC2-7A4F-AD9B-FCBA3496766D}"/>
               </a:ext>
             </a:extLst>
           </p:cNvPr>
@@ -4602,79 +4697,40 @@
           <a:p>
             <a:r>
               <a:rPr lang="en-US" dirty="0"/>
-              <a:t>The Growth of Agent-based Modelling</a:t>
-            </a:r>
-          </a:p>
-        </p:txBody>
-      </p:sp>
-      <p:pic>
-        <p:nvPicPr>
-          <p:cNvPr id="6" name="Content Placeholder 5">
-            <a:extLst>
-              <a:ext uri="{FF2B5EF4-FFF2-40B4-BE49-F238E27FC236}">
-                <a16:creationId xmlns:a16="http://schemas.microsoft.com/office/drawing/2014/main" id="{43153F97-63FF-D645-A888-087547DA6CCC}"/>
-              </a:ext>
-            </a:extLst>
-          </p:cNvPr>
-          <p:cNvPicPr>
-            <a:picLocks noGrp="1" noChangeAspect="1"/>
-          </p:cNvPicPr>
+              <a:t>Segregation</a:t>
+            </a:r>
+          </a:p>
+        </p:txBody>
+      </p:sp>
+      <p:sp>
+        <p:nvSpPr>
+          <p:cNvPr id="3" name="Content Placeholder 2">
+            <a:extLst>
+              <a:ext uri="{FF2B5EF4-FFF2-40B4-BE49-F238E27FC236}">
+                <a16:creationId xmlns:a16="http://schemas.microsoft.com/office/drawing/2014/main" id="{2F1CB522-6FD0-2B4E-AD9F-06A716E10580}"/>
+              </a:ext>
+            </a:extLst>
+          </p:cNvPr>
+          <p:cNvSpPr>
+            <a:spLocks noGrp="1"/>
+          </p:cNvSpPr>
           <p:nvPr>
             <p:ph idx="1"/>
           </p:nvPr>
-        </p:nvPicPr>
-        <p:blipFill>
-          <a:blip r:embed="rId2"/>
-          <a:stretch>
-            <a:fillRect/>
-          </a:stretch>
-        </p:blipFill>
-        <p:spPr>
-          <a:xfrm>
-            <a:off x="2559296" y="1825625"/>
-            <a:ext cx="7073407" cy="4351338"/>
-          </a:xfrm>
-        </p:spPr>
-      </p:pic>
-      <p:sp>
-        <p:nvSpPr>
-          <p:cNvPr id="4" name="TextBox 3">
-            <a:extLst>
-              <a:ext uri="{FF2B5EF4-FFF2-40B4-BE49-F238E27FC236}">
-                <a16:creationId xmlns:a16="http://schemas.microsoft.com/office/drawing/2014/main" id="{992EB7C0-3A32-1748-965F-A1D60B74163E}"/>
-              </a:ext>
-            </a:extLst>
-          </p:cNvPr>
-          <p:cNvSpPr txBox="1"/>
-          <p:nvPr/>
-        </p:nvSpPr>
-        <p:spPr>
-          <a:xfrm>
-            <a:off x="960235" y="6311900"/>
-            <a:ext cx="10271530" cy="369332"/>
-          </a:xfrm>
-          <a:prstGeom prst="rect">
-            <a:avLst/>
-          </a:prstGeom>
-          <a:noFill/>
-        </p:spPr>
-        <p:txBody>
-          <a:bodyPr wrap="none" rtlCol="0">
-            <a:spAutoFit/>
-          </a:bodyPr>
-          <a:lstStyle/>
-          <a:p>
-            <a:r>
-              <a:rPr lang="en-US" dirty="0"/>
-              <a:t>Figure 2.4: The growth in agent-based modelling: from search results of Web of Science and Google Scholar.</a:t>
-            </a:r>
+        </p:nvSpPr>
+        <p:spPr/>
+        <p:txBody>
+          <a:bodyPr/>
+          <a:lstStyle/>
+          <a:p>
+            <a:endParaRPr lang="en-US"/>
           </a:p>
         </p:txBody>
       </p:sp>
     </p:spTree>
     <p:extLst>
       <p:ext uri="{BB962C8B-B14F-4D97-AF65-F5344CB8AC3E}">
-        <p14:creationId xmlns:p14="http://schemas.microsoft.com/office/powerpoint/2010/main" val="67791325"/>
+        <p14:creationId xmlns:p14="http://schemas.microsoft.com/office/powerpoint/2010/main" val="798806760"/>
       </p:ext>
     </p:extLst>
   </p:cSld>
@@ -4706,7 +4762,7 @@
           <p:cNvPr id="2" name="Title 1">
             <a:extLst>
               <a:ext uri="{FF2B5EF4-FFF2-40B4-BE49-F238E27FC236}">
-                <a16:creationId xmlns:a16="http://schemas.microsoft.com/office/drawing/2014/main" id="{26AB9287-6BC2-7A4F-AD9B-FCBA3496766D}"/>
+                <a16:creationId xmlns:a16="http://schemas.microsoft.com/office/drawing/2014/main" id="{A889F0DF-8D35-304A-9CE6-CB53CF96CED0}"/>
               </a:ext>
             </a:extLst>
           </p:cNvPr>
@@ -4724,40 +4780,79 @@
           <a:p>
             <a:r>
               <a:rPr lang="en-US" dirty="0"/>
-              <a:t>Segregation</a:t>
-            </a:r>
-          </a:p>
-        </p:txBody>
-      </p:sp>
-      <p:sp>
-        <p:nvSpPr>
-          <p:cNvPr id="3" name="Content Placeholder 2">
-            <a:extLst>
-              <a:ext uri="{FF2B5EF4-FFF2-40B4-BE49-F238E27FC236}">
-                <a16:creationId xmlns:a16="http://schemas.microsoft.com/office/drawing/2014/main" id="{2F1CB522-6FD0-2B4E-AD9F-06A716E10580}"/>
-              </a:ext>
-            </a:extLst>
-          </p:cNvPr>
-          <p:cNvSpPr>
-            <a:spLocks noGrp="1"/>
-          </p:cNvSpPr>
+              <a:t>Progression of Segregation over Time</a:t>
+            </a:r>
+          </a:p>
+        </p:txBody>
+      </p:sp>
+      <p:pic>
+        <p:nvPicPr>
+          <p:cNvPr id="6" name="Content Placeholder 5">
+            <a:extLst>
+              <a:ext uri="{FF2B5EF4-FFF2-40B4-BE49-F238E27FC236}">
+                <a16:creationId xmlns:a16="http://schemas.microsoft.com/office/drawing/2014/main" id="{F11EBDB9-1036-1B4B-AC92-A2672CF68D29}"/>
+              </a:ext>
+            </a:extLst>
+          </p:cNvPr>
+          <p:cNvPicPr>
+            <a:picLocks noGrp="1" noChangeAspect="1"/>
+          </p:cNvPicPr>
           <p:nvPr>
             <p:ph idx="1"/>
           </p:nvPr>
-        </p:nvSpPr>
-        <p:spPr/>
-        <p:txBody>
-          <a:bodyPr/>
-          <a:lstStyle/>
-          <a:p>
-            <a:endParaRPr lang="en-US"/>
+        </p:nvPicPr>
+        <p:blipFill>
+          <a:blip r:embed="rId2"/>
+          <a:stretch>
+            <a:fillRect/>
+          </a:stretch>
+        </p:blipFill>
+        <p:spPr>
+          <a:xfrm>
+            <a:off x="3278984" y="1825625"/>
+            <a:ext cx="5634031" cy="4351338"/>
+          </a:xfrm>
+        </p:spPr>
+      </p:pic>
+      <p:sp>
+        <p:nvSpPr>
+          <p:cNvPr id="4" name="TextBox 3">
+            <a:extLst>
+              <a:ext uri="{FF2B5EF4-FFF2-40B4-BE49-F238E27FC236}">
+                <a16:creationId xmlns:a16="http://schemas.microsoft.com/office/drawing/2014/main" id="{39662ABE-3B2F-0A48-8134-90FBA32CC383}"/>
+              </a:ext>
+            </a:extLst>
+          </p:cNvPr>
+          <p:cNvSpPr txBox="1"/>
+          <p:nvPr/>
+        </p:nvSpPr>
+        <p:spPr>
+          <a:xfrm>
+            <a:off x="208074" y="6311900"/>
+            <a:ext cx="11775852" cy="369332"/>
+          </a:xfrm>
+          <a:prstGeom prst="rect">
+            <a:avLst/>
+          </a:prstGeom>
+          <a:noFill/>
+        </p:spPr>
+        <p:txBody>
+          <a:bodyPr wrap="none" rtlCol="0">
+            <a:spAutoFit/>
+          </a:bodyPr>
+          <a:lstStyle/>
+          <a:p>
+            <a:r>
+              <a:rPr lang="en-US" dirty="0"/>
+              <a:t>Figure 2.5: Progression of segregation over time: Agents what to live in a neighborhood where 40% are of the same color.</a:t>
+            </a:r>
           </a:p>
         </p:txBody>
       </p:sp>
     </p:spTree>
     <p:extLst>
       <p:ext uri="{BB962C8B-B14F-4D97-AF65-F5344CB8AC3E}">
-        <p14:creationId xmlns:p14="http://schemas.microsoft.com/office/powerpoint/2010/main" val="798806760"/>
+        <p14:creationId xmlns:p14="http://schemas.microsoft.com/office/powerpoint/2010/main" val="837646568"/>
       </p:ext>
     </p:extLst>
   </p:cSld>
@@ -4789,7 +4884,7 @@
           <p:cNvPr id="2" name="Title 1">
             <a:extLst>
               <a:ext uri="{FF2B5EF4-FFF2-40B4-BE49-F238E27FC236}">
-                <a16:creationId xmlns:a16="http://schemas.microsoft.com/office/drawing/2014/main" id="{A889F0DF-8D35-304A-9CE6-CB53CF96CED0}"/>
+                <a16:creationId xmlns:a16="http://schemas.microsoft.com/office/drawing/2014/main" id="{63BA2DF3-3B63-884A-BB2F-CA778CA029B4}"/>
               </a:ext>
             </a:extLst>
           </p:cNvPr>
@@ -4807,7 +4902,7 @@
           <a:p>
             <a:r>
               <a:rPr lang="en-US" dirty="0"/>
-              <a:t>Progression of Segregation over Time</a:t>
+              <a:t>Changing Agents Preferences</a:t>
             </a:r>
           </a:p>
         </p:txBody>
@@ -4817,7 +4912,7 @@
           <p:cNvPr id="6" name="Content Placeholder 5">
             <a:extLst>
               <a:ext uri="{FF2B5EF4-FFF2-40B4-BE49-F238E27FC236}">
-                <a16:creationId xmlns:a16="http://schemas.microsoft.com/office/drawing/2014/main" id="{F11EBDB9-1036-1B4B-AC92-A2672CF68D29}"/>
+                <a16:creationId xmlns:a16="http://schemas.microsoft.com/office/drawing/2014/main" id="{47507FBA-C11C-5443-81F7-0914F5F6768C}"/>
               </a:ext>
             </a:extLst>
           </p:cNvPr>
@@ -4836,8 +4931,8 @@
         </p:blipFill>
         <p:spPr>
           <a:xfrm>
-            <a:off x="3278984" y="1825625"/>
-            <a:ext cx="5634031" cy="4351338"/>
+            <a:off x="3409715" y="1825625"/>
+            <a:ext cx="5372570" cy="4351338"/>
           </a:xfrm>
         </p:spPr>
       </p:pic>
@@ -4846,7 +4941,7 @@
           <p:cNvPr id="4" name="TextBox 3">
             <a:extLst>
               <a:ext uri="{FF2B5EF4-FFF2-40B4-BE49-F238E27FC236}">
-                <a16:creationId xmlns:a16="http://schemas.microsoft.com/office/drawing/2014/main" id="{39662ABE-3B2F-0A48-8134-90FBA32CC383}"/>
+                <a16:creationId xmlns:a16="http://schemas.microsoft.com/office/drawing/2014/main" id="{92ABF02A-14CF-3848-89C0-F901A481D168}"/>
               </a:ext>
             </a:extLst>
           </p:cNvPr>
@@ -4855,8 +4950,8 @@
         </p:nvSpPr>
         <p:spPr>
           <a:xfrm>
-            <a:off x="208074" y="6311900"/>
-            <a:ext cx="11775852" cy="369332"/>
+            <a:off x="1106907" y="6211669"/>
+            <a:ext cx="8903368" cy="646331"/>
           </a:xfrm>
           <a:prstGeom prst="rect">
             <a:avLst/>
@@ -4864,14 +4959,15 @@
           <a:noFill/>
         </p:spPr>
         <p:txBody>
-          <a:bodyPr wrap="none" rtlCol="0">
+          <a:bodyPr wrap="square" rtlCol="0">
             <a:spAutoFit/>
           </a:bodyPr>
           <a:lstStyle/>
           <a:p>
+            <a:pPr algn="ctr"/>
             <a:r>
               <a:rPr lang="en-US" dirty="0"/>
-              <a:t>Figure 2.5: Progression of segregation over time: Agents what to live in a neighborhood where 40% are of the same color.</a:t>
+              <a:t>Figure 2.6: Examples of how changing agents neighborhood preference levels leads to different patterns of segregation emerging.</a:t>
             </a:r>
           </a:p>
         </p:txBody>
@@ -4879,7 +4975,7 @@
     </p:spTree>
     <p:extLst>
       <p:ext uri="{BB962C8B-B14F-4D97-AF65-F5344CB8AC3E}">
-        <p14:creationId xmlns:p14="http://schemas.microsoft.com/office/powerpoint/2010/main" val="837646568"/>
+        <p14:creationId xmlns:p14="http://schemas.microsoft.com/office/powerpoint/2010/main" val="1356889704"/>
       </p:ext>
     </p:extLst>
   </p:cSld>
@@ -4911,7 +5007,7 @@
           <p:cNvPr id="2" name="Title 1">
             <a:extLst>
               <a:ext uri="{FF2B5EF4-FFF2-40B4-BE49-F238E27FC236}">
-                <a16:creationId xmlns:a16="http://schemas.microsoft.com/office/drawing/2014/main" id="{63BA2DF3-3B63-884A-BB2F-CA778CA029B4}"/>
+                <a16:creationId xmlns:a16="http://schemas.microsoft.com/office/drawing/2014/main" id="{0CD820FF-0FDD-D64C-8777-0A78CE427451}"/>
               </a:ext>
             </a:extLst>
           </p:cNvPr>
@@ -4929,72 +5025,35 @@
           <a:p>
             <a:r>
               <a:rPr lang="en-US" dirty="0"/>
-              <a:t>Changing Agents Preferences</a:t>
-            </a:r>
-          </a:p>
-        </p:txBody>
-      </p:sp>
-      <p:pic>
-        <p:nvPicPr>
-          <p:cNvPr id="6" name="Content Placeholder 5">
-            <a:extLst>
-              <a:ext uri="{FF2B5EF4-FFF2-40B4-BE49-F238E27FC236}">
-                <a16:creationId xmlns:a16="http://schemas.microsoft.com/office/drawing/2014/main" id="{47507FBA-C11C-5443-81F7-0914F5F6768C}"/>
-              </a:ext>
-            </a:extLst>
-          </p:cNvPr>
-          <p:cNvPicPr>
-            <a:picLocks noGrp="1" noChangeAspect="1"/>
-          </p:cNvPicPr>
+              <a:t>From Abstract to Real World Applications</a:t>
+            </a:r>
+          </a:p>
+        </p:txBody>
+      </p:sp>
+      <p:sp>
+        <p:nvSpPr>
+          <p:cNvPr id="3" name="Content Placeholder 2">
+            <a:extLst>
+              <a:ext uri="{FF2B5EF4-FFF2-40B4-BE49-F238E27FC236}">
+                <a16:creationId xmlns:a16="http://schemas.microsoft.com/office/drawing/2014/main" id="{80524749-BB6D-EA44-B7B1-C3E0553C5575}"/>
+              </a:ext>
+            </a:extLst>
+          </p:cNvPr>
+          <p:cNvSpPr>
+            <a:spLocks noGrp="1"/>
+          </p:cNvSpPr>
           <p:nvPr>
             <p:ph idx="1"/>
           </p:nvPr>
-        </p:nvPicPr>
-        <p:blipFill>
-          <a:blip r:embed="rId2"/>
-          <a:stretch>
-            <a:fillRect/>
-          </a:stretch>
-        </p:blipFill>
-        <p:spPr>
-          <a:xfrm>
-            <a:off x="3409715" y="1825625"/>
-            <a:ext cx="5372570" cy="4351338"/>
-          </a:xfrm>
-        </p:spPr>
-      </p:pic>
-      <p:sp>
-        <p:nvSpPr>
-          <p:cNvPr id="4" name="TextBox 3">
-            <a:extLst>
-              <a:ext uri="{FF2B5EF4-FFF2-40B4-BE49-F238E27FC236}">
-                <a16:creationId xmlns:a16="http://schemas.microsoft.com/office/drawing/2014/main" id="{92ABF02A-14CF-3848-89C0-F901A481D168}"/>
-              </a:ext>
-            </a:extLst>
-          </p:cNvPr>
-          <p:cNvSpPr txBox="1"/>
-          <p:nvPr/>
-        </p:nvSpPr>
-        <p:spPr>
-          <a:xfrm>
-            <a:off x="1106907" y="6211669"/>
-            <a:ext cx="8903368" cy="646331"/>
-          </a:xfrm>
-          <a:prstGeom prst="rect">
-            <a:avLst/>
-          </a:prstGeom>
-          <a:noFill/>
-        </p:spPr>
-        <p:txBody>
-          <a:bodyPr wrap="square" rtlCol="0">
-            <a:spAutoFit/>
-          </a:bodyPr>
-          <a:lstStyle/>
-          <a:p>
-            <a:pPr algn="ctr"/>
+        </p:nvSpPr>
+        <p:spPr/>
+        <p:txBody>
+          <a:bodyPr/>
+          <a:lstStyle/>
+          <a:p>
             <a:r>
               <a:rPr lang="en-US" dirty="0"/>
-              <a:t>Figure 2.6: Examples of how changing agents neighborhood preference levels leads to different patterns of segregation emerging.</a:t>
+              <a:t>Add details about Benenson et al., 2002</a:t>
             </a:r>
           </a:p>
         </p:txBody>
@@ -5002,7 +5061,7 @@
     </p:spTree>
     <p:extLst>
       <p:ext uri="{BB962C8B-B14F-4D97-AF65-F5344CB8AC3E}">
-        <p14:creationId xmlns:p14="http://schemas.microsoft.com/office/powerpoint/2010/main" val="1356889704"/>
+        <p14:creationId xmlns:p14="http://schemas.microsoft.com/office/powerpoint/2010/main" val="609281238"/>
       </p:ext>
     </p:extLst>
   </p:cSld>
@@ -5034,7 +5093,7 @@
           <p:cNvPr id="2" name="Title 1">
             <a:extLst>
               <a:ext uri="{FF2B5EF4-FFF2-40B4-BE49-F238E27FC236}">
-                <a16:creationId xmlns:a16="http://schemas.microsoft.com/office/drawing/2014/main" id="{0CD820FF-0FDD-D64C-8777-0A78CE427451}"/>
+                <a16:creationId xmlns:a16="http://schemas.microsoft.com/office/drawing/2014/main" id="{31A55A65-77EE-314A-988D-BD27EE46259C}"/>
               </a:ext>
             </a:extLst>
           </p:cNvPr>
@@ -5051,9 +5110,10 @@
           <a:lstStyle/>
           <a:p>
             <a:r>
-              <a:rPr lang="en-US" dirty="0"/>
-              <a:t>From Abstract to Real World Applications</a:t>
-            </a:r>
+              <a:rPr lang="en-US" dirty="0" err="1"/>
+              <a:t>SugarScape</a:t>
+            </a:r>
+            <a:endParaRPr lang="en-US" dirty="0"/>
           </a:p>
         </p:txBody>
       </p:sp>
@@ -5062,7 +5122,7 @@
           <p:cNvPr id="3" name="Content Placeholder 2">
             <a:extLst>
               <a:ext uri="{FF2B5EF4-FFF2-40B4-BE49-F238E27FC236}">
-                <a16:creationId xmlns:a16="http://schemas.microsoft.com/office/drawing/2014/main" id="{80524749-BB6D-EA44-B7B1-C3E0553C5575}"/>
+                <a16:creationId xmlns:a16="http://schemas.microsoft.com/office/drawing/2014/main" id="{67117C4E-5DC8-FE45-A851-254FD018D820}"/>
               </a:ext>
             </a:extLst>
           </p:cNvPr>
@@ -5078,17 +5138,14 @@
           <a:bodyPr/>
           <a:lstStyle/>
           <a:p>
-            <a:r>
-              <a:rPr lang="en-US" dirty="0"/>
-              <a:t>Add details about Benenson et al., 2002</a:t>
-            </a:r>
+            <a:endParaRPr lang="en-US"/>
           </a:p>
         </p:txBody>
       </p:sp>
     </p:spTree>
     <p:extLst>
       <p:ext uri="{BB962C8B-B14F-4D97-AF65-F5344CB8AC3E}">
-        <p14:creationId xmlns:p14="http://schemas.microsoft.com/office/powerpoint/2010/main" val="609281238"/>
+        <p14:creationId xmlns:p14="http://schemas.microsoft.com/office/powerpoint/2010/main" val="4102026555"/>
       </p:ext>
     </p:extLst>
   </p:cSld>
@@ -5120,7 +5177,7 @@
           <p:cNvPr id="2" name="Title 1">
             <a:extLst>
               <a:ext uri="{FF2B5EF4-FFF2-40B4-BE49-F238E27FC236}">
-                <a16:creationId xmlns:a16="http://schemas.microsoft.com/office/drawing/2014/main" id="{31A55A65-77EE-314A-988D-BD27EE46259C}"/>
+                <a16:creationId xmlns:a16="http://schemas.microsoft.com/office/drawing/2014/main" id="{B8A910FC-E8B9-6048-B71F-459477CD4474}"/>
               </a:ext>
             </a:extLst>
           </p:cNvPr>
@@ -5137,42 +5194,96 @@
           <a:lstStyle/>
           <a:p>
             <a:r>
+              <a:rPr lang="en-US" dirty="0"/>
+              <a:t>Graphical User Interface of </a:t>
+            </a:r>
+            <a:r>
               <a:rPr lang="en-US" dirty="0" err="1"/>
-              <a:t>SugarScape</a:t>
-            </a:r>
-            <a:endParaRPr lang="en-US" dirty="0"/>
-          </a:p>
-        </p:txBody>
-      </p:sp>
-      <p:sp>
-        <p:nvSpPr>
-          <p:cNvPr id="3" name="Content Placeholder 2">
-            <a:extLst>
-              <a:ext uri="{FF2B5EF4-FFF2-40B4-BE49-F238E27FC236}">
-                <a16:creationId xmlns:a16="http://schemas.microsoft.com/office/drawing/2014/main" id="{67117C4E-5DC8-FE45-A851-254FD018D820}"/>
-              </a:ext>
-            </a:extLst>
-          </p:cNvPr>
-          <p:cNvSpPr>
-            <a:spLocks noGrp="1"/>
-          </p:cNvSpPr>
+              <a:t>Sugarscape</a:t>
+            </a:r>
+            <a:r>
+              <a:rPr lang="en-US" dirty="0"/>
+              <a:t> Model</a:t>
+            </a:r>
+          </a:p>
+        </p:txBody>
+      </p:sp>
+      <p:pic>
+        <p:nvPicPr>
+          <p:cNvPr id="6" name="Content Placeholder 5">
+            <a:extLst>
+              <a:ext uri="{FF2B5EF4-FFF2-40B4-BE49-F238E27FC236}">
+                <a16:creationId xmlns:a16="http://schemas.microsoft.com/office/drawing/2014/main" id="{A94EFD67-B5B4-4A42-A5F6-B8E536A707FB}"/>
+              </a:ext>
+            </a:extLst>
+          </p:cNvPr>
+          <p:cNvPicPr>
+            <a:picLocks noGrp="1" noChangeAspect="1"/>
+          </p:cNvPicPr>
           <p:nvPr>
             <p:ph idx="1"/>
           </p:nvPr>
-        </p:nvSpPr>
-        <p:spPr/>
-        <p:txBody>
-          <a:bodyPr/>
-          <a:lstStyle/>
-          <a:p>
-            <a:endParaRPr lang="en-US"/>
+        </p:nvPicPr>
+        <p:blipFill>
+          <a:blip r:embed="rId2"/>
+          <a:stretch>
+            <a:fillRect/>
+          </a:stretch>
+        </p:blipFill>
+        <p:spPr>
+          <a:xfrm>
+            <a:off x="4053036" y="1825625"/>
+            <a:ext cx="4085927" cy="4351338"/>
+          </a:xfrm>
+        </p:spPr>
+      </p:pic>
+      <p:sp>
+        <p:nvSpPr>
+          <p:cNvPr id="4" name="TextBox 3">
+            <a:extLst>
+              <a:ext uri="{FF2B5EF4-FFF2-40B4-BE49-F238E27FC236}">
+                <a16:creationId xmlns:a16="http://schemas.microsoft.com/office/drawing/2014/main" id="{CA27FCC5-4E6F-C24A-A712-957366401124}"/>
+              </a:ext>
+            </a:extLst>
+          </p:cNvPr>
+          <p:cNvSpPr txBox="1"/>
+          <p:nvPr/>
+        </p:nvSpPr>
+        <p:spPr>
+          <a:xfrm>
+            <a:off x="2200959" y="6311900"/>
+            <a:ext cx="7790081" cy="369332"/>
+          </a:xfrm>
+          <a:prstGeom prst="rect">
+            <a:avLst/>
+          </a:prstGeom>
+          <a:noFill/>
+        </p:spPr>
+        <p:txBody>
+          <a:bodyPr wrap="none" rtlCol="0">
+            <a:spAutoFit/>
+          </a:bodyPr>
+          <a:lstStyle/>
+          <a:p>
+            <a:r>
+              <a:rPr lang="en-US" dirty="0"/>
+              <a:t>Figure 2.7: </a:t>
+            </a:r>
+            <a:r>
+              <a:rPr lang="en-US" dirty="0" err="1"/>
+              <a:t>Sugarscape</a:t>
+            </a:r>
+            <a:r>
+              <a:rPr lang="en-US" dirty="0"/>
+              <a:t> wealth distribution model (Source: Li and Wilensky, 2009).</a:t>
+            </a:r>
           </a:p>
         </p:txBody>
       </p:sp>
     </p:spTree>
     <p:extLst>
       <p:ext uri="{BB962C8B-B14F-4D97-AF65-F5344CB8AC3E}">
-        <p14:creationId xmlns:p14="http://schemas.microsoft.com/office/powerpoint/2010/main" val="4102026555"/>
+        <p14:creationId xmlns:p14="http://schemas.microsoft.com/office/powerpoint/2010/main" val="4220676483"/>
       </p:ext>
     </p:extLst>
   </p:cSld>
@@ -5245,10 +5356,49 @@
         </p:nvSpPr>
         <p:spPr/>
         <p:txBody>
-          <a:bodyPr/>
-          <a:lstStyle/>
-          <a:p>
-            <a:endParaRPr lang="en-US"/>
+          <a:bodyPr>
+            <a:normAutofit lnSpcReduction="10000"/>
+          </a:bodyPr>
+          <a:lstStyle/>
+          <a:p>
+            <a:r>
+              <a:rPr lang="en-US" dirty="0"/>
+              <a:t>The overarching aim of this chapter is to give the reader an understanding of what an agent-based model is.</a:t>
+            </a:r>
+          </a:p>
+          <a:p>
+            <a:r>
+              <a:rPr lang="en-US" dirty="0"/>
+              <a:t>Set the scene for the following chapters which go into more details about agent-based modeling. </a:t>
+            </a:r>
+          </a:p>
+          <a:p>
+            <a:r>
+              <a:rPr lang="en-US" dirty="0"/>
+              <a:t>Introduce key concepts behind agent-based models</a:t>
+            </a:r>
+          </a:p>
+          <a:p>
+            <a:pPr lvl="1"/>
+            <a:r>
+              <a:rPr lang="en-US" dirty="0"/>
+              <a:t>E.g., What is an agent, and what are rules? </a:t>
+            </a:r>
+          </a:p>
+          <a:p>
+            <a:r>
+              <a:rPr lang="en-US" dirty="0"/>
+              <a:t>Outline the main advantages and disadvantages for simulating spatial systems.</a:t>
+            </a:r>
+          </a:p>
+          <a:p>
+            <a:r>
+              <a:rPr lang="en-US" dirty="0"/>
+              <a:t>Demonstrate how agent-based models can be successfully applied to a range applications.</a:t>
+            </a:r>
+          </a:p>
+          <a:p>
+            <a:endParaRPr lang="en-US" dirty="0"/>
           </a:p>
         </p:txBody>
       </p:sp>
@@ -5287,7 +5437,7 @@
           <p:cNvPr id="2" name="Title 1">
             <a:extLst>
               <a:ext uri="{FF2B5EF4-FFF2-40B4-BE49-F238E27FC236}">
-                <a16:creationId xmlns:a16="http://schemas.microsoft.com/office/drawing/2014/main" id="{B8A910FC-E8B9-6048-B71F-459477CD4474}"/>
+                <a16:creationId xmlns:a16="http://schemas.microsoft.com/office/drawing/2014/main" id="{3A97B3A5-E9D5-A049-B68F-9A111217A8D4}"/>
               </a:ext>
             </a:extLst>
           </p:cNvPr>
@@ -5305,95 +5455,40 @@
           <a:p>
             <a:r>
               <a:rPr lang="en-US" dirty="0"/>
-              <a:t>Graphical User Interface of </a:t>
-            </a:r>
-            <a:r>
-              <a:rPr lang="en-US" dirty="0" err="1"/>
-              <a:t>Sugarscape</a:t>
-            </a:r>
-            <a:r>
-              <a:rPr lang="en-US" dirty="0"/>
-              <a:t> Model</a:t>
-            </a:r>
-          </a:p>
-        </p:txBody>
-      </p:sp>
-      <p:pic>
-        <p:nvPicPr>
-          <p:cNvPr id="6" name="Content Placeholder 5">
-            <a:extLst>
-              <a:ext uri="{FF2B5EF4-FFF2-40B4-BE49-F238E27FC236}">
-                <a16:creationId xmlns:a16="http://schemas.microsoft.com/office/drawing/2014/main" id="{A94EFD67-B5B4-4A42-A5F6-B8E536A707FB}"/>
-              </a:ext>
-            </a:extLst>
-          </p:cNvPr>
-          <p:cNvPicPr>
-            <a:picLocks noGrp="1" noChangeAspect="1"/>
-          </p:cNvPicPr>
+              <a:t>Transportation Modelling</a:t>
+            </a:r>
+          </a:p>
+        </p:txBody>
+      </p:sp>
+      <p:sp>
+        <p:nvSpPr>
+          <p:cNvPr id="3" name="Content Placeholder 2">
+            <a:extLst>
+              <a:ext uri="{FF2B5EF4-FFF2-40B4-BE49-F238E27FC236}">
+                <a16:creationId xmlns:a16="http://schemas.microsoft.com/office/drawing/2014/main" id="{8EC80CAB-8526-BC45-AFA4-9FE54313FE0E}"/>
+              </a:ext>
+            </a:extLst>
+          </p:cNvPr>
+          <p:cNvSpPr>
+            <a:spLocks noGrp="1"/>
+          </p:cNvSpPr>
           <p:nvPr>
             <p:ph idx="1"/>
           </p:nvPr>
-        </p:nvPicPr>
-        <p:blipFill>
-          <a:blip r:embed="rId2"/>
-          <a:stretch>
-            <a:fillRect/>
-          </a:stretch>
-        </p:blipFill>
-        <p:spPr>
-          <a:xfrm>
-            <a:off x="4053036" y="1825625"/>
-            <a:ext cx="4085927" cy="4351338"/>
-          </a:xfrm>
-        </p:spPr>
-      </p:pic>
-      <p:sp>
-        <p:nvSpPr>
-          <p:cNvPr id="4" name="TextBox 3">
-            <a:extLst>
-              <a:ext uri="{FF2B5EF4-FFF2-40B4-BE49-F238E27FC236}">
-                <a16:creationId xmlns:a16="http://schemas.microsoft.com/office/drawing/2014/main" id="{CA27FCC5-4E6F-C24A-A712-957366401124}"/>
-              </a:ext>
-            </a:extLst>
-          </p:cNvPr>
-          <p:cNvSpPr txBox="1"/>
-          <p:nvPr/>
-        </p:nvSpPr>
-        <p:spPr>
-          <a:xfrm>
-            <a:off x="2200959" y="6311900"/>
-            <a:ext cx="7790081" cy="369332"/>
-          </a:xfrm>
-          <a:prstGeom prst="rect">
-            <a:avLst/>
-          </a:prstGeom>
-          <a:noFill/>
-        </p:spPr>
-        <p:txBody>
-          <a:bodyPr wrap="none" rtlCol="0">
-            <a:spAutoFit/>
-          </a:bodyPr>
-          <a:lstStyle/>
-          <a:p>
-            <a:r>
-              <a:rPr lang="en-US" dirty="0"/>
-              <a:t>Figure 2.7: </a:t>
-            </a:r>
-            <a:r>
-              <a:rPr lang="en-US" dirty="0" err="1"/>
-              <a:t>Sugarscape</a:t>
-            </a:r>
-            <a:r>
-              <a:rPr lang="en-US" dirty="0"/>
-              <a:t> wealth distribution model (Source: Li and Wilensky, 2009).</a:t>
-            </a:r>
+        </p:nvSpPr>
+        <p:spPr/>
+        <p:txBody>
+          <a:bodyPr/>
+          <a:lstStyle/>
+          <a:p>
+            <a:endParaRPr lang="en-US"/>
           </a:p>
         </p:txBody>
       </p:sp>
     </p:spTree>
     <p:extLst>
       <p:ext uri="{BB962C8B-B14F-4D97-AF65-F5344CB8AC3E}">
-        <p14:creationId xmlns:p14="http://schemas.microsoft.com/office/powerpoint/2010/main" val="4220676483"/>
+        <p14:creationId xmlns:p14="http://schemas.microsoft.com/office/powerpoint/2010/main" val="165074502"/>
       </p:ext>
     </p:extLst>
   </p:cSld>
@@ -5425,7 +5520,7 @@
           <p:cNvPr id="2" name="Title 1">
             <a:extLst>
               <a:ext uri="{FF2B5EF4-FFF2-40B4-BE49-F238E27FC236}">
-                <a16:creationId xmlns:a16="http://schemas.microsoft.com/office/drawing/2014/main" id="{3A97B3A5-E9D5-A049-B68F-9A111217A8D4}"/>
+                <a16:creationId xmlns:a16="http://schemas.microsoft.com/office/drawing/2014/main" id="{C7BE50B6-617F-4A4B-9B4B-7C7F5EF79390}"/>
               </a:ext>
             </a:extLst>
           </p:cNvPr>
@@ -5443,40 +5538,80 @@
           <a:p>
             <a:r>
               <a:rPr lang="en-US" dirty="0"/>
-              <a:t>Transportation Modelling</a:t>
-            </a:r>
-          </a:p>
-        </p:txBody>
-      </p:sp>
-      <p:sp>
-        <p:nvSpPr>
-          <p:cNvPr id="3" name="Content Placeholder 2">
-            <a:extLst>
-              <a:ext uri="{FF2B5EF4-FFF2-40B4-BE49-F238E27FC236}">
-                <a16:creationId xmlns:a16="http://schemas.microsoft.com/office/drawing/2014/main" id="{8EC80CAB-8526-BC45-AFA4-9FE54313FE0E}"/>
-              </a:ext>
-            </a:extLst>
-          </p:cNvPr>
-          <p:cNvSpPr>
-            <a:spLocks noGrp="1"/>
-          </p:cNvSpPr>
+              <a:t>Traffic Modelling</a:t>
+            </a:r>
+          </a:p>
+        </p:txBody>
+      </p:sp>
+      <p:pic>
+        <p:nvPicPr>
+          <p:cNvPr id="6" name="Content Placeholder 5">
+            <a:extLst>
+              <a:ext uri="{FF2B5EF4-FFF2-40B4-BE49-F238E27FC236}">
+                <a16:creationId xmlns:a16="http://schemas.microsoft.com/office/drawing/2014/main" id="{5DD4BBC0-B788-D34A-9F32-F35D1E2181C6}"/>
+              </a:ext>
+            </a:extLst>
+          </p:cNvPr>
+          <p:cNvPicPr>
+            <a:picLocks noGrp="1" noChangeAspect="1"/>
+          </p:cNvPicPr>
           <p:nvPr>
             <p:ph idx="1"/>
           </p:nvPr>
-        </p:nvSpPr>
-        <p:spPr/>
-        <p:txBody>
-          <a:bodyPr/>
-          <a:lstStyle/>
-          <a:p>
-            <a:endParaRPr lang="en-US"/>
+        </p:nvPicPr>
+        <p:blipFill>
+          <a:blip r:embed="rId2"/>
+          <a:stretch>
+            <a:fillRect/>
+          </a:stretch>
+        </p:blipFill>
+        <p:spPr>
+          <a:xfrm>
+            <a:off x="6689558" y="0"/>
+            <a:ext cx="3321031" cy="6525762"/>
+          </a:xfrm>
+        </p:spPr>
+      </p:pic>
+      <p:sp>
+        <p:nvSpPr>
+          <p:cNvPr id="4" name="TextBox 3">
+            <a:extLst>
+              <a:ext uri="{FF2B5EF4-FFF2-40B4-BE49-F238E27FC236}">
+                <a16:creationId xmlns:a16="http://schemas.microsoft.com/office/drawing/2014/main" id="{76B1C1C5-757E-0C49-9FF6-85898C6F50E0}"/>
+              </a:ext>
+            </a:extLst>
+          </p:cNvPr>
+          <p:cNvSpPr txBox="1"/>
+          <p:nvPr/>
+        </p:nvSpPr>
+        <p:spPr>
+          <a:xfrm>
+            <a:off x="423554" y="6176963"/>
+            <a:ext cx="11768446" cy="646331"/>
+          </a:xfrm>
+          <a:prstGeom prst="rect">
+            <a:avLst/>
+          </a:prstGeom>
+          <a:noFill/>
+        </p:spPr>
+        <p:txBody>
+          <a:bodyPr wrap="square" rtlCol="0">
+            <a:spAutoFit/>
+          </a:bodyPr>
+          <a:lstStyle/>
+          <a:p>
+            <a:pPr algn="ctr"/>
+            <a:r>
+              <a:rPr lang="en-US" dirty="0"/>
+              <a:t>Figure 2.8: Simple traffic model where each car is an agent. In A, B and C from top left clockwise, model parameters, a chart of car speeds and the spatial agent-environment (source: Wilensky, 1997).</a:t>
+            </a:r>
           </a:p>
         </p:txBody>
       </p:sp>
     </p:spTree>
     <p:extLst>
       <p:ext uri="{BB962C8B-B14F-4D97-AF65-F5344CB8AC3E}">
-        <p14:creationId xmlns:p14="http://schemas.microsoft.com/office/powerpoint/2010/main" val="165074502"/>
+        <p14:creationId xmlns:p14="http://schemas.microsoft.com/office/powerpoint/2010/main" val="4010078096"/>
       </p:ext>
     </p:extLst>
   </p:cSld>
@@ -5508,7 +5643,7 @@
           <p:cNvPr id="2" name="Title 1">
             <a:extLst>
               <a:ext uri="{FF2B5EF4-FFF2-40B4-BE49-F238E27FC236}">
-                <a16:creationId xmlns:a16="http://schemas.microsoft.com/office/drawing/2014/main" id="{C7BE50B6-617F-4A4B-9B4B-7C7F5EF79390}"/>
+                <a16:creationId xmlns:a16="http://schemas.microsoft.com/office/drawing/2014/main" id="{4562668E-5292-3B42-992E-E0C3FBC5843A}"/>
               </a:ext>
             </a:extLst>
           </p:cNvPr>
@@ -5526,72 +5661,82 @@
           <a:p>
             <a:r>
               <a:rPr lang="en-US" dirty="0"/>
-              <a:t>Traffic Modelling</a:t>
-            </a:r>
-          </a:p>
-        </p:txBody>
-      </p:sp>
-      <p:pic>
-        <p:nvPicPr>
-          <p:cNvPr id="6" name="Content Placeholder 5">
-            <a:extLst>
-              <a:ext uri="{FF2B5EF4-FFF2-40B4-BE49-F238E27FC236}">
-                <a16:creationId xmlns:a16="http://schemas.microsoft.com/office/drawing/2014/main" id="{5DD4BBC0-B788-D34A-9F32-F35D1E2181C6}"/>
-              </a:ext>
-            </a:extLst>
-          </p:cNvPr>
-          <p:cNvPicPr>
-            <a:picLocks noGrp="1" noChangeAspect="1"/>
-          </p:cNvPicPr>
+              <a:t>Agent-based Models Used for Decision Making</a:t>
+            </a:r>
+          </a:p>
+        </p:txBody>
+      </p:sp>
+      <p:sp>
+        <p:nvSpPr>
+          <p:cNvPr id="3" name="Content Placeholder 2">
+            <a:extLst>
+              <a:ext uri="{FF2B5EF4-FFF2-40B4-BE49-F238E27FC236}">
+                <a16:creationId xmlns:a16="http://schemas.microsoft.com/office/drawing/2014/main" id="{999D88FD-F9D2-7A4E-ACA2-5CAADFF4F70C}"/>
+              </a:ext>
+            </a:extLst>
+          </p:cNvPr>
+          <p:cNvSpPr>
+            <a:spLocks noGrp="1"/>
+          </p:cNvSpPr>
           <p:nvPr>
             <p:ph idx="1"/>
           </p:nvPr>
-        </p:nvPicPr>
-        <p:blipFill>
-          <a:blip r:embed="rId2"/>
-          <a:stretch>
-            <a:fillRect/>
-          </a:stretch>
-        </p:blipFill>
-        <p:spPr>
-          <a:xfrm>
-            <a:off x="6689558" y="0"/>
-            <a:ext cx="3321031" cy="6525762"/>
-          </a:xfrm>
-        </p:spPr>
-      </p:pic>
-      <p:sp>
-        <p:nvSpPr>
-          <p:cNvPr id="4" name="TextBox 3">
-            <a:extLst>
-              <a:ext uri="{FF2B5EF4-FFF2-40B4-BE49-F238E27FC236}">
-                <a16:creationId xmlns:a16="http://schemas.microsoft.com/office/drawing/2014/main" id="{76B1C1C5-757E-0C49-9FF6-85898C6F50E0}"/>
-              </a:ext>
-            </a:extLst>
-          </p:cNvPr>
-          <p:cNvSpPr txBox="1"/>
-          <p:nvPr/>
-        </p:nvSpPr>
-        <p:spPr>
-          <a:xfrm>
-            <a:off x="423554" y="6176963"/>
-            <a:ext cx="11768446" cy="646331"/>
-          </a:xfrm>
-          <a:prstGeom prst="rect">
-            <a:avLst/>
-          </a:prstGeom>
-          <a:noFill/>
-        </p:spPr>
-        <p:txBody>
-          <a:bodyPr wrap="square" rtlCol="0">
-            <a:spAutoFit/>
+        </p:nvSpPr>
+        <p:spPr/>
+        <p:txBody>
+          <a:bodyPr>
+            <a:normAutofit fontScale="85000" lnSpcReduction="20000"/>
           </a:bodyPr>
           <a:lstStyle/>
           <a:p>
-            <a:pPr algn="ctr"/>
+            <a:endParaRPr lang="en-US" dirty="0"/>
+          </a:p>
+          <a:p>
             <a:r>
               <a:rPr lang="en-US" dirty="0"/>
-              <a:t>Figure 2.8: Simple traffic model where each car is an agent. In A, B and C from top left clockwise, model parameters, a chart of car speeds and the spatial agent-environment (source: Wilensky, 1997).</a:t>
+              <a:t>Southwest Airlines used an agent-based model to improve how it handled cargo.</a:t>
+            </a:r>
+          </a:p>
+          <a:p>
+            <a:r>
+              <a:rPr lang="en-US" dirty="0"/>
+              <a:t>Eli Lilly used an agent-based model for drug development.</a:t>
+            </a:r>
+          </a:p>
+          <a:p>
+            <a:r>
+              <a:rPr lang="en-US" dirty="0"/>
+              <a:t>Pacific Gas and Electric: Used an agent based model to see how energy flows through the power grid.</a:t>
+            </a:r>
+          </a:p>
+          <a:p>
+            <a:r>
+              <a:rPr lang="en-US" dirty="0"/>
+              <a:t>Procter and Gamble used an agent-based model to understand its consumer markets.</a:t>
+            </a:r>
+          </a:p>
+          <a:p>
+            <a:r>
+              <a:rPr lang="en-US" dirty="0"/>
+              <a:t>NASDAQ used and agent based model to explore changes to Stock Market's decimalization.</a:t>
+            </a:r>
+          </a:p>
+          <a:p>
+            <a:r>
+              <a:rPr lang="en-US" dirty="0"/>
+              <a:t>Macy’s have used agent-based models for store design.</a:t>
+            </a:r>
+          </a:p>
+          <a:p>
+            <a:r>
+              <a:rPr lang="en-US" dirty="0">
+                <a:hlinkClick r:id="rId3"/>
+              </a:rPr>
+              <a:t>InSTREAM</a:t>
+            </a:r>
+            <a:r>
+              <a:rPr lang="en-US" dirty="0"/>
+              <a:t>: Explores how river salmon populations react to changes in water conditions.</a:t>
             </a:r>
           </a:p>
         </p:txBody>
@@ -5599,7 +5744,7 @@
     </p:spTree>
     <p:extLst>
       <p:ext uri="{BB962C8B-B14F-4D97-AF65-F5344CB8AC3E}">
-        <p14:creationId xmlns:p14="http://schemas.microsoft.com/office/powerpoint/2010/main" val="4010078096"/>
+        <p14:creationId xmlns:p14="http://schemas.microsoft.com/office/powerpoint/2010/main" val="3863996302"/>
       </p:ext>
     </p:extLst>
   </p:cSld>
@@ -5631,7 +5776,7 @@
           <p:cNvPr id="2" name="Title 1">
             <a:extLst>
               <a:ext uri="{FF2B5EF4-FFF2-40B4-BE49-F238E27FC236}">
-                <a16:creationId xmlns:a16="http://schemas.microsoft.com/office/drawing/2014/main" id="{BF2611C3-A59C-0041-B101-06D4E8E8AA9D}"/>
+                <a16:creationId xmlns:a16="http://schemas.microsoft.com/office/drawing/2014/main" id="{C4F0B543-56DE-5D49-BF1D-2BCBC0B4EADF}"/>
               </a:ext>
             </a:extLst>
           </p:cNvPr>
@@ -5649,11 +5794,7 @@
           <a:p>
             <a:r>
               <a:rPr lang="en-US" dirty="0"/>
-              <a:t>Show Real </a:t>
-            </a:r>
-            <a:r>
-              <a:rPr lang="en-US"/>
-              <a:t>World Example.</a:t>
+              <a:t>Real World Decision Making</a:t>
             </a:r>
           </a:p>
         </p:txBody>
@@ -5663,7 +5804,7 @@
           <p:cNvPr id="3" name="Content Placeholder 2">
             <a:extLst>
               <a:ext uri="{FF2B5EF4-FFF2-40B4-BE49-F238E27FC236}">
-                <a16:creationId xmlns:a16="http://schemas.microsoft.com/office/drawing/2014/main" id="{3EE1680A-375D-D44B-A000-A83807B2095D}"/>
+                <a16:creationId xmlns:a16="http://schemas.microsoft.com/office/drawing/2014/main" id="{A48976F8-BE46-7B45-ADE7-01F06178408D}"/>
               </a:ext>
             </a:extLst>
           </p:cNvPr>
@@ -5674,19 +5815,133 @@
             <p:ph idx="1"/>
           </p:nvPr>
         </p:nvSpPr>
-        <p:spPr/>
-        <p:txBody>
-          <a:bodyPr/>
-          <a:lstStyle/>
-          <a:p>
-            <a:endParaRPr lang="en-US"/>
+        <p:spPr>
+          <a:xfrm>
+            <a:off x="838200" y="1657985"/>
+            <a:ext cx="10515600" cy="1704343"/>
+          </a:xfrm>
+        </p:spPr>
+        <p:txBody>
+          <a:bodyPr/>
+          <a:lstStyle/>
+          <a:p>
+            <a:r>
+              <a:rPr lang="en-US" dirty="0"/>
+              <a:t>Agent-based modeling has also been used for wild fire training, incident command and community outreach. For example </a:t>
+            </a:r>
+            <a:r>
+              <a:rPr lang="en-US" dirty="0">
+                <a:hlinkClick r:id="rId3"/>
+              </a:rPr>
+              <a:t>SimTable</a:t>
+            </a:r>
+            <a:r>
+              <a:rPr lang="en-US" dirty="0"/>
+              <a:t> was </a:t>
+            </a:r>
+            <a:r>
+              <a:rPr lang="en-US" dirty="0">
+                <a:hlinkClick r:id="rId4"/>
+              </a:rPr>
+              <a:t>used in the  2016 Sand Fire</a:t>
+            </a:r>
+            <a:r>
+              <a:rPr lang="en-US" dirty="0"/>
+              <a:t> in California. </a:t>
+            </a:r>
+          </a:p>
+          <a:p>
+            <a:endParaRPr lang="en-US" dirty="0"/>
+          </a:p>
+        </p:txBody>
+      </p:sp>
+      <p:pic>
+        <p:nvPicPr>
+          <p:cNvPr id="4" name="Content Placeholder 5">
+            <a:hlinkClick r:id="rId5"/>
+            <a:extLst>
+              <a:ext uri="{FF2B5EF4-FFF2-40B4-BE49-F238E27FC236}">
+                <a16:creationId xmlns:a16="http://schemas.microsoft.com/office/drawing/2014/main" id="{526CAB1D-79FB-C54A-948E-1993425B3291}"/>
+              </a:ext>
+            </a:extLst>
+          </p:cNvPr>
+          <p:cNvPicPr>
+            <a:picLocks noChangeAspect="1"/>
+          </p:cNvPicPr>
+          <p:nvPr/>
+        </p:nvPicPr>
+        <p:blipFill>
+          <a:blip r:embed="rId6"/>
+          <a:stretch>
+            <a:fillRect/>
+          </a:stretch>
+        </p:blipFill>
+        <p:spPr>
+          <a:xfrm>
+            <a:off x="1425852" y="2883613"/>
+            <a:ext cx="8762536" cy="3328032"/>
+          </a:xfrm>
+          <a:prstGeom prst="rect">
+            <a:avLst/>
+          </a:prstGeom>
+        </p:spPr>
+      </p:pic>
+      <p:sp>
+        <p:nvSpPr>
+          <p:cNvPr id="5" name="Rectangle 4">
+            <a:extLst>
+              <a:ext uri="{FF2B5EF4-FFF2-40B4-BE49-F238E27FC236}">
+                <a16:creationId xmlns:a16="http://schemas.microsoft.com/office/drawing/2014/main" id="{2EEADF5B-6FFF-E246-ACF0-95161D7ED540}"/>
+              </a:ext>
+            </a:extLst>
+          </p:cNvPr>
+          <p:cNvSpPr/>
+          <p:nvPr/>
+        </p:nvSpPr>
+        <p:spPr>
+          <a:xfrm>
+            <a:off x="838200" y="6336268"/>
+            <a:ext cx="10533067" cy="369332"/>
+          </a:xfrm>
+          <a:prstGeom prst="rect">
+            <a:avLst/>
+          </a:prstGeom>
+        </p:spPr>
+        <p:txBody>
+          <a:bodyPr wrap="square">
+            <a:spAutoFit/>
+          </a:bodyPr>
+          <a:lstStyle/>
+          <a:p>
+            <a:r>
+              <a:rPr lang="en-US" dirty="0"/>
+              <a:t>Figure 2.9: User interface of </a:t>
+            </a:r>
+            <a:r>
+              <a:rPr lang="en-US" dirty="0" err="1"/>
+              <a:t>SimTable</a:t>
+            </a:r>
+            <a:r>
+              <a:rPr lang="en-US" dirty="0"/>
+              <a:t>: (A) Entire study area, (B): an active fire model (source: </a:t>
+            </a:r>
+            <a:r>
+              <a:rPr lang="en-US" dirty="0" err="1">
+                <a:hlinkClick r:id="rId3"/>
+              </a:rPr>
+              <a:t>SimTable</a:t>
+            </a:r>
+            <a:r>
+              <a:rPr lang="en-US" dirty="0"/>
+              <a:t>, 2017).</a:t>
+            </a:r>
           </a:p>
         </p:txBody>
       </p:sp>
     </p:spTree>
     <p:extLst>
       <p:ext uri="{BB962C8B-B14F-4D97-AF65-F5344CB8AC3E}">
-        <p14:creationId xmlns:p14="http://schemas.microsoft.com/office/powerpoint/2010/main" val="2246011823"/>
+        <p14:creationId xmlns:p14="http://schemas.microsoft.com/office/powerpoint/2010/main" val="691141552"/>
       </p:ext>
     </p:extLst>
   </p:cSld>
@@ -5718,7 +5973,7 @@
           <p:cNvPr id="2" name="Title 1">
             <a:extLst>
               <a:ext uri="{FF2B5EF4-FFF2-40B4-BE49-F238E27FC236}">
-                <a16:creationId xmlns:a16="http://schemas.microsoft.com/office/drawing/2014/main" id="{4562668E-5292-3B42-992E-E0C3FBC5843A}"/>
+                <a16:creationId xmlns:a16="http://schemas.microsoft.com/office/drawing/2014/main" id="{4B2C1829-4EA1-1244-8508-CE1A389E5469}"/>
               </a:ext>
             </a:extLst>
           </p:cNvPr>
@@ -5736,283 +5991,8 @@
           <a:p>
             <a:r>
               <a:rPr lang="en-US" dirty="0"/>
-              <a:t>Agent-based Models Used for Decision Making</a:t>
-            </a:r>
-          </a:p>
-        </p:txBody>
-      </p:sp>
-      <p:sp>
-        <p:nvSpPr>
-          <p:cNvPr id="3" name="Content Placeholder 2">
-            <a:extLst>
-              <a:ext uri="{FF2B5EF4-FFF2-40B4-BE49-F238E27FC236}">
-                <a16:creationId xmlns:a16="http://schemas.microsoft.com/office/drawing/2014/main" id="{999D88FD-F9D2-7A4E-ACA2-5CAADFF4F70C}"/>
-              </a:ext>
-            </a:extLst>
-          </p:cNvPr>
-          <p:cNvSpPr>
-            <a:spLocks noGrp="1"/>
-          </p:cNvSpPr>
-          <p:nvPr>
-            <p:ph idx="1"/>
-          </p:nvPr>
-        </p:nvSpPr>
-        <p:spPr/>
-        <p:txBody>
-          <a:bodyPr/>
-          <a:lstStyle/>
-          <a:p>
-            <a:endParaRPr lang="en-US" dirty="0"/>
-          </a:p>
-        </p:txBody>
-      </p:sp>
-    </p:spTree>
-    <p:extLst>
-      <p:ext uri="{BB962C8B-B14F-4D97-AF65-F5344CB8AC3E}">
-        <p14:creationId xmlns:p14="http://schemas.microsoft.com/office/powerpoint/2010/main" val="3863996302"/>
-      </p:ext>
-    </p:extLst>
-  </p:cSld>
-  <p:clrMapOvr>
-    <a:masterClrMapping/>
-  </p:clrMapOvr>
-</p:sld>
-</file>
-
-<file path=ppt/slides/slide25.xml><?xml version="1.0" encoding="utf-8"?>
-<p:sld xmlns:a="http://schemas.openxmlformats.org/drawingml/2006/main" xmlns:r="http://schemas.openxmlformats.org/officeDocument/2006/relationships" xmlns:p="http://schemas.openxmlformats.org/presentationml/2006/main">
-  <p:cSld>
-    <p:spTree>
-      <p:nvGrpSpPr>
-        <p:cNvPr id="1" name=""/>
-        <p:cNvGrpSpPr/>
-        <p:nvPr/>
-      </p:nvGrpSpPr>
-      <p:grpSpPr>
-        <a:xfrm>
-          <a:off x="0" y="0"/>
-          <a:ext cx="0" cy="0"/>
-          <a:chOff x="0" y="0"/>
-          <a:chExt cx="0" cy="0"/>
-        </a:xfrm>
-      </p:grpSpPr>
-      <p:sp>
-        <p:nvSpPr>
-          <p:cNvPr id="2" name="Title 1">
-            <a:extLst>
-              <a:ext uri="{FF2B5EF4-FFF2-40B4-BE49-F238E27FC236}">
-                <a16:creationId xmlns:a16="http://schemas.microsoft.com/office/drawing/2014/main" id="{86CF48FA-BA09-934A-9A7D-00D0F017145B}"/>
-              </a:ext>
-            </a:extLst>
-          </p:cNvPr>
-          <p:cNvSpPr>
-            <a:spLocks noGrp="1"/>
-          </p:cNvSpPr>
-          <p:nvPr>
-            <p:ph type="title"/>
-          </p:nvPr>
-        </p:nvSpPr>
-        <p:spPr/>
-        <p:txBody>
-          <a:bodyPr/>
-          <a:lstStyle/>
-          <a:p>
-            <a:r>
-              <a:rPr lang="en-US" dirty="0"/>
-              <a:t>Real World Decision Making</a:t>
-            </a:r>
-          </a:p>
-        </p:txBody>
-      </p:sp>
-      <p:pic>
-        <p:nvPicPr>
-          <p:cNvPr id="6" name="Content Placeholder 5">
-            <a:hlinkClick r:id="rId3"/>
-            <a:extLst>
-              <a:ext uri="{FF2B5EF4-FFF2-40B4-BE49-F238E27FC236}">
-                <a16:creationId xmlns:a16="http://schemas.microsoft.com/office/drawing/2014/main" id="{9BB16C94-2293-CF4D-B1BF-C94FED12C23D}"/>
-              </a:ext>
-            </a:extLst>
-          </p:cNvPr>
-          <p:cNvPicPr>
-            <a:picLocks noGrp="1" noChangeAspect="1"/>
-          </p:cNvPicPr>
-          <p:nvPr>
-            <p:ph idx="1"/>
-          </p:nvPr>
-        </p:nvPicPr>
-        <p:blipFill>
-          <a:blip r:embed="rId4"/>
-          <a:stretch>
-            <a:fillRect/>
-          </a:stretch>
-        </p:blipFill>
-        <p:spPr>
-          <a:xfrm>
-            <a:off x="838200" y="1690688"/>
-            <a:ext cx="10515600" cy="3993850"/>
-          </a:xfrm>
-        </p:spPr>
-      </p:pic>
-      <p:sp>
-        <p:nvSpPr>
-          <p:cNvPr id="4" name="TextBox 3">
-            <a:extLst>
-              <a:ext uri="{FF2B5EF4-FFF2-40B4-BE49-F238E27FC236}">
-                <a16:creationId xmlns:a16="http://schemas.microsoft.com/office/drawing/2014/main" id="{62D67796-FF40-7045-A6F0-346F3AE3D845}"/>
-              </a:ext>
-            </a:extLst>
-          </p:cNvPr>
-          <p:cNvSpPr txBox="1"/>
-          <p:nvPr/>
-        </p:nvSpPr>
-        <p:spPr>
-          <a:xfrm>
-            <a:off x="705853" y="5821756"/>
-            <a:ext cx="10467737" cy="369332"/>
-          </a:xfrm>
-          <a:prstGeom prst="rect">
-            <a:avLst/>
-          </a:prstGeom>
-          <a:noFill/>
-        </p:spPr>
-        <p:txBody>
-          <a:bodyPr wrap="none" rtlCol="0">
-            <a:spAutoFit/>
-          </a:bodyPr>
-          <a:lstStyle/>
-          <a:p>
-            <a:r>
-              <a:rPr lang="en-US" dirty="0"/>
-              <a:t>Figure 2.9: User interface of </a:t>
-            </a:r>
-            <a:r>
-              <a:rPr lang="en-US" dirty="0" err="1"/>
-              <a:t>SimTable</a:t>
-            </a:r>
-            <a:r>
-              <a:rPr lang="en-US" dirty="0"/>
-              <a:t>: (A) Entire study area, (B): an active fire model (source: </a:t>
-            </a:r>
-            <a:r>
-              <a:rPr lang="en-US" dirty="0" err="1"/>
-              <a:t>SimTable</a:t>
-            </a:r>
-            <a:r>
-              <a:rPr lang="en-US" dirty="0"/>
-              <a:t>, 2017).</a:t>
-            </a:r>
-          </a:p>
-        </p:txBody>
-      </p:sp>
-      <p:sp>
-        <p:nvSpPr>
-          <p:cNvPr id="8" name="TextBox 7">
-            <a:extLst>
-              <a:ext uri="{FF2B5EF4-FFF2-40B4-BE49-F238E27FC236}">
-                <a16:creationId xmlns:a16="http://schemas.microsoft.com/office/drawing/2014/main" id="{4E39AD50-DB96-DB4F-BDC7-C518862FD66B}"/>
-              </a:ext>
-            </a:extLst>
-          </p:cNvPr>
-          <p:cNvSpPr txBox="1"/>
-          <p:nvPr/>
-        </p:nvSpPr>
-        <p:spPr>
-          <a:xfrm>
-            <a:off x="2953761" y="6488668"/>
-            <a:ext cx="6364627" cy="369332"/>
-          </a:xfrm>
-          <a:prstGeom prst="rect">
-            <a:avLst/>
-          </a:prstGeom>
-          <a:noFill/>
-        </p:spPr>
-        <p:txBody>
-          <a:bodyPr wrap="none" rtlCol="0">
-            <a:spAutoFit/>
-          </a:bodyPr>
-          <a:lstStyle/>
-          <a:p>
-            <a:r>
-              <a:rPr lang="en-US" dirty="0"/>
-              <a:t>More information about </a:t>
-            </a:r>
-            <a:r>
-              <a:rPr lang="en-US" dirty="0" err="1"/>
-              <a:t>SimTable</a:t>
-            </a:r>
-            <a:r>
-              <a:rPr lang="en-US" dirty="0"/>
-              <a:t> see: </a:t>
-            </a:r>
-            <a:r>
-              <a:rPr lang="en-US" dirty="0">
-                <a:hlinkClick r:id="rId5"/>
-              </a:rPr>
-              <a:t>https://</a:t>
-            </a:r>
-            <a:r>
-              <a:rPr lang="en-US" dirty="0" err="1">
-                <a:hlinkClick r:id="rId5"/>
-              </a:rPr>
-              <a:t>www.simtable.com</a:t>
-            </a:r>
-            <a:endParaRPr lang="en-US" dirty="0"/>
-          </a:p>
-        </p:txBody>
-      </p:sp>
-    </p:spTree>
-    <p:extLst>
-      <p:ext uri="{BB962C8B-B14F-4D97-AF65-F5344CB8AC3E}">
-        <p14:creationId xmlns:p14="http://schemas.microsoft.com/office/powerpoint/2010/main" val="603677216"/>
-      </p:ext>
-    </p:extLst>
-  </p:cSld>
-  <p:clrMapOvr>
-    <a:masterClrMapping/>
-  </p:clrMapOvr>
-</p:sld>
-</file>
-
-<file path=ppt/slides/slide26.xml><?xml version="1.0" encoding="utf-8"?>
-<p:sld xmlns:a="http://schemas.openxmlformats.org/drawingml/2006/main" xmlns:r="http://schemas.openxmlformats.org/officeDocument/2006/relationships" xmlns:p="http://schemas.openxmlformats.org/presentationml/2006/main">
-  <p:cSld>
-    <p:spTree>
-      <p:nvGrpSpPr>
-        <p:cNvPr id="1" name=""/>
-        <p:cNvGrpSpPr/>
-        <p:nvPr/>
-      </p:nvGrpSpPr>
-      <p:grpSpPr>
-        <a:xfrm>
-          <a:off x="0" y="0"/>
-          <a:ext cx="0" cy="0"/>
-          <a:chOff x="0" y="0"/>
-          <a:chExt cx="0" cy="0"/>
-        </a:xfrm>
-      </p:grpSpPr>
-      <p:sp>
-        <p:nvSpPr>
-          <p:cNvPr id="2" name="Title 1">
-            <a:extLst>
-              <a:ext uri="{FF2B5EF4-FFF2-40B4-BE49-F238E27FC236}">
-                <a16:creationId xmlns:a16="http://schemas.microsoft.com/office/drawing/2014/main" id="{4B2C1829-4EA1-1244-8508-CE1A389E5469}"/>
-              </a:ext>
-            </a:extLst>
-          </p:cNvPr>
-          <p:cNvSpPr>
-            <a:spLocks noGrp="1"/>
-          </p:cNvSpPr>
-          <p:nvPr>
-            <p:ph type="title"/>
-          </p:nvPr>
-        </p:nvSpPr>
-        <p:spPr/>
-        <p:txBody>
-          <a:bodyPr/>
-          <a:lstStyle/>
-          <a:p>
-            <a:endParaRPr lang="en-US"/>
+              <a:t>Summary</a:t>
+            </a:r>
           </a:p>
         </p:txBody>
       </p:sp>
@@ -6076,85 +6056,58 @@
           <p:cNvPr id="2" name="Title 1">
             <a:extLst>
               <a:ext uri="{FF2B5EF4-FFF2-40B4-BE49-F238E27FC236}">
-                <a16:creationId xmlns:a16="http://schemas.microsoft.com/office/drawing/2014/main" id="{4FC54A01-461C-1045-AC9B-35DD625CB021}"/>
-              </a:ext>
-            </a:extLst>
-          </p:cNvPr>
-          <p:cNvSpPr>
-            <a:spLocks noGrp="1"/>
-          </p:cNvSpPr>
-          <p:nvPr>
-            <p:ph type="ctrTitle"/>
-          </p:nvPr>
-        </p:nvSpPr>
-        <p:spPr>
-          <a:xfrm>
-            <a:off x="5277328" y="640082"/>
-            <a:ext cx="6274591" cy="3351602"/>
-          </a:xfrm>
-        </p:spPr>
-        <p:txBody>
-          <a:bodyPr>
-            <a:normAutofit/>
-          </a:bodyPr>
-          <a:lstStyle/>
-          <a:p>
-            <a:pPr algn="l"/>
-            <a:r>
-              <a:rPr lang="en-US">
-                <a:solidFill>
-                  <a:schemeClr val="bg1"/>
-                </a:solidFill>
-              </a:rPr>
-              <a:t>Chapter 1</a:t>
-            </a:r>
-          </a:p>
-        </p:txBody>
-      </p:sp>
-      <p:sp>
-        <p:nvSpPr>
-          <p:cNvPr id="3" name="Subtitle 2">
-            <a:extLst>
-              <a:ext uri="{FF2B5EF4-FFF2-40B4-BE49-F238E27FC236}">
-                <a16:creationId xmlns:a16="http://schemas.microsoft.com/office/drawing/2014/main" id="{1F6A411C-5F1C-D542-A211-0F0D7F10FA53}"/>
-              </a:ext>
-            </a:extLst>
-          </p:cNvPr>
-          <p:cNvSpPr>
-            <a:spLocks noGrp="1"/>
-          </p:cNvSpPr>
-          <p:nvPr>
-            <p:ph type="subTitle" idx="1"/>
-          </p:nvPr>
-        </p:nvSpPr>
-        <p:spPr>
-          <a:xfrm>
-            <a:off x="5277327" y="4156276"/>
-            <a:ext cx="6274592" cy="2061645"/>
-          </a:xfrm>
-        </p:spPr>
-        <p:txBody>
-          <a:bodyPr>
-            <a:normAutofit/>
-          </a:bodyPr>
-          <a:lstStyle/>
-          <a:p>
-            <a:pPr algn="l"/>
-            <a:r>
-              <a:rPr lang="en-US" dirty="0">
-                <a:solidFill>
-                  <a:schemeClr val="bg1"/>
-                </a:solidFill>
-              </a:rPr>
-              <a:t>Agent-based Modelling and Geographical Information Systems</a:t>
-            </a:r>
+                <a16:creationId xmlns:a16="http://schemas.microsoft.com/office/drawing/2014/main" id="{454AA803-87C5-B940-AB0B-C6FE9E767D4D}"/>
+              </a:ext>
+            </a:extLst>
+          </p:cNvPr>
+          <p:cNvSpPr>
+            <a:spLocks noGrp="1"/>
+          </p:cNvSpPr>
+          <p:nvPr>
+            <p:ph type="title"/>
+          </p:nvPr>
+        </p:nvSpPr>
+        <p:spPr/>
+        <p:txBody>
+          <a:bodyPr/>
+          <a:lstStyle/>
+          <a:p>
+            <a:r>
+              <a:rPr lang="en-US" dirty="0"/>
+              <a:t>Introduction</a:t>
+            </a:r>
+          </a:p>
+        </p:txBody>
+      </p:sp>
+      <p:sp>
+        <p:nvSpPr>
+          <p:cNvPr id="3" name="Content Placeholder 2">
+            <a:extLst>
+              <a:ext uri="{FF2B5EF4-FFF2-40B4-BE49-F238E27FC236}">
+                <a16:creationId xmlns:a16="http://schemas.microsoft.com/office/drawing/2014/main" id="{ACAF3740-25D2-DE49-BB80-30314DDCB10D}"/>
+              </a:ext>
+            </a:extLst>
+          </p:cNvPr>
+          <p:cNvSpPr>
+            <a:spLocks noGrp="1"/>
+          </p:cNvSpPr>
+          <p:nvPr>
+            <p:ph idx="1"/>
+          </p:nvPr>
+        </p:nvSpPr>
+        <p:spPr/>
+        <p:txBody>
+          <a:bodyPr/>
+          <a:lstStyle/>
+          <a:p>
+            <a:endParaRPr lang="en-US"/>
           </a:p>
         </p:txBody>
       </p:sp>
     </p:spTree>
     <p:extLst>
       <p:ext uri="{BB962C8B-B14F-4D97-AF65-F5344CB8AC3E}">
-        <p14:creationId xmlns:p14="http://schemas.microsoft.com/office/powerpoint/2010/main" val="901569145"/>
+        <p14:creationId xmlns:p14="http://schemas.microsoft.com/office/powerpoint/2010/main" val="2674096104"/>
       </p:ext>
     </p:extLst>
   </p:cSld>
@@ -6186,7 +6139,7 @@
           <p:cNvPr id="2" name="Title 1">
             <a:extLst>
               <a:ext uri="{FF2B5EF4-FFF2-40B4-BE49-F238E27FC236}">
-                <a16:creationId xmlns:a16="http://schemas.microsoft.com/office/drawing/2014/main" id="{454AA803-87C5-B940-AB0B-C6FE9E767D4D}"/>
+                <a16:creationId xmlns:a16="http://schemas.microsoft.com/office/drawing/2014/main" id="{B8EED096-D85B-544A-B18B-71F9055BBC8D}"/>
               </a:ext>
             </a:extLst>
           </p:cNvPr>
@@ -6204,7 +6157,7 @@
           <a:p>
             <a:r>
               <a:rPr lang="en-US" dirty="0"/>
-              <a:t>Introduction</a:t>
+              <a:t>What is an Agent?</a:t>
             </a:r>
           </a:p>
         </p:txBody>
@@ -6214,7 +6167,7 @@
           <p:cNvPr id="3" name="Content Placeholder 2">
             <a:extLst>
               <a:ext uri="{FF2B5EF4-FFF2-40B4-BE49-F238E27FC236}">
-                <a16:creationId xmlns:a16="http://schemas.microsoft.com/office/drawing/2014/main" id="{ACAF3740-25D2-DE49-BB80-30314DDCB10D}"/>
+                <a16:creationId xmlns:a16="http://schemas.microsoft.com/office/drawing/2014/main" id="{710AD0B3-98DA-AE48-AA54-22D5DF97456C}"/>
               </a:ext>
             </a:extLst>
           </p:cNvPr>
@@ -6237,7 +6190,7 @@
     </p:spTree>
     <p:extLst>
       <p:ext uri="{BB962C8B-B14F-4D97-AF65-F5344CB8AC3E}">
-        <p14:creationId xmlns:p14="http://schemas.microsoft.com/office/powerpoint/2010/main" val="2674096104"/>
+        <p14:creationId xmlns:p14="http://schemas.microsoft.com/office/powerpoint/2010/main" val="2898360103"/>
       </p:ext>
     </p:extLst>
   </p:cSld>
@@ -6269,7 +6222,7 @@
           <p:cNvPr id="2" name="Title 1">
             <a:extLst>
               <a:ext uri="{FF2B5EF4-FFF2-40B4-BE49-F238E27FC236}">
-                <a16:creationId xmlns:a16="http://schemas.microsoft.com/office/drawing/2014/main" id="{B8EED096-D85B-544A-B18B-71F9055BBC8D}"/>
+                <a16:creationId xmlns:a16="http://schemas.microsoft.com/office/drawing/2014/main" id="{414BB6F5-2C17-994A-ACFA-739CAF7C9988}"/>
               </a:ext>
             </a:extLst>
           </p:cNvPr>
@@ -6287,40 +6240,79 @@
           <a:p>
             <a:r>
               <a:rPr lang="en-US" dirty="0"/>
-              <a:t>What is an Agent?</a:t>
-            </a:r>
-          </a:p>
-        </p:txBody>
-      </p:sp>
-      <p:sp>
-        <p:nvSpPr>
-          <p:cNvPr id="3" name="Content Placeholder 2">
-            <a:extLst>
-              <a:ext uri="{FF2B5EF4-FFF2-40B4-BE49-F238E27FC236}">
-                <a16:creationId xmlns:a16="http://schemas.microsoft.com/office/drawing/2014/main" id="{710AD0B3-98DA-AE48-AA54-22D5DF97456C}"/>
-              </a:ext>
-            </a:extLst>
-          </p:cNvPr>
-          <p:cNvSpPr>
-            <a:spLocks noGrp="1"/>
-          </p:cNvSpPr>
+              <a:t>Agent Representation</a:t>
+            </a:r>
+          </a:p>
+        </p:txBody>
+      </p:sp>
+      <p:pic>
+        <p:nvPicPr>
+          <p:cNvPr id="6" name="Content Placeholder 5">
+            <a:extLst>
+              <a:ext uri="{FF2B5EF4-FFF2-40B4-BE49-F238E27FC236}">
+                <a16:creationId xmlns:a16="http://schemas.microsoft.com/office/drawing/2014/main" id="{5AE15788-D87C-5B4E-9DA2-D7DF924A9586}"/>
+              </a:ext>
+            </a:extLst>
+          </p:cNvPr>
+          <p:cNvPicPr>
+            <a:picLocks noGrp="1" noChangeAspect="1"/>
+          </p:cNvPicPr>
           <p:nvPr>
             <p:ph idx="1"/>
           </p:nvPr>
-        </p:nvSpPr>
-        <p:spPr/>
-        <p:txBody>
-          <a:bodyPr/>
-          <a:lstStyle/>
-          <a:p>
-            <a:endParaRPr lang="en-US"/>
+        </p:nvPicPr>
+        <p:blipFill>
+          <a:blip r:embed="rId2"/>
+          <a:stretch>
+            <a:fillRect/>
+          </a:stretch>
+        </p:blipFill>
+        <p:spPr>
+          <a:xfrm>
+            <a:off x="2318808" y="1411015"/>
+            <a:ext cx="7554383" cy="4765948"/>
+          </a:xfrm>
+        </p:spPr>
+      </p:pic>
+      <p:sp>
+        <p:nvSpPr>
+          <p:cNvPr id="4" name="TextBox 3">
+            <a:extLst>
+              <a:ext uri="{FF2B5EF4-FFF2-40B4-BE49-F238E27FC236}">
+                <a16:creationId xmlns:a16="http://schemas.microsoft.com/office/drawing/2014/main" id="{C212F436-6AD7-E84E-9AD0-180D190DF611}"/>
+              </a:ext>
+            </a:extLst>
+          </p:cNvPr>
+          <p:cNvSpPr txBox="1"/>
+          <p:nvPr/>
+        </p:nvSpPr>
+        <p:spPr>
+          <a:xfrm>
+            <a:off x="273050" y="6176963"/>
+            <a:ext cx="11645900" cy="646331"/>
+          </a:xfrm>
+          <a:prstGeom prst="rect">
+            <a:avLst/>
+          </a:prstGeom>
+          <a:noFill/>
+        </p:spPr>
+        <p:txBody>
+          <a:bodyPr wrap="square" rtlCol="0">
+            <a:spAutoFit/>
+          </a:bodyPr>
+          <a:lstStyle/>
+          <a:p>
+            <a:r>
+              <a:rPr lang="en-US" dirty="0"/>
+              <a:t>Figure 2.1: Representation of (A) human agent and (B) supermarket retailer agent alongside that of representation within an object-orientated environment.</a:t>
+            </a:r>
           </a:p>
         </p:txBody>
       </p:sp>
     </p:spTree>
     <p:extLst>
       <p:ext uri="{BB962C8B-B14F-4D97-AF65-F5344CB8AC3E}">
-        <p14:creationId xmlns:p14="http://schemas.microsoft.com/office/powerpoint/2010/main" val="2898360103"/>
+        <p14:creationId xmlns:p14="http://schemas.microsoft.com/office/powerpoint/2010/main" val="3752175511"/>
       </p:ext>
     </p:extLst>
   </p:cSld>
@@ -6352,7 +6344,7 @@
           <p:cNvPr id="2" name="Title 1">
             <a:extLst>
               <a:ext uri="{FF2B5EF4-FFF2-40B4-BE49-F238E27FC236}">
-                <a16:creationId xmlns:a16="http://schemas.microsoft.com/office/drawing/2014/main" id="{414BB6F5-2C17-994A-ACFA-739CAF7C9988}"/>
+                <a16:creationId xmlns:a16="http://schemas.microsoft.com/office/drawing/2014/main" id="{DC176CFC-1CC5-2043-92EC-ACA20D587846}"/>
               </a:ext>
             </a:extLst>
           </p:cNvPr>
@@ -6370,79 +6362,40 @@
           <a:p>
             <a:r>
               <a:rPr lang="en-US" dirty="0"/>
-              <a:t>Agent Representation</a:t>
-            </a:r>
-          </a:p>
-        </p:txBody>
-      </p:sp>
-      <p:pic>
-        <p:nvPicPr>
-          <p:cNvPr id="6" name="Content Placeholder 5">
-            <a:extLst>
-              <a:ext uri="{FF2B5EF4-FFF2-40B4-BE49-F238E27FC236}">
-                <a16:creationId xmlns:a16="http://schemas.microsoft.com/office/drawing/2014/main" id="{5AE15788-D87C-5B4E-9DA2-D7DF924A9586}"/>
-              </a:ext>
-            </a:extLst>
-          </p:cNvPr>
-          <p:cNvPicPr>
-            <a:picLocks noGrp="1" noChangeAspect="1"/>
-          </p:cNvPicPr>
+              <a:t>Agent Rules</a:t>
+            </a:r>
+          </a:p>
+        </p:txBody>
+      </p:sp>
+      <p:sp>
+        <p:nvSpPr>
+          <p:cNvPr id="3" name="Content Placeholder 2">
+            <a:extLst>
+              <a:ext uri="{FF2B5EF4-FFF2-40B4-BE49-F238E27FC236}">
+                <a16:creationId xmlns:a16="http://schemas.microsoft.com/office/drawing/2014/main" id="{D8B2DE1A-F42B-C142-A372-90BFD769865C}"/>
+              </a:ext>
+            </a:extLst>
+          </p:cNvPr>
+          <p:cNvSpPr>
+            <a:spLocks noGrp="1"/>
+          </p:cNvSpPr>
           <p:nvPr>
             <p:ph idx="1"/>
           </p:nvPr>
-        </p:nvPicPr>
-        <p:blipFill>
-          <a:blip r:embed="rId2"/>
-          <a:stretch>
-            <a:fillRect/>
-          </a:stretch>
-        </p:blipFill>
-        <p:spPr>
-          <a:xfrm>
-            <a:off x="2318808" y="1411015"/>
-            <a:ext cx="7554383" cy="4765948"/>
-          </a:xfrm>
-        </p:spPr>
-      </p:pic>
-      <p:sp>
-        <p:nvSpPr>
-          <p:cNvPr id="4" name="TextBox 3">
-            <a:extLst>
-              <a:ext uri="{FF2B5EF4-FFF2-40B4-BE49-F238E27FC236}">
-                <a16:creationId xmlns:a16="http://schemas.microsoft.com/office/drawing/2014/main" id="{C212F436-6AD7-E84E-9AD0-180D190DF611}"/>
-              </a:ext>
-            </a:extLst>
-          </p:cNvPr>
-          <p:cNvSpPr txBox="1"/>
-          <p:nvPr/>
-        </p:nvSpPr>
-        <p:spPr>
-          <a:xfrm>
-            <a:off x="273050" y="6176963"/>
-            <a:ext cx="11645900" cy="646331"/>
-          </a:xfrm>
-          <a:prstGeom prst="rect">
-            <a:avLst/>
-          </a:prstGeom>
-          <a:noFill/>
-        </p:spPr>
-        <p:txBody>
-          <a:bodyPr wrap="square" rtlCol="0">
-            <a:spAutoFit/>
-          </a:bodyPr>
-          <a:lstStyle/>
-          <a:p>
-            <a:r>
-              <a:rPr lang="en-US" dirty="0"/>
-              <a:t>Figure 2.1: Representation of (A) human agent and (B) supermarket retailer agent alongside that of representation within an object-orientated environment.</a:t>
-            </a:r>
+        </p:nvSpPr>
+        <p:spPr/>
+        <p:txBody>
+          <a:bodyPr/>
+          <a:lstStyle/>
+          <a:p>
+            <a:endParaRPr lang="en-US" dirty="0"/>
           </a:p>
         </p:txBody>
       </p:sp>
     </p:spTree>
     <p:extLst>
       <p:ext uri="{BB962C8B-B14F-4D97-AF65-F5344CB8AC3E}">
-        <p14:creationId xmlns:p14="http://schemas.microsoft.com/office/powerpoint/2010/main" val="3752175511"/>
+        <p14:creationId xmlns:p14="http://schemas.microsoft.com/office/powerpoint/2010/main" val="1029667552"/>
       </p:ext>
     </p:extLst>
   </p:cSld>
@@ -6474,7 +6427,7 @@
           <p:cNvPr id="2" name="Title 1">
             <a:extLst>
               <a:ext uri="{FF2B5EF4-FFF2-40B4-BE49-F238E27FC236}">
-                <a16:creationId xmlns:a16="http://schemas.microsoft.com/office/drawing/2014/main" id="{DC176CFC-1CC5-2043-92EC-ACA20D587846}"/>
+                <a16:creationId xmlns:a16="http://schemas.microsoft.com/office/drawing/2014/main" id="{49CF3071-6FF5-4B41-8CB5-F0AA8FB3C9F5}"/>
               </a:ext>
             </a:extLst>
           </p:cNvPr>
@@ -6492,40 +6445,79 @@
           <a:p>
             <a:r>
               <a:rPr lang="en-US" dirty="0"/>
-              <a:t>Agent Rules</a:t>
-            </a:r>
-          </a:p>
-        </p:txBody>
-      </p:sp>
-      <p:sp>
-        <p:nvSpPr>
-          <p:cNvPr id="3" name="Content Placeholder 2">
-            <a:extLst>
-              <a:ext uri="{FF2B5EF4-FFF2-40B4-BE49-F238E27FC236}">
-                <a16:creationId xmlns:a16="http://schemas.microsoft.com/office/drawing/2014/main" id="{D8B2DE1A-F42B-C142-A372-90BFD769865C}"/>
-              </a:ext>
-            </a:extLst>
-          </p:cNvPr>
-          <p:cNvSpPr>
-            <a:spLocks noGrp="1"/>
-          </p:cNvSpPr>
+              <a:t>Main Components of an Agent</a:t>
+            </a:r>
+          </a:p>
+        </p:txBody>
+      </p:sp>
+      <p:pic>
+        <p:nvPicPr>
+          <p:cNvPr id="6" name="Content Placeholder 5">
+            <a:extLst>
+              <a:ext uri="{FF2B5EF4-FFF2-40B4-BE49-F238E27FC236}">
+                <a16:creationId xmlns:a16="http://schemas.microsoft.com/office/drawing/2014/main" id="{4E385A14-587C-C94C-A21F-965C885BDC86}"/>
+              </a:ext>
+            </a:extLst>
+          </p:cNvPr>
+          <p:cNvPicPr>
+            <a:picLocks noGrp="1" noChangeAspect="1"/>
+          </p:cNvPicPr>
           <p:nvPr>
             <p:ph idx="1"/>
           </p:nvPr>
-        </p:nvSpPr>
-        <p:spPr/>
-        <p:txBody>
-          <a:bodyPr/>
-          <a:lstStyle/>
-          <a:p>
-            <a:endParaRPr lang="en-US" dirty="0"/>
+        </p:nvPicPr>
+        <p:blipFill>
+          <a:blip r:embed="rId2"/>
+          <a:stretch>
+            <a:fillRect/>
+          </a:stretch>
+        </p:blipFill>
+        <p:spPr>
+          <a:xfrm>
+            <a:off x="3610097" y="1825625"/>
+            <a:ext cx="4971806" cy="4351338"/>
+          </a:xfrm>
+        </p:spPr>
+      </p:pic>
+      <p:sp>
+        <p:nvSpPr>
+          <p:cNvPr id="4" name="TextBox 3">
+            <a:extLst>
+              <a:ext uri="{FF2B5EF4-FFF2-40B4-BE49-F238E27FC236}">
+                <a16:creationId xmlns:a16="http://schemas.microsoft.com/office/drawing/2014/main" id="{1EF18778-2766-9144-9027-F98DCF1DA3EB}"/>
+              </a:ext>
+            </a:extLst>
+          </p:cNvPr>
+          <p:cNvSpPr txBox="1"/>
+          <p:nvPr/>
+        </p:nvSpPr>
+        <p:spPr>
+          <a:xfrm>
+            <a:off x="2434677" y="6311900"/>
+            <a:ext cx="7322646" cy="369332"/>
+          </a:xfrm>
+          <a:prstGeom prst="rect">
+            <a:avLst/>
+          </a:prstGeom>
+          <a:noFill/>
+        </p:spPr>
+        <p:txBody>
+          <a:bodyPr wrap="none" rtlCol="0">
+            <a:spAutoFit/>
+          </a:bodyPr>
+          <a:lstStyle/>
+          <a:p>
+            <a:r>
+              <a:rPr lang="en-US" dirty="0"/>
+              <a:t>Figure 2.2: Schematic illustrating some of the main components of an agent.</a:t>
+            </a:r>
           </a:p>
         </p:txBody>
       </p:sp>
     </p:spTree>
     <p:extLst>
       <p:ext uri="{BB962C8B-B14F-4D97-AF65-F5344CB8AC3E}">
-        <p14:creationId xmlns:p14="http://schemas.microsoft.com/office/powerpoint/2010/main" val="1029667552"/>
+        <p14:creationId xmlns:p14="http://schemas.microsoft.com/office/powerpoint/2010/main" val="1134758609"/>
       </p:ext>
     </p:extLst>
   </p:cSld>
@@ -6557,7 +6549,7 @@
           <p:cNvPr id="2" name="Title 1">
             <a:extLst>
               <a:ext uri="{FF2B5EF4-FFF2-40B4-BE49-F238E27FC236}">
-                <a16:creationId xmlns:a16="http://schemas.microsoft.com/office/drawing/2014/main" id="{49CF3071-6FF5-4B41-8CB5-F0AA8FB3C9F5}"/>
+                <a16:creationId xmlns:a16="http://schemas.microsoft.com/office/drawing/2014/main" id="{8A431535-8FE5-7748-96DE-5964BABBAC4D}"/>
               </a:ext>
             </a:extLst>
           </p:cNvPr>
@@ -6575,79 +6567,40 @@
           <a:p>
             <a:r>
               <a:rPr lang="en-US" dirty="0"/>
-              <a:t>Main Components of an Agent</a:t>
-            </a:r>
-          </a:p>
-        </p:txBody>
-      </p:sp>
-      <p:pic>
-        <p:nvPicPr>
-          <p:cNvPr id="6" name="Content Placeholder 5">
-            <a:extLst>
-              <a:ext uri="{FF2B5EF4-FFF2-40B4-BE49-F238E27FC236}">
-                <a16:creationId xmlns:a16="http://schemas.microsoft.com/office/drawing/2014/main" id="{4E385A14-587C-C94C-A21F-965C885BDC86}"/>
-              </a:ext>
-            </a:extLst>
-          </p:cNvPr>
-          <p:cNvPicPr>
-            <a:picLocks noGrp="1" noChangeAspect="1"/>
-          </p:cNvPicPr>
+              <a:t>An Agent’s World</a:t>
+            </a:r>
+          </a:p>
+        </p:txBody>
+      </p:sp>
+      <p:sp>
+        <p:nvSpPr>
+          <p:cNvPr id="3" name="Content Placeholder 2">
+            <a:extLst>
+              <a:ext uri="{FF2B5EF4-FFF2-40B4-BE49-F238E27FC236}">
+                <a16:creationId xmlns:a16="http://schemas.microsoft.com/office/drawing/2014/main" id="{7110F534-A014-1947-BEFB-5C0EE0BFDC13}"/>
+              </a:ext>
+            </a:extLst>
+          </p:cNvPr>
+          <p:cNvSpPr>
+            <a:spLocks noGrp="1"/>
+          </p:cNvSpPr>
           <p:nvPr>
             <p:ph idx="1"/>
           </p:nvPr>
-        </p:nvPicPr>
-        <p:blipFill>
-          <a:blip r:embed="rId2"/>
-          <a:stretch>
-            <a:fillRect/>
-          </a:stretch>
-        </p:blipFill>
-        <p:spPr>
-          <a:xfrm>
-            <a:off x="3610097" y="1825625"/>
-            <a:ext cx="4971806" cy="4351338"/>
-          </a:xfrm>
-        </p:spPr>
-      </p:pic>
-      <p:sp>
-        <p:nvSpPr>
-          <p:cNvPr id="4" name="TextBox 3">
-            <a:extLst>
-              <a:ext uri="{FF2B5EF4-FFF2-40B4-BE49-F238E27FC236}">
-                <a16:creationId xmlns:a16="http://schemas.microsoft.com/office/drawing/2014/main" id="{1EF18778-2766-9144-9027-F98DCF1DA3EB}"/>
-              </a:ext>
-            </a:extLst>
-          </p:cNvPr>
-          <p:cNvSpPr txBox="1"/>
-          <p:nvPr/>
-        </p:nvSpPr>
-        <p:spPr>
-          <a:xfrm>
-            <a:off x="2434677" y="6311900"/>
-            <a:ext cx="7322646" cy="369332"/>
-          </a:xfrm>
-          <a:prstGeom prst="rect">
-            <a:avLst/>
-          </a:prstGeom>
-          <a:noFill/>
-        </p:spPr>
-        <p:txBody>
-          <a:bodyPr wrap="none" rtlCol="0">
-            <a:spAutoFit/>
-          </a:bodyPr>
-          <a:lstStyle/>
-          <a:p>
-            <a:r>
-              <a:rPr lang="en-US" dirty="0"/>
-              <a:t>Figure 2.2: Schematic illustrating some of the main components of an agent.</a:t>
-            </a:r>
+        </p:nvSpPr>
+        <p:spPr/>
+        <p:txBody>
+          <a:bodyPr/>
+          <a:lstStyle/>
+          <a:p>
+            <a:endParaRPr lang="en-US"/>
           </a:p>
         </p:txBody>
       </p:sp>
     </p:spTree>
     <p:extLst>
       <p:ext uri="{BB962C8B-B14F-4D97-AF65-F5344CB8AC3E}">
-        <p14:creationId xmlns:p14="http://schemas.microsoft.com/office/powerpoint/2010/main" val="1134758609"/>
+        <p14:creationId xmlns:p14="http://schemas.microsoft.com/office/powerpoint/2010/main" val="1092804187"/>
       </p:ext>
     </p:extLst>
   </p:cSld>
@@ -6679,7 +6632,7 @@
           <p:cNvPr id="2" name="Title 1">
             <a:extLst>
               <a:ext uri="{FF2B5EF4-FFF2-40B4-BE49-F238E27FC236}">
-                <a16:creationId xmlns:a16="http://schemas.microsoft.com/office/drawing/2014/main" id="{8A431535-8FE5-7748-96DE-5964BABBAC4D}"/>
+                <a16:creationId xmlns:a16="http://schemas.microsoft.com/office/drawing/2014/main" id="{7BF78CB2-617B-8E4F-BEFD-AB6E6284B9C9}"/>
               </a:ext>
             </a:extLst>
           </p:cNvPr>
@@ -6697,40 +6650,80 @@
           <a:p>
             <a:r>
               <a:rPr lang="en-US" dirty="0"/>
-              <a:t>An Agent’s World</a:t>
-            </a:r>
-          </a:p>
-        </p:txBody>
-      </p:sp>
-      <p:sp>
-        <p:nvSpPr>
-          <p:cNvPr id="3" name="Content Placeholder 2">
-            <a:extLst>
-              <a:ext uri="{FF2B5EF4-FFF2-40B4-BE49-F238E27FC236}">
-                <a16:creationId xmlns:a16="http://schemas.microsoft.com/office/drawing/2014/main" id="{7110F534-A014-1947-BEFB-5C0EE0BFDC13}"/>
-              </a:ext>
-            </a:extLst>
-          </p:cNvPr>
-          <p:cNvSpPr>
-            <a:spLocks noGrp="1"/>
-          </p:cNvSpPr>
+              <a:t>Agents and their “World”</a:t>
+            </a:r>
+          </a:p>
+        </p:txBody>
+      </p:sp>
+      <p:pic>
+        <p:nvPicPr>
+          <p:cNvPr id="6" name="Content Placeholder 5">
+            <a:extLst>
+              <a:ext uri="{FF2B5EF4-FFF2-40B4-BE49-F238E27FC236}">
+                <a16:creationId xmlns:a16="http://schemas.microsoft.com/office/drawing/2014/main" id="{0069544A-2D06-4841-A23F-FD7482F060CC}"/>
+              </a:ext>
+            </a:extLst>
+          </p:cNvPr>
+          <p:cNvPicPr>
+            <a:picLocks noGrp="1" noChangeAspect="1"/>
+          </p:cNvPicPr>
           <p:nvPr>
             <p:ph idx="1"/>
           </p:nvPr>
-        </p:nvSpPr>
-        <p:spPr/>
-        <p:txBody>
-          <a:bodyPr/>
-          <a:lstStyle/>
-          <a:p>
-            <a:endParaRPr lang="en-US"/>
+        </p:nvPicPr>
+        <p:blipFill>
+          <a:blip r:embed="rId2"/>
+          <a:stretch>
+            <a:fillRect/>
+          </a:stretch>
+        </p:blipFill>
+        <p:spPr>
+          <a:xfrm>
+            <a:off x="1870635" y="1690688"/>
+            <a:ext cx="8450730" cy="4260056"/>
+          </a:xfrm>
+        </p:spPr>
+      </p:pic>
+      <p:sp>
+        <p:nvSpPr>
+          <p:cNvPr id="4" name="TextBox 3">
+            <a:extLst>
+              <a:ext uri="{FF2B5EF4-FFF2-40B4-BE49-F238E27FC236}">
+                <a16:creationId xmlns:a16="http://schemas.microsoft.com/office/drawing/2014/main" id="{CB104B41-3DAF-1846-8F55-92483110AACF}"/>
+              </a:ext>
+            </a:extLst>
+          </p:cNvPr>
+          <p:cNvSpPr txBox="1"/>
+          <p:nvPr/>
+        </p:nvSpPr>
+        <p:spPr>
+          <a:xfrm>
+            <a:off x="355601" y="6176963"/>
+            <a:ext cx="11700932" cy="646331"/>
+          </a:xfrm>
+          <a:prstGeom prst="rect">
+            <a:avLst/>
+          </a:prstGeom>
+          <a:noFill/>
+        </p:spPr>
+        <p:txBody>
+          <a:bodyPr wrap="square" rtlCol="0">
+            <a:spAutoFit/>
+          </a:bodyPr>
+          <a:lstStyle/>
+          <a:p>
+            <a:pPr algn="ctr"/>
+            <a:r>
+              <a:rPr lang="en-US" dirty="0"/>
+              <a:t>Figure 2.3: Conceptualization of an agent-based model where people are connected to each other and take actions when a specific condition is met.</a:t>
+            </a:r>
           </a:p>
         </p:txBody>
       </p:sp>
     </p:spTree>
     <p:extLst>
       <p:ext uri="{BB962C8B-B14F-4D97-AF65-F5344CB8AC3E}">
-        <p14:creationId xmlns:p14="http://schemas.microsoft.com/office/powerpoint/2010/main" val="1092804187"/>
+        <p14:creationId xmlns:p14="http://schemas.microsoft.com/office/powerpoint/2010/main" val="2423466223"/>
       </p:ext>
     </p:extLst>
   </p:cSld>
